--- a/docs/diagrams/LimitSequenceDiagram.pptx
+++ b/docs/diagrams/LimitSequenceDiagram.pptx
@@ -5,7 +5,7 @@
     <p:sldMasterId id="2147483648" r:id="rId1"/>
   </p:sldMasterIdLst>
   <p:sldIdLst>
-    <p:sldId id="256" r:id="rId2"/>
+    <p:sldId id="257" r:id="rId2"/>
   </p:sldIdLst>
   <p:sldSz cx="12192000" cy="6858000"/>
   <p:notesSz cx="6858000" cy="9144000"/>
@@ -104,6 +104,11 @@
       </a:defRPr>
     </a:lvl9pPr>
   </p:defaultTextStyle>
+  <p:extLst>
+    <p:ext uri="{EFAFB233-063F-42B5-8137-9DF3F51BA10A}">
+      <p15:sldGuideLst xmlns:p15="http://schemas.microsoft.com/office/powerpoint/2012/main"/>
+    </p:ext>
+  </p:extLst>
 </p:presentation>
 </file>
 
@@ -256,7 +261,7 @@
           <a:p>
             <a:fld id="{308967D2-17F3-4CFE-A711-ECA42BFFA541}" type="datetimeFigureOut">
               <a:rPr lang="zh-CN" altLang="en-US" smtClean="0"/>
-              <a:t>2018/10/17</a:t>
+              <a:t>2018/10/31</a:t>
             </a:fld>
             <a:endParaRPr lang="zh-CN" altLang="en-US"/>
           </a:p>
@@ -456,7 +461,7 @@
           <a:p>
             <a:fld id="{308967D2-17F3-4CFE-A711-ECA42BFFA541}" type="datetimeFigureOut">
               <a:rPr lang="zh-CN" altLang="en-US" smtClean="0"/>
-              <a:t>2018/10/17</a:t>
+              <a:t>2018/10/31</a:t>
             </a:fld>
             <a:endParaRPr lang="zh-CN" altLang="en-US"/>
           </a:p>
@@ -666,7 +671,7 @@
           <a:p>
             <a:fld id="{308967D2-17F3-4CFE-A711-ECA42BFFA541}" type="datetimeFigureOut">
               <a:rPr lang="zh-CN" altLang="en-US" smtClean="0"/>
-              <a:t>2018/10/17</a:t>
+              <a:t>2018/10/31</a:t>
             </a:fld>
             <a:endParaRPr lang="zh-CN" altLang="en-US"/>
           </a:p>
@@ -866,7 +871,7 @@
           <a:p>
             <a:fld id="{308967D2-17F3-4CFE-A711-ECA42BFFA541}" type="datetimeFigureOut">
               <a:rPr lang="zh-CN" altLang="en-US" smtClean="0"/>
-              <a:t>2018/10/17</a:t>
+              <a:t>2018/10/31</a:t>
             </a:fld>
             <a:endParaRPr lang="zh-CN" altLang="en-US"/>
           </a:p>
@@ -1142,7 +1147,7 @@
           <a:p>
             <a:fld id="{308967D2-17F3-4CFE-A711-ECA42BFFA541}" type="datetimeFigureOut">
               <a:rPr lang="zh-CN" altLang="en-US" smtClean="0"/>
-              <a:t>2018/10/17</a:t>
+              <a:t>2018/10/31</a:t>
             </a:fld>
             <a:endParaRPr lang="zh-CN" altLang="en-US"/>
           </a:p>
@@ -1410,7 +1415,7 @@
           <a:p>
             <a:fld id="{308967D2-17F3-4CFE-A711-ECA42BFFA541}" type="datetimeFigureOut">
               <a:rPr lang="zh-CN" altLang="en-US" smtClean="0"/>
-              <a:t>2018/10/17</a:t>
+              <a:t>2018/10/31</a:t>
             </a:fld>
             <a:endParaRPr lang="zh-CN" altLang="en-US"/>
           </a:p>
@@ -1825,7 +1830,7 @@
           <a:p>
             <a:fld id="{308967D2-17F3-4CFE-A711-ECA42BFFA541}" type="datetimeFigureOut">
               <a:rPr lang="zh-CN" altLang="en-US" smtClean="0"/>
-              <a:t>2018/10/17</a:t>
+              <a:t>2018/10/31</a:t>
             </a:fld>
             <a:endParaRPr lang="zh-CN" altLang="en-US"/>
           </a:p>
@@ -1967,7 +1972,7 @@
           <a:p>
             <a:fld id="{308967D2-17F3-4CFE-A711-ECA42BFFA541}" type="datetimeFigureOut">
               <a:rPr lang="zh-CN" altLang="en-US" smtClean="0"/>
-              <a:t>2018/10/17</a:t>
+              <a:t>2018/10/31</a:t>
             </a:fld>
             <a:endParaRPr lang="zh-CN" altLang="en-US"/>
           </a:p>
@@ -2080,7 +2085,7 @@
           <a:p>
             <a:fld id="{308967D2-17F3-4CFE-A711-ECA42BFFA541}" type="datetimeFigureOut">
               <a:rPr lang="zh-CN" altLang="en-US" smtClean="0"/>
-              <a:t>2018/10/17</a:t>
+              <a:t>2018/10/31</a:t>
             </a:fld>
             <a:endParaRPr lang="zh-CN" altLang="en-US"/>
           </a:p>
@@ -2393,7 +2398,7 @@
           <a:p>
             <a:fld id="{308967D2-17F3-4CFE-A711-ECA42BFFA541}" type="datetimeFigureOut">
               <a:rPr lang="zh-CN" altLang="en-US" smtClean="0"/>
-              <a:t>2018/10/17</a:t>
+              <a:t>2018/10/31</a:t>
             </a:fld>
             <a:endParaRPr lang="zh-CN" altLang="en-US"/>
           </a:p>
@@ -2682,7 +2687,7 @@
           <a:p>
             <a:fld id="{308967D2-17F3-4CFE-A711-ECA42BFFA541}" type="datetimeFigureOut">
               <a:rPr lang="zh-CN" altLang="en-US" smtClean="0"/>
-              <a:t>2018/10/17</a:t>
+              <a:t>2018/10/31</a:t>
             </a:fld>
             <a:endParaRPr lang="zh-CN" altLang="en-US"/>
           </a:p>
@@ -2925,7 +2930,7 @@
           <a:p>
             <a:fld id="{308967D2-17F3-4CFE-A711-ECA42BFFA541}" type="datetimeFigureOut">
               <a:rPr lang="zh-CN" altLang="en-US" smtClean="0"/>
-              <a:t>2018/10/17</a:t>
+              <a:t>2018/10/31</a:t>
             </a:fld>
             <a:endParaRPr lang="zh-CN" altLang="en-US"/>
           </a:p>
@@ -3344,10 +3349,85 @@
       </p:grpSpPr>
       <p:sp>
         <p:nvSpPr>
+          <p:cNvPr id="128" name="Rectangle 65">
+            <a:extLst>
+              <a:ext uri="{FF2B5EF4-FFF2-40B4-BE49-F238E27FC236}">
+                <a16:creationId xmlns:a16="http://schemas.microsoft.com/office/drawing/2014/main" id="{0CB2EC39-17E9-4CB5-8920-4EA2D8073BA4}"/>
+              </a:ext>
+            </a:extLst>
+          </p:cNvPr>
+          <p:cNvSpPr/>
+          <p:nvPr/>
+        </p:nvSpPr>
+        <p:spPr>
+          <a:xfrm>
+            <a:off x="11367170" y="38457"/>
+            <a:ext cx="2884380" cy="6650781"/>
+          </a:xfrm>
+          <a:prstGeom prst="roundRect">
+            <a:avLst>
+              <a:gd name="adj" fmla="val 3484"/>
+            </a:avLst>
+          </a:prstGeom>
+          <a:solidFill>
+            <a:schemeClr val="accent6">
+              <a:lumMod val="60000"/>
+              <a:lumOff val="40000"/>
+            </a:schemeClr>
+          </a:solidFill>
+          <a:ln w="19050">
+            <a:noFill/>
+          </a:ln>
+          <a:effectLst/>
+        </p:spPr>
+        <p:style>
+          <a:lnRef idx="1">
+            <a:schemeClr val="accent2"/>
+          </a:lnRef>
+          <a:fillRef idx="2">
+            <a:schemeClr val="accent2"/>
+          </a:fillRef>
+          <a:effectRef idx="1">
+            <a:schemeClr val="accent2"/>
+          </a:effectRef>
+          <a:fontRef idx="minor">
+            <a:schemeClr val="dk1"/>
+          </a:fontRef>
+        </p:style>
+        <p:txBody>
+          <a:bodyPr rtlCol="0" anchor="t"/>
+          <a:lstStyle/>
+          <a:p>
+            <a:r>
+              <a:rPr lang="en-SG" sz="1200" b="1" dirty="0">
+                <a:solidFill>
+                  <a:srgbClr val="7030A0"/>
+                </a:solidFill>
+              </a:rPr>
+              <a:t>S</a:t>
+            </a:r>
+            <a:r>
+              <a:rPr lang="en-US" sz="1200" b="1" dirty="0" err="1">
+                <a:solidFill>
+                  <a:srgbClr val="7030A0"/>
+                </a:solidFill>
+              </a:rPr>
+              <a:t>torage</a:t>
+            </a:r>
+            <a:endParaRPr lang="en-SG" sz="1200" b="1" dirty="0">
+              <a:solidFill>
+                <a:srgbClr val="7030A0"/>
+              </a:solidFill>
+            </a:endParaRPr>
+          </a:p>
+        </p:txBody>
+      </p:sp>
+      <p:sp>
+        <p:nvSpPr>
           <p:cNvPr id="2" name="Title 1">
             <a:extLst>
               <a:ext uri="{FF2B5EF4-FFF2-40B4-BE49-F238E27FC236}">
-                <a16:creationId xmlns:a16="http://schemas.microsoft.com/office/drawing/2014/main" id="{D7AAB99A-1EF6-4F81-A180-AE9F6D80A01C}"/>
+                <a16:creationId xmlns:a16="http://schemas.microsoft.com/office/drawing/2014/main" id="{C18EEE73-D419-485D-9536-A78E60F2380B}"/>
               </a:ext>
             </a:extLst>
           </p:cNvPr>
@@ -3355,7 +3435,7 @@
             <a:spLocks noGrp="1"/>
           </p:cNvSpPr>
           <p:nvPr>
-            <p:ph type="ctrTitle"/>
+            <p:ph type="title"/>
           </p:nvPr>
         </p:nvSpPr>
         <p:spPr/>
@@ -3369,10 +3449,10 @@
       </p:sp>
       <p:sp>
         <p:nvSpPr>
-          <p:cNvPr id="3" name="Subtitle 2">
-            <a:extLst>
-              <a:ext uri="{FF2B5EF4-FFF2-40B4-BE49-F238E27FC236}">
-                <a16:creationId xmlns:a16="http://schemas.microsoft.com/office/drawing/2014/main" id="{B7D72858-2334-4069-8F9E-56EB28D0D48F}"/>
+          <p:cNvPr id="3" name="Content Placeholder 2">
+            <a:extLst>
+              <a:ext uri="{FF2B5EF4-FFF2-40B4-BE49-F238E27FC236}">
+                <a16:creationId xmlns:a16="http://schemas.microsoft.com/office/drawing/2014/main" id="{70B1622E-419D-4D7F-A454-B924A43EE637}"/>
               </a:ext>
             </a:extLst>
           </p:cNvPr>
@@ -3380,7 +3460,7 @@
             <a:spLocks noGrp="1"/>
           </p:cNvSpPr>
           <p:nvPr>
-            <p:ph type="subTitle" idx="1"/>
+            <p:ph idx="1"/>
           </p:nvPr>
         </p:nvSpPr>
         <p:spPr/>
@@ -3397,7 +3477,7 @@
           <p:cNvPr id="4" name="Rectangle 65">
             <a:extLst>
               <a:ext uri="{FF2B5EF4-FFF2-40B4-BE49-F238E27FC236}">
-                <a16:creationId xmlns:a16="http://schemas.microsoft.com/office/drawing/2014/main" id="{642685B3-43C9-4376-BBE7-0350BBBF1905}"/>
+                <a16:creationId xmlns:a16="http://schemas.microsoft.com/office/drawing/2014/main" id="{7871F0F2-E159-45C2-B42D-93A36F506E7C}"/>
               </a:ext>
             </a:extLst>
           </p:cNvPr>
@@ -3406,8 +3486,8 @@
         </p:nvSpPr>
         <p:spPr>
           <a:xfrm>
-            <a:off x="960303" y="653467"/>
-            <a:ext cx="7901741" cy="4343400"/>
+            <a:off x="128495" y="28327"/>
+            <a:ext cx="8287981" cy="6801346"/>
           </a:xfrm>
           <a:prstGeom prst="roundRect">
             <a:avLst>
@@ -3444,27 +3524,22 @@
           <a:lstStyle/>
           <a:p>
             <a:r>
-              <a:rPr lang="en-US" sz="1200" b="1" dirty="0">
+              <a:rPr lang="en-SG" sz="1200" b="1" dirty="0">
                 <a:solidFill>
                   <a:srgbClr val="0070C0"/>
                 </a:solidFill>
               </a:rPr>
               <a:t>Logic</a:t>
             </a:r>
-            <a:endParaRPr lang="en-SG" sz="1200" b="1" dirty="0">
-              <a:solidFill>
-                <a:srgbClr val="0070C0"/>
-              </a:solidFill>
-            </a:endParaRPr>
-          </a:p>
-        </p:txBody>
-      </p:sp>
-      <p:sp>
-        <p:nvSpPr>
-          <p:cNvPr id="5" name="Rectangle 4">
-            <a:extLst>
-              <a:ext uri="{FF2B5EF4-FFF2-40B4-BE49-F238E27FC236}">
-                <a16:creationId xmlns:a16="http://schemas.microsoft.com/office/drawing/2014/main" id="{637675F0-8F13-455A-A62E-FDB2C51B3CC4}"/>
+          </a:p>
+        </p:txBody>
+      </p:sp>
+      <p:sp>
+        <p:nvSpPr>
+          <p:cNvPr id="6" name="Rectangle 65">
+            <a:extLst>
+              <a:ext uri="{FF2B5EF4-FFF2-40B4-BE49-F238E27FC236}">
+                <a16:creationId xmlns:a16="http://schemas.microsoft.com/office/drawing/2014/main" id="{1C64B2AE-5FED-4B7F-ACA8-615F41BAEFB8}"/>
               </a:ext>
             </a:extLst>
           </p:cNvPr>
@@ -3473,61 +3548,8 @@
         </p:nvSpPr>
         <p:spPr>
           <a:xfrm>
-            <a:off x="7768473" y="2055824"/>
-            <a:ext cx="161322" cy="392257"/>
-          </a:xfrm>
-          <a:prstGeom prst="rect">
-            <a:avLst/>
-          </a:prstGeom>
-          <a:solidFill>
-            <a:srgbClr val="0070C0"/>
-          </a:solidFill>
-          <a:ln>
-            <a:solidFill>
-              <a:srgbClr val="0070C0"/>
-            </a:solidFill>
-          </a:ln>
-          <a:effectLst/>
-        </p:spPr>
-        <p:style>
-          <a:lnRef idx="1">
-            <a:schemeClr val="accent3"/>
-          </a:lnRef>
-          <a:fillRef idx="2">
-            <a:schemeClr val="accent3"/>
-          </a:fillRef>
-          <a:effectRef idx="1">
-            <a:schemeClr val="accent3"/>
-          </a:effectRef>
-          <a:fontRef idx="minor">
-            <a:schemeClr val="dk1"/>
-          </a:fontRef>
-        </p:style>
-        <p:txBody>
-          <a:bodyPr rtlCol="0" anchor="ctr"/>
-          <a:lstStyle/>
-          <a:p>
-            <a:pPr algn="ctr"/>
-            <a:endParaRPr lang="en-SG" sz="1400"/>
-          </a:p>
-        </p:txBody>
-      </p:sp>
-      <p:sp>
-        <p:nvSpPr>
-          <p:cNvPr id="6" name="Rectangle 65">
-            <a:extLst>
-              <a:ext uri="{FF2B5EF4-FFF2-40B4-BE49-F238E27FC236}">
-                <a16:creationId xmlns:a16="http://schemas.microsoft.com/office/drawing/2014/main" id="{C75D0899-51AF-4AF6-A311-A837A2B57D74}"/>
-              </a:ext>
-            </a:extLst>
-          </p:cNvPr>
-          <p:cNvSpPr/>
-          <p:nvPr/>
-        </p:nvSpPr>
-        <p:spPr>
-          <a:xfrm>
-            <a:off x="9230709" y="653467"/>
-            <a:ext cx="3903825" cy="4400926"/>
+            <a:off x="8455600" y="38457"/>
+            <a:ext cx="2884380" cy="6650781"/>
           </a:xfrm>
           <a:prstGeom prst="roundRect">
             <a:avLst>
@@ -3579,12 +3601,143 @@
           </a:p>
         </p:txBody>
       </p:sp>
-      <p:sp>
-        <p:nvSpPr>
-          <p:cNvPr id="7" name="Rectangle 62">
-            <a:extLst>
-              <a:ext uri="{FF2B5EF4-FFF2-40B4-BE49-F238E27FC236}">
-                <a16:creationId xmlns:a16="http://schemas.microsoft.com/office/drawing/2014/main" id="{8DDD7CF7-8627-4771-9CBF-E8A20F0295DB}"/>
+      <p:grpSp>
+        <p:nvGrpSpPr>
+          <p:cNvPr id="7" name="Group 6">
+            <a:extLst>
+              <a:ext uri="{FF2B5EF4-FFF2-40B4-BE49-F238E27FC236}">
+                <a16:creationId xmlns:a16="http://schemas.microsoft.com/office/drawing/2014/main" id="{D13EB876-877F-4AF2-A905-2EB3EE316E61}"/>
+              </a:ext>
+            </a:extLst>
+          </p:cNvPr>
+          <p:cNvGrpSpPr/>
+          <p:nvPr/>
+        </p:nvGrpSpPr>
+        <p:grpSpPr>
+          <a:xfrm>
+            <a:off x="852020" y="145191"/>
+            <a:ext cx="1110404" cy="6506657"/>
+            <a:chOff x="751914" y="137983"/>
+            <a:chExt cx="1110404" cy="6506657"/>
+          </a:xfrm>
+        </p:grpSpPr>
+        <p:sp>
+          <p:nvSpPr>
+            <p:cNvPr id="8" name="Rectangle 62">
+              <a:extLst>
+                <a:ext uri="{FF2B5EF4-FFF2-40B4-BE49-F238E27FC236}">
+                  <a16:creationId xmlns:a16="http://schemas.microsoft.com/office/drawing/2014/main" id="{C618B749-A3AE-4226-8F3E-F0D64BE01806}"/>
+                </a:ext>
+              </a:extLst>
+            </p:cNvPr>
+            <p:cNvSpPr/>
+            <p:nvPr/>
+          </p:nvSpPr>
+          <p:spPr>
+            <a:xfrm>
+              <a:off x="751914" y="137983"/>
+              <a:ext cx="1110404" cy="467684"/>
+            </a:xfrm>
+            <a:prstGeom prst="rect">
+              <a:avLst/>
+            </a:prstGeom>
+            <a:solidFill>
+              <a:srgbClr val="0070C0"/>
+            </a:solidFill>
+            <a:ln w="19050">
+              <a:solidFill>
+                <a:srgbClr val="0070C0"/>
+              </a:solidFill>
+            </a:ln>
+            <a:effectLst/>
+          </p:spPr>
+          <p:style>
+            <a:lnRef idx="1">
+              <a:schemeClr val="accent2"/>
+            </a:lnRef>
+            <a:fillRef idx="2">
+              <a:schemeClr val="accent2"/>
+            </a:fillRef>
+            <a:effectRef idx="1">
+              <a:schemeClr val="accent2"/>
+            </a:effectRef>
+            <a:fontRef idx="minor">
+              <a:schemeClr val="dk1"/>
+            </a:fontRef>
+          </p:style>
+          <p:txBody>
+            <a:bodyPr rtlCol="0" anchor="ctr"/>
+            <a:lstStyle/>
+            <a:p>
+              <a:pPr algn="ctr"/>
+              <a:r>
+                <a:rPr lang="en-US" sz="1200" dirty="0">
+                  <a:solidFill>
+                    <a:schemeClr val="bg1"/>
+                  </a:solidFill>
+                </a:rPr>
+                <a:t>:LogicManager</a:t>
+              </a:r>
+              <a:endParaRPr lang="en-SG" sz="1200" dirty="0">
+                <a:solidFill>
+                  <a:schemeClr val="bg1"/>
+                </a:solidFill>
+              </a:endParaRPr>
+            </a:p>
+          </p:txBody>
+        </p:sp>
+        <p:cxnSp>
+          <p:nvCxnSpPr>
+            <p:cNvPr id="9" name="Straight Connector 8">
+              <a:extLst>
+                <a:ext uri="{FF2B5EF4-FFF2-40B4-BE49-F238E27FC236}">
+                  <a16:creationId xmlns:a16="http://schemas.microsoft.com/office/drawing/2014/main" id="{0F1001B9-27A5-41DD-8E21-4E8EEF0D497D}"/>
+                </a:ext>
+              </a:extLst>
+            </p:cNvPr>
+            <p:cNvCxnSpPr>
+              <a:cxnSpLocks/>
+            </p:cNvCxnSpPr>
+            <p:nvPr/>
+          </p:nvCxnSpPr>
+          <p:spPr>
+            <a:xfrm>
+              <a:off x="1304467" y="622578"/>
+              <a:ext cx="0" cy="6022062"/>
+            </a:xfrm>
+            <a:prstGeom prst="line">
+              <a:avLst/>
+            </a:prstGeom>
+            <a:ln w="19050">
+              <a:solidFill>
+                <a:srgbClr val="0070C0"/>
+              </a:solidFill>
+              <a:prstDash val="sysDash"/>
+            </a:ln>
+            <a:effectLst/>
+          </p:spPr>
+          <p:style>
+            <a:lnRef idx="1">
+              <a:schemeClr val="accent1"/>
+            </a:lnRef>
+            <a:fillRef idx="2">
+              <a:schemeClr val="accent1"/>
+            </a:fillRef>
+            <a:effectRef idx="1">
+              <a:schemeClr val="accent1"/>
+            </a:effectRef>
+            <a:fontRef idx="minor">
+              <a:schemeClr val="dk1"/>
+            </a:fontRef>
+          </p:style>
+        </p:cxnSp>
+      </p:grpSp>
+      <p:sp>
+        <p:nvSpPr>
+          <p:cNvPr id="10" name="Rectangle 62">
+            <a:extLst>
+              <a:ext uri="{FF2B5EF4-FFF2-40B4-BE49-F238E27FC236}">
+                <a16:creationId xmlns:a16="http://schemas.microsoft.com/office/drawing/2014/main" id="{9931736B-BEE4-499A-85CD-1353033FFAD0}"/>
               </a:ext>
             </a:extLst>
           </p:cNvPr>
@@ -3593,8 +3746,8 @@
         </p:nvSpPr>
         <p:spPr>
           <a:xfrm>
-            <a:off x="1412920" y="978512"/>
-            <a:ext cx="1455629" cy="346760"/>
+            <a:off x="2848898" y="152300"/>
+            <a:ext cx="1056227" cy="467684"/>
           </a:xfrm>
           <a:prstGeom prst="rect">
             <a:avLst/>
@@ -3629,22 +3782,25 @@
           <a:p>
             <a:pPr algn="ctr"/>
             <a:r>
-              <a:rPr lang="en-US" sz="1600" dirty="0">
+              <a:rPr lang="en-US" sz="1200" dirty="0">
                 <a:solidFill>
                   <a:schemeClr val="bg1"/>
                 </a:solidFill>
               </a:rPr>
-              <a:t>:</a:t>
-            </a:r>
-            <a:r>
-              <a:rPr lang="en-US" sz="1600" dirty="0" err="1">
+              <a:t>:Financial</a:t>
+            </a:r>
+          </a:p>
+          <a:p>
+            <a:pPr algn="ctr"/>
+            <a:r>
+              <a:rPr lang="en-US" sz="1200" dirty="0">
                 <a:solidFill>
                   <a:schemeClr val="bg1"/>
                 </a:solidFill>
               </a:rPr>
-              <a:t>LogicManager</a:t>
-            </a:r>
-            <a:endParaRPr lang="en-SG" sz="1600" dirty="0">
+              <a:t>PlannerParser</a:t>
+            </a:r>
+            <a:endParaRPr lang="en-SG" sz="1200" dirty="0">
               <a:solidFill>
                 <a:schemeClr val="bg1"/>
               </a:solidFill>
@@ -3654,10 +3810,10 @@
       </p:sp>
       <p:cxnSp>
         <p:nvCxnSpPr>
-          <p:cNvPr id="8" name="Straight Connector 7">
-            <a:extLst>
-              <a:ext uri="{FF2B5EF4-FFF2-40B4-BE49-F238E27FC236}">
-                <a16:creationId xmlns:a16="http://schemas.microsoft.com/office/drawing/2014/main" id="{EFD0BCD8-80C0-4BA1-BB22-BF0FF703AE64}"/>
+          <p:cNvPr id="11" name="Straight Connector 10">
+            <a:extLst>
+              <a:ext uri="{FF2B5EF4-FFF2-40B4-BE49-F238E27FC236}">
+                <a16:creationId xmlns:a16="http://schemas.microsoft.com/office/drawing/2014/main" id="{8C640ADE-BB28-4C5F-B94A-F1D41B5ECA03}"/>
               </a:ext>
             </a:extLst>
           </p:cNvPr>
@@ -3667,9 +3823,9 @@
           <p:nvPr/>
         </p:nvCxnSpPr>
         <p:spPr>
-          <a:xfrm>
-            <a:off x="2140734" y="1342183"/>
-            <a:ext cx="0" cy="3481399"/>
+          <a:xfrm flipH="1">
+            <a:off x="3374546" y="635883"/>
+            <a:ext cx="1" cy="2085096"/>
           </a:xfrm>
           <a:prstGeom prst="line">
             <a:avLst/>
@@ -3699,10 +3855,10 @@
       </p:cxnSp>
       <p:sp>
         <p:nvSpPr>
-          <p:cNvPr id="9" name="Rectangle 8">
-            <a:extLst>
-              <a:ext uri="{FF2B5EF4-FFF2-40B4-BE49-F238E27FC236}">
-                <a16:creationId xmlns:a16="http://schemas.microsoft.com/office/drawing/2014/main" id="{2948373A-2B7A-43F7-9729-9772AD59DA7C}"/>
+          <p:cNvPr id="12" name="Rectangle 62">
+            <a:extLst>
+              <a:ext uri="{FF2B5EF4-FFF2-40B4-BE49-F238E27FC236}">
+                <a16:creationId xmlns:a16="http://schemas.microsoft.com/office/drawing/2014/main" id="{929C8269-BA25-4159-AB60-1BC7A3C7AE7B}"/>
               </a:ext>
             </a:extLst>
           </p:cNvPr>
@@ -3711,8 +3867,693 @@
         </p:nvSpPr>
         <p:spPr>
           <a:xfrm>
-            <a:off x="2068726" y="1692877"/>
-            <a:ext cx="152400" cy="2932689"/>
+            <a:off x="4094153" y="152767"/>
+            <a:ext cx="1274405" cy="467684"/>
+          </a:xfrm>
+          <a:prstGeom prst="rect">
+            <a:avLst/>
+          </a:prstGeom>
+          <a:solidFill>
+            <a:srgbClr val="0070C0"/>
+          </a:solidFill>
+          <a:ln w="19050">
+            <a:solidFill>
+              <a:srgbClr val="0070C0"/>
+            </a:solidFill>
+          </a:ln>
+          <a:effectLst/>
+        </p:spPr>
+        <p:style>
+          <a:lnRef idx="1">
+            <a:schemeClr val="accent2"/>
+          </a:lnRef>
+          <a:fillRef idx="2">
+            <a:schemeClr val="accent2"/>
+          </a:fillRef>
+          <a:effectRef idx="1">
+            <a:schemeClr val="accent2"/>
+          </a:effectRef>
+          <a:fontRef idx="minor">
+            <a:schemeClr val="dk1"/>
+          </a:fontRef>
+        </p:style>
+        <p:txBody>
+          <a:bodyPr rtlCol="0" anchor="ctr"/>
+          <a:lstStyle/>
+          <a:p>
+            <a:pPr algn="ctr"/>
+            <a:r>
+              <a:rPr lang="en-US" sz="1200" dirty="0">
+                <a:solidFill>
+                  <a:schemeClr val="bg1"/>
+                </a:solidFill>
+              </a:rPr>
+              <a:t>:</a:t>
+            </a:r>
+            <a:r>
+              <a:rPr lang="en-US" sz="1200" dirty="0" err="1">
+                <a:solidFill>
+                  <a:schemeClr val="bg1"/>
+                </a:solidFill>
+              </a:rPr>
+              <a:t>LimitCommandParser</a:t>
+            </a:r>
+            <a:endParaRPr lang="en-SG" sz="1200" dirty="0">
+              <a:solidFill>
+                <a:schemeClr val="bg1"/>
+              </a:solidFill>
+            </a:endParaRPr>
+          </a:p>
+        </p:txBody>
+      </p:sp>
+      <p:cxnSp>
+        <p:nvCxnSpPr>
+          <p:cNvPr id="13" name="Straight Connector 12">
+            <a:extLst>
+              <a:ext uri="{FF2B5EF4-FFF2-40B4-BE49-F238E27FC236}">
+                <a16:creationId xmlns:a16="http://schemas.microsoft.com/office/drawing/2014/main" id="{00DB6152-E599-4CC4-8823-BFDE16FE80D4}"/>
+              </a:ext>
+            </a:extLst>
+          </p:cNvPr>
+          <p:cNvCxnSpPr>
+            <a:cxnSpLocks/>
+          </p:cNvCxnSpPr>
+          <p:nvPr/>
+        </p:nvCxnSpPr>
+        <p:spPr>
+          <a:xfrm>
+            <a:off x="4737751" y="644270"/>
+            <a:ext cx="7395" cy="1936656"/>
+          </a:xfrm>
+          <a:prstGeom prst="line">
+            <a:avLst/>
+          </a:prstGeom>
+          <a:ln w="19050">
+            <a:solidFill>
+              <a:srgbClr val="0070C0"/>
+            </a:solidFill>
+            <a:prstDash val="sysDash"/>
+          </a:ln>
+          <a:effectLst/>
+        </p:spPr>
+        <p:style>
+          <a:lnRef idx="1">
+            <a:schemeClr val="accent1"/>
+          </a:lnRef>
+          <a:fillRef idx="2">
+            <a:schemeClr val="accent1"/>
+          </a:fillRef>
+          <a:effectRef idx="1">
+            <a:schemeClr val="accent1"/>
+          </a:effectRef>
+          <a:fontRef idx="minor">
+            <a:schemeClr val="dk1"/>
+          </a:fontRef>
+        </p:style>
+      </p:cxnSp>
+      <p:sp>
+        <p:nvSpPr>
+          <p:cNvPr id="14" name="Multiplication Sign 13">
+            <a:extLst>
+              <a:ext uri="{FF2B5EF4-FFF2-40B4-BE49-F238E27FC236}">
+                <a16:creationId xmlns:a16="http://schemas.microsoft.com/office/drawing/2014/main" id="{5BC2184D-0FAF-47C1-BB8E-D46D6D5F9830}"/>
+              </a:ext>
+            </a:extLst>
+          </p:cNvPr>
+          <p:cNvSpPr/>
+          <p:nvPr/>
+        </p:nvSpPr>
+        <p:spPr>
+          <a:xfrm>
+            <a:off x="4606352" y="2413233"/>
+            <a:ext cx="275798" cy="250333"/>
+          </a:xfrm>
+          <a:prstGeom prst="mathMultiply">
+            <a:avLst>
+              <a:gd name="adj1" fmla="val 7539"/>
+            </a:avLst>
+          </a:prstGeom>
+        </p:spPr>
+        <p:style>
+          <a:lnRef idx="2">
+            <a:schemeClr val="accent1">
+              <a:shade val="50000"/>
+            </a:schemeClr>
+          </a:lnRef>
+          <a:fillRef idx="1">
+            <a:schemeClr val="accent1"/>
+          </a:fillRef>
+          <a:effectRef idx="0">
+            <a:schemeClr val="accent1"/>
+          </a:effectRef>
+          <a:fontRef idx="minor">
+            <a:schemeClr val="lt1"/>
+          </a:fontRef>
+        </p:style>
+        <p:txBody>
+          <a:bodyPr rtlCol="0" anchor="ctr"/>
+          <a:lstStyle/>
+          <a:p>
+            <a:pPr algn="ctr"/>
+            <a:endParaRPr lang="en-US"/>
+          </a:p>
+        </p:txBody>
+      </p:sp>
+      <p:sp>
+        <p:nvSpPr>
+          <p:cNvPr id="15" name="Rectangle 62">
+            <a:extLst>
+              <a:ext uri="{FF2B5EF4-FFF2-40B4-BE49-F238E27FC236}">
+                <a16:creationId xmlns:a16="http://schemas.microsoft.com/office/drawing/2014/main" id="{10C2837E-E7C1-4DC1-9CB9-524A81718D78}"/>
+              </a:ext>
+            </a:extLst>
+          </p:cNvPr>
+          <p:cNvSpPr/>
+          <p:nvPr/>
+        </p:nvSpPr>
+        <p:spPr>
+          <a:xfrm>
+            <a:off x="5557586" y="145191"/>
+            <a:ext cx="1435896" cy="468305"/>
+          </a:xfrm>
+          <a:prstGeom prst="rect">
+            <a:avLst/>
+          </a:prstGeom>
+          <a:solidFill>
+            <a:srgbClr val="0070C0"/>
+          </a:solidFill>
+          <a:ln w="19050">
+            <a:solidFill>
+              <a:srgbClr val="0070C0"/>
+            </a:solidFill>
+          </a:ln>
+          <a:effectLst/>
+        </p:spPr>
+        <p:style>
+          <a:lnRef idx="1">
+            <a:schemeClr val="accent2"/>
+          </a:lnRef>
+          <a:fillRef idx="2">
+            <a:schemeClr val="accent2"/>
+          </a:fillRef>
+          <a:effectRef idx="1">
+            <a:schemeClr val="accent2"/>
+          </a:effectRef>
+          <a:fontRef idx="minor">
+            <a:schemeClr val="dk1"/>
+          </a:fontRef>
+        </p:style>
+        <p:txBody>
+          <a:bodyPr rtlCol="0" anchor="ctr"/>
+          <a:lstStyle/>
+          <a:p>
+            <a:pPr algn="ctr"/>
+            <a:r>
+              <a:rPr lang="en-US" sz="1200" dirty="0">
+                <a:solidFill>
+                  <a:schemeClr val="bg1"/>
+                </a:solidFill>
+              </a:rPr>
+              <a:t>c:LimitCommand</a:t>
+            </a:r>
+            <a:endParaRPr lang="en-SG" sz="1200" dirty="0">
+              <a:solidFill>
+                <a:schemeClr val="bg1"/>
+              </a:solidFill>
+            </a:endParaRPr>
+          </a:p>
+        </p:txBody>
+      </p:sp>
+      <p:cxnSp>
+        <p:nvCxnSpPr>
+          <p:cNvPr id="16" name="Straight Connector 15">
+            <a:extLst>
+              <a:ext uri="{FF2B5EF4-FFF2-40B4-BE49-F238E27FC236}">
+                <a16:creationId xmlns:a16="http://schemas.microsoft.com/office/drawing/2014/main" id="{42FB2399-107C-4325-B1E9-CB1B740E16B7}"/>
+              </a:ext>
+            </a:extLst>
+          </p:cNvPr>
+          <p:cNvCxnSpPr>
+            <a:cxnSpLocks/>
+          </p:cNvCxnSpPr>
+          <p:nvPr/>
+        </p:nvCxnSpPr>
+        <p:spPr>
+          <a:xfrm>
+            <a:off x="6184301" y="586905"/>
+            <a:ext cx="0" cy="5829100"/>
+          </a:xfrm>
+          <a:prstGeom prst="line">
+            <a:avLst/>
+          </a:prstGeom>
+          <a:ln w="19050">
+            <a:solidFill>
+              <a:srgbClr val="0070C0"/>
+            </a:solidFill>
+            <a:prstDash val="sysDash"/>
+          </a:ln>
+          <a:effectLst/>
+        </p:spPr>
+        <p:style>
+          <a:lnRef idx="1">
+            <a:schemeClr val="accent1"/>
+          </a:lnRef>
+          <a:fillRef idx="2">
+            <a:schemeClr val="accent1"/>
+          </a:fillRef>
+          <a:effectRef idx="1">
+            <a:schemeClr val="accent1"/>
+          </a:effectRef>
+          <a:fontRef idx="minor">
+            <a:schemeClr val="dk1"/>
+          </a:fontRef>
+        </p:style>
+      </p:cxnSp>
+      <p:grpSp>
+        <p:nvGrpSpPr>
+          <p:cNvPr id="20" name="Group 19">
+            <a:extLst>
+              <a:ext uri="{FF2B5EF4-FFF2-40B4-BE49-F238E27FC236}">
+                <a16:creationId xmlns:a16="http://schemas.microsoft.com/office/drawing/2014/main" id="{08CC8E91-0206-4B00-878F-ED59C37BCC66}"/>
+              </a:ext>
+            </a:extLst>
+          </p:cNvPr>
+          <p:cNvGrpSpPr/>
+          <p:nvPr/>
+        </p:nvGrpSpPr>
+        <p:grpSpPr>
+          <a:xfrm>
+            <a:off x="8514931" y="2250961"/>
+            <a:ext cx="637202" cy="2663913"/>
+            <a:chOff x="8414825" y="137160"/>
+            <a:chExt cx="637202" cy="2663913"/>
+          </a:xfrm>
+        </p:grpSpPr>
+        <p:cxnSp>
+          <p:nvCxnSpPr>
+            <p:cNvPr id="21" name="Straight Connector 20">
+              <a:extLst>
+                <a:ext uri="{FF2B5EF4-FFF2-40B4-BE49-F238E27FC236}">
+                  <a16:creationId xmlns:a16="http://schemas.microsoft.com/office/drawing/2014/main" id="{4C65FEFF-7C58-4897-8ECD-C776412E49B1}"/>
+                </a:ext>
+              </a:extLst>
+            </p:cNvPr>
+            <p:cNvCxnSpPr>
+              <a:cxnSpLocks/>
+            </p:cNvCxnSpPr>
+            <p:nvPr/>
+          </p:nvCxnSpPr>
+          <p:spPr>
+            <a:xfrm>
+              <a:off x="8728617" y="622578"/>
+              <a:ext cx="0" cy="2178495"/>
+            </a:xfrm>
+            <a:prstGeom prst="line">
+              <a:avLst/>
+            </a:prstGeom>
+            <a:ln w="19050">
+              <a:solidFill>
+                <a:srgbClr val="7030A0"/>
+              </a:solidFill>
+              <a:prstDash val="sysDash"/>
+            </a:ln>
+            <a:effectLst/>
+          </p:spPr>
+          <p:style>
+            <a:lnRef idx="1">
+              <a:schemeClr val="accent1"/>
+            </a:lnRef>
+            <a:fillRef idx="2">
+              <a:schemeClr val="accent1"/>
+            </a:fillRef>
+            <a:effectRef idx="1">
+              <a:schemeClr val="accent1"/>
+            </a:effectRef>
+            <a:fontRef idx="minor">
+              <a:schemeClr val="dk1"/>
+            </a:fontRef>
+          </p:style>
+        </p:cxnSp>
+        <p:sp>
+          <p:nvSpPr>
+            <p:cNvPr id="22" name="Rectangle 62">
+              <a:extLst>
+                <a:ext uri="{FF2B5EF4-FFF2-40B4-BE49-F238E27FC236}">
+                  <a16:creationId xmlns:a16="http://schemas.microsoft.com/office/drawing/2014/main" id="{C2BE8507-EBA6-4D1C-AF5E-83EF747D2A24}"/>
+                </a:ext>
+              </a:extLst>
+            </p:cNvPr>
+            <p:cNvSpPr/>
+            <p:nvPr/>
+          </p:nvSpPr>
+          <p:spPr>
+            <a:xfrm>
+              <a:off x="8414825" y="137160"/>
+              <a:ext cx="637202" cy="475616"/>
+            </a:xfrm>
+            <a:prstGeom prst="rect">
+              <a:avLst/>
+            </a:prstGeom>
+            <a:solidFill>
+              <a:srgbClr val="7030A0"/>
+            </a:solidFill>
+            <a:ln w="19050">
+              <a:solidFill>
+                <a:srgbClr val="7030A0"/>
+              </a:solidFill>
+            </a:ln>
+            <a:effectLst/>
+          </p:spPr>
+          <p:style>
+            <a:lnRef idx="1">
+              <a:schemeClr val="accent2"/>
+            </a:lnRef>
+            <a:fillRef idx="2">
+              <a:schemeClr val="accent2"/>
+            </a:fillRef>
+            <a:effectRef idx="1">
+              <a:schemeClr val="accent2"/>
+            </a:effectRef>
+            <a:fontRef idx="minor">
+              <a:schemeClr val="dk1"/>
+            </a:fontRef>
+          </p:style>
+          <p:txBody>
+            <a:bodyPr rtlCol="0" anchor="ctr"/>
+            <a:lstStyle/>
+            <a:p>
+              <a:pPr algn="ctr"/>
+              <a:r>
+                <a:rPr lang="en-US" sz="1200" dirty="0">
+                  <a:solidFill>
+                    <a:schemeClr val="bg1"/>
+                  </a:solidFill>
+                </a:rPr>
+                <a:t>:Model</a:t>
+              </a:r>
+              <a:endParaRPr lang="en-SG" sz="1200" dirty="0">
+                <a:solidFill>
+                  <a:schemeClr val="bg1"/>
+                </a:solidFill>
+              </a:endParaRPr>
+            </a:p>
+          </p:txBody>
+        </p:sp>
+      </p:grpSp>
+      <p:grpSp>
+        <p:nvGrpSpPr>
+          <p:cNvPr id="23" name="Group 22">
+            <a:extLst>
+              <a:ext uri="{FF2B5EF4-FFF2-40B4-BE49-F238E27FC236}">
+                <a16:creationId xmlns:a16="http://schemas.microsoft.com/office/drawing/2014/main" id="{B904D7CD-2D2E-4146-9E7D-0FB274C274B7}"/>
+              </a:ext>
+            </a:extLst>
+          </p:cNvPr>
+          <p:cNvGrpSpPr/>
+          <p:nvPr/>
+        </p:nvGrpSpPr>
+        <p:grpSpPr>
+          <a:xfrm>
+            <a:off x="9347378" y="2250961"/>
+            <a:ext cx="1910944" cy="2663913"/>
+            <a:chOff x="9247365" y="135893"/>
+            <a:chExt cx="1910944" cy="2663913"/>
+          </a:xfrm>
+        </p:grpSpPr>
+        <p:cxnSp>
+          <p:nvCxnSpPr>
+            <p:cNvPr id="24" name="Straight Connector 23">
+              <a:extLst>
+                <a:ext uri="{FF2B5EF4-FFF2-40B4-BE49-F238E27FC236}">
+                  <a16:creationId xmlns:a16="http://schemas.microsoft.com/office/drawing/2014/main" id="{B627DC53-92E1-4E2D-B21E-9AC33C88DCA2}"/>
+                </a:ext>
+              </a:extLst>
+            </p:cNvPr>
+            <p:cNvCxnSpPr>
+              <a:cxnSpLocks/>
+            </p:cNvCxnSpPr>
+            <p:nvPr/>
+          </p:nvCxnSpPr>
+          <p:spPr>
+            <a:xfrm>
+              <a:off x="10234965" y="622578"/>
+              <a:ext cx="0" cy="2177228"/>
+            </a:xfrm>
+            <a:prstGeom prst="line">
+              <a:avLst/>
+            </a:prstGeom>
+            <a:ln w="19050">
+              <a:solidFill>
+                <a:srgbClr val="7030A0"/>
+              </a:solidFill>
+              <a:prstDash val="sysDash"/>
+            </a:ln>
+            <a:effectLst/>
+          </p:spPr>
+          <p:style>
+            <a:lnRef idx="1">
+              <a:schemeClr val="accent1"/>
+            </a:lnRef>
+            <a:fillRef idx="2">
+              <a:schemeClr val="accent1"/>
+            </a:fillRef>
+            <a:effectRef idx="1">
+              <a:schemeClr val="accent1"/>
+            </a:effectRef>
+            <a:fontRef idx="minor">
+              <a:schemeClr val="dk1"/>
+            </a:fontRef>
+          </p:style>
+        </p:cxnSp>
+        <p:sp>
+          <p:nvSpPr>
+            <p:cNvPr id="25" name="Rectangle 62">
+              <a:extLst>
+                <a:ext uri="{FF2B5EF4-FFF2-40B4-BE49-F238E27FC236}">
+                  <a16:creationId xmlns:a16="http://schemas.microsoft.com/office/drawing/2014/main" id="{5FD0FBB7-E1A6-4EC1-89AD-DFB904974018}"/>
+                </a:ext>
+              </a:extLst>
+            </p:cNvPr>
+            <p:cNvSpPr/>
+            <p:nvPr/>
+          </p:nvSpPr>
+          <p:spPr>
+            <a:xfrm>
+              <a:off x="9247365" y="135893"/>
+              <a:ext cx="1910944" cy="477095"/>
+            </a:xfrm>
+            <a:prstGeom prst="rect">
+              <a:avLst/>
+            </a:prstGeom>
+            <a:solidFill>
+              <a:srgbClr val="7030A0"/>
+            </a:solidFill>
+            <a:ln w="19050">
+              <a:solidFill>
+                <a:srgbClr val="7030A0"/>
+              </a:solidFill>
+            </a:ln>
+            <a:effectLst/>
+          </p:spPr>
+          <p:style>
+            <a:lnRef idx="1">
+              <a:schemeClr val="accent2"/>
+            </a:lnRef>
+            <a:fillRef idx="2">
+              <a:schemeClr val="accent2"/>
+            </a:fillRef>
+            <a:effectRef idx="1">
+              <a:schemeClr val="accent2"/>
+            </a:effectRef>
+            <a:fontRef idx="minor">
+              <a:schemeClr val="dk1"/>
+            </a:fontRef>
+          </p:style>
+          <p:txBody>
+            <a:bodyPr rtlCol="0" anchor="ctr"/>
+            <a:lstStyle/>
+            <a:p>
+              <a:pPr algn="ctr"/>
+              <a:r>
+                <a:rPr lang="en-US" sz="1200" dirty="0">
+                  <a:solidFill>
+                    <a:schemeClr val="bg1"/>
+                  </a:solidFill>
+                </a:rPr>
+                <a:t>:</a:t>
+              </a:r>
+              <a:r>
+                <a:rPr lang="en-US" sz="1200" dirty="0" err="1">
+                  <a:solidFill>
+                    <a:schemeClr val="bg1"/>
+                  </a:solidFill>
+                </a:rPr>
+                <a:t>FinancialPLanner</a:t>
+              </a:r>
+              <a:endParaRPr lang="en-SG" sz="1200" dirty="0">
+                <a:solidFill>
+                  <a:schemeClr val="bg1"/>
+                </a:solidFill>
+              </a:endParaRPr>
+            </a:p>
+          </p:txBody>
+        </p:sp>
+      </p:grpSp>
+      <p:grpSp>
+        <p:nvGrpSpPr>
+          <p:cNvPr id="26" name="Group 25">
+            <a:extLst>
+              <a:ext uri="{FF2B5EF4-FFF2-40B4-BE49-F238E27FC236}">
+                <a16:creationId xmlns:a16="http://schemas.microsoft.com/office/drawing/2014/main" id="{32F0006E-76E9-4C3C-A959-507A9338A08C}"/>
+              </a:ext>
+            </a:extLst>
+          </p:cNvPr>
+          <p:cNvGrpSpPr/>
+          <p:nvPr/>
+        </p:nvGrpSpPr>
+        <p:grpSpPr>
+          <a:xfrm>
+            <a:off x="12976972" y="2406899"/>
+            <a:ext cx="1611730" cy="1616794"/>
+            <a:chOff x="11230636" y="135681"/>
+            <a:chExt cx="1611730" cy="1616794"/>
+          </a:xfrm>
+        </p:grpSpPr>
+        <p:cxnSp>
+          <p:nvCxnSpPr>
+            <p:cNvPr id="27" name="Straight Connector 26">
+              <a:extLst>
+                <a:ext uri="{FF2B5EF4-FFF2-40B4-BE49-F238E27FC236}">
+                  <a16:creationId xmlns:a16="http://schemas.microsoft.com/office/drawing/2014/main" id="{35A11B74-7CD0-45B8-8338-A568A0617609}"/>
+                </a:ext>
+              </a:extLst>
+            </p:cNvPr>
+            <p:cNvCxnSpPr>
+              <a:cxnSpLocks/>
+            </p:cNvCxnSpPr>
+            <p:nvPr/>
+          </p:nvCxnSpPr>
+          <p:spPr>
+            <a:xfrm>
+              <a:off x="12034289" y="605667"/>
+              <a:ext cx="0" cy="1146808"/>
+            </a:xfrm>
+            <a:prstGeom prst="line">
+              <a:avLst/>
+            </a:prstGeom>
+            <a:ln w="19050">
+              <a:solidFill>
+                <a:srgbClr val="7030A0"/>
+              </a:solidFill>
+              <a:prstDash val="sysDash"/>
+            </a:ln>
+            <a:effectLst/>
+          </p:spPr>
+          <p:style>
+            <a:lnRef idx="1">
+              <a:schemeClr val="accent1"/>
+            </a:lnRef>
+            <a:fillRef idx="2">
+              <a:schemeClr val="accent1"/>
+            </a:fillRef>
+            <a:effectRef idx="1">
+              <a:schemeClr val="accent1"/>
+            </a:effectRef>
+            <a:fontRef idx="minor">
+              <a:schemeClr val="dk1"/>
+            </a:fontRef>
+          </p:style>
+        </p:cxnSp>
+        <p:sp>
+          <p:nvSpPr>
+            <p:cNvPr id="28" name="Rectangle 62">
+              <a:extLst>
+                <a:ext uri="{FF2B5EF4-FFF2-40B4-BE49-F238E27FC236}">
+                  <a16:creationId xmlns:a16="http://schemas.microsoft.com/office/drawing/2014/main" id="{0581091B-0AF4-467C-A971-8A2BA9B3E966}"/>
+                </a:ext>
+              </a:extLst>
+            </p:cNvPr>
+            <p:cNvSpPr/>
+            <p:nvPr/>
+          </p:nvSpPr>
+          <p:spPr>
+            <a:xfrm>
+              <a:off x="11230636" y="135681"/>
+              <a:ext cx="1611730" cy="477095"/>
+            </a:xfrm>
+            <a:prstGeom prst="rect">
+              <a:avLst/>
+            </a:prstGeom>
+            <a:solidFill>
+              <a:srgbClr val="7030A0"/>
+            </a:solidFill>
+            <a:ln w="19050">
+              <a:solidFill>
+                <a:srgbClr val="7030A0"/>
+              </a:solidFill>
+            </a:ln>
+            <a:effectLst/>
+          </p:spPr>
+          <p:style>
+            <a:lnRef idx="1">
+              <a:schemeClr val="accent2"/>
+            </a:lnRef>
+            <a:fillRef idx="2">
+              <a:schemeClr val="accent2"/>
+            </a:fillRef>
+            <a:effectRef idx="1">
+              <a:schemeClr val="accent2"/>
+            </a:effectRef>
+            <a:fontRef idx="minor">
+              <a:schemeClr val="dk1"/>
+            </a:fontRef>
+          </p:style>
+          <p:txBody>
+            <a:bodyPr rtlCol="0" anchor="ctr"/>
+            <a:lstStyle/>
+            <a:p>
+              <a:pPr algn="ctr"/>
+              <a:r>
+                <a:rPr lang="en-US" sz="1200" dirty="0">
+                  <a:solidFill>
+                    <a:schemeClr val="bg1"/>
+                  </a:solidFill>
+                </a:rPr>
+                <a:t>:</a:t>
+              </a:r>
+              <a:r>
+                <a:rPr lang="en-US" sz="1200" dirty="0" err="1">
+                  <a:solidFill>
+                    <a:schemeClr val="bg1"/>
+                  </a:solidFill>
+                </a:rPr>
+                <a:t>UniqueRecordList</a:t>
+              </a:r>
+              <a:endParaRPr lang="en-SG" sz="1200" dirty="0">
+                <a:solidFill>
+                  <a:schemeClr val="bg1"/>
+                </a:solidFill>
+              </a:endParaRPr>
+            </a:p>
+          </p:txBody>
+        </p:sp>
+      </p:grpSp>
+      <p:sp>
+        <p:nvSpPr>
+          <p:cNvPr id="35" name="Rectangle 34">
+            <a:extLst>
+              <a:ext uri="{FF2B5EF4-FFF2-40B4-BE49-F238E27FC236}">
+                <a16:creationId xmlns:a16="http://schemas.microsoft.com/office/drawing/2014/main" id="{D982CDD9-50D4-4005-A30A-8A1B466F68B9}"/>
+              </a:ext>
+            </a:extLst>
+          </p:cNvPr>
+          <p:cNvSpPr/>
+          <p:nvPr/>
+        </p:nvSpPr>
+        <p:spPr>
+          <a:xfrm>
+            <a:off x="4668812" y="1211969"/>
+            <a:ext cx="151867" cy="328798"/>
           </a:xfrm>
           <a:prstGeom prst="rect">
             <a:avLst/>
@@ -3746,16 +4587,127 @@
           <a:lstStyle/>
           <a:p>
             <a:pPr algn="ctr"/>
-            <a:endParaRPr lang="en-SG" sz="1400"/>
-          </a:p>
-        </p:txBody>
-      </p:sp>
-      <p:sp>
-        <p:nvSpPr>
-          <p:cNvPr id="10" name="Rectangle 62">
-            <a:extLst>
-              <a:ext uri="{FF2B5EF4-FFF2-40B4-BE49-F238E27FC236}">
-                <a16:creationId xmlns:a16="http://schemas.microsoft.com/office/drawing/2014/main" id="{9E4F13B8-9E5E-43F0-82DE-5259ED0080C2}"/>
+            <a:endParaRPr lang="en-SG" sz="1200" dirty="0"/>
+          </a:p>
+        </p:txBody>
+      </p:sp>
+      <p:grpSp>
+        <p:nvGrpSpPr>
+          <p:cNvPr id="36" name="Group 35">
+            <a:extLst>
+              <a:ext uri="{FF2B5EF4-FFF2-40B4-BE49-F238E27FC236}">
+                <a16:creationId xmlns:a16="http://schemas.microsoft.com/office/drawing/2014/main" id="{6E626045-8093-45B9-81B2-69B6D1D41EB9}"/>
+              </a:ext>
+            </a:extLst>
+          </p:cNvPr>
+          <p:cNvGrpSpPr/>
+          <p:nvPr/>
+        </p:nvGrpSpPr>
+        <p:grpSpPr>
+          <a:xfrm>
+            <a:off x="3448501" y="1845519"/>
+            <a:ext cx="1304643" cy="461416"/>
+            <a:chOff x="3028482" y="1730692"/>
+            <a:chExt cx="1304643" cy="461416"/>
+          </a:xfrm>
+        </p:grpSpPr>
+        <p:cxnSp>
+          <p:nvCxnSpPr>
+            <p:cNvPr id="37" name="Straight Arrow Connector 36">
+              <a:extLst>
+                <a:ext uri="{FF2B5EF4-FFF2-40B4-BE49-F238E27FC236}">
+                  <a16:creationId xmlns:a16="http://schemas.microsoft.com/office/drawing/2014/main" id="{D72CB55B-C5EF-4715-BAA5-078CFFF4D8A9}"/>
+                </a:ext>
+              </a:extLst>
+            </p:cNvPr>
+            <p:cNvCxnSpPr>
+              <a:cxnSpLocks/>
+            </p:cNvCxnSpPr>
+            <p:nvPr/>
+          </p:nvCxnSpPr>
+          <p:spPr>
+            <a:xfrm flipV="1">
+              <a:off x="3028482" y="1730692"/>
+              <a:ext cx="1259217" cy="3694"/>
+            </a:xfrm>
+            <a:prstGeom prst="straightConnector1">
+              <a:avLst/>
+            </a:prstGeom>
+            <a:ln w="19050">
+              <a:solidFill>
+                <a:srgbClr val="0070C0"/>
+              </a:solidFill>
+              <a:tailEnd type="arrow"/>
+            </a:ln>
+          </p:spPr>
+          <p:style>
+            <a:lnRef idx="1">
+              <a:schemeClr val="accent1"/>
+            </a:lnRef>
+            <a:fillRef idx="0">
+              <a:schemeClr val="accent1"/>
+            </a:fillRef>
+            <a:effectRef idx="0">
+              <a:schemeClr val="accent1"/>
+            </a:effectRef>
+            <a:fontRef idx="minor">
+              <a:schemeClr val="tx1"/>
+            </a:fontRef>
+          </p:style>
+        </p:cxnSp>
+        <p:cxnSp>
+          <p:nvCxnSpPr>
+            <p:cNvPr id="38" name="Straight Arrow Connector 37">
+              <a:extLst>
+                <a:ext uri="{FF2B5EF4-FFF2-40B4-BE49-F238E27FC236}">
+                  <a16:creationId xmlns:a16="http://schemas.microsoft.com/office/drawing/2014/main" id="{A5B0F15D-BB81-451D-B9A7-1FBF842B219E}"/>
+                </a:ext>
+              </a:extLst>
+            </p:cNvPr>
+            <p:cNvCxnSpPr>
+              <a:cxnSpLocks/>
+            </p:cNvCxnSpPr>
+            <p:nvPr/>
+          </p:nvCxnSpPr>
+          <p:spPr>
+            <a:xfrm flipV="1">
+              <a:off x="3036022" y="2191714"/>
+              <a:ext cx="1297103" cy="394"/>
+            </a:xfrm>
+            <a:prstGeom prst="straightConnector1">
+              <a:avLst/>
+            </a:prstGeom>
+            <a:ln w="19050">
+              <a:solidFill>
+                <a:srgbClr val="0070C0"/>
+              </a:solidFill>
+              <a:prstDash val="sysDash"/>
+              <a:headEnd type="arrow" w="med" len="med"/>
+              <a:tailEnd type="none" w="med" len="med"/>
+            </a:ln>
+          </p:spPr>
+          <p:style>
+            <a:lnRef idx="1">
+              <a:schemeClr val="accent1"/>
+            </a:lnRef>
+            <a:fillRef idx="0">
+              <a:schemeClr val="accent1"/>
+            </a:fillRef>
+            <a:effectRef idx="0">
+              <a:schemeClr val="accent1"/>
+            </a:effectRef>
+            <a:fontRef idx="minor">
+              <a:schemeClr val="tx1"/>
+            </a:fontRef>
+          </p:style>
+        </p:cxnSp>
+      </p:grpSp>
+      <p:sp>
+        <p:nvSpPr>
+          <p:cNvPr id="39" name="Rectangle 38">
+            <a:extLst>
+              <a:ext uri="{FF2B5EF4-FFF2-40B4-BE49-F238E27FC236}">
+                <a16:creationId xmlns:a16="http://schemas.microsoft.com/office/drawing/2014/main" id="{F6E50F86-1D51-4498-9A61-70EDB0F718A8}"/>
               </a:ext>
             </a:extLst>
           </p:cNvPr>
@@ -3764,129 +4716,8 @@
         </p:nvSpPr>
         <p:spPr>
           <a:xfrm>
-            <a:off x="3886903" y="965864"/>
-            <a:ext cx="1379320" cy="438584"/>
-          </a:xfrm>
-          <a:prstGeom prst="rect">
-            <a:avLst/>
-          </a:prstGeom>
-          <a:solidFill>
-            <a:srgbClr val="0070C0"/>
-          </a:solidFill>
-          <a:ln w="19050">
-            <a:solidFill>
-              <a:srgbClr val="0070C0"/>
-            </a:solidFill>
-          </a:ln>
-          <a:effectLst/>
-        </p:spPr>
-        <p:style>
-          <a:lnRef idx="1">
-            <a:schemeClr val="accent2"/>
-          </a:lnRef>
-          <a:fillRef idx="2">
-            <a:schemeClr val="accent2"/>
-          </a:fillRef>
-          <a:effectRef idx="1">
-            <a:schemeClr val="accent2"/>
-          </a:effectRef>
-          <a:fontRef idx="minor">
-            <a:schemeClr val="dk1"/>
-          </a:fontRef>
-        </p:style>
-        <p:txBody>
-          <a:bodyPr rtlCol="0" anchor="ctr"/>
-          <a:lstStyle/>
-          <a:p>
-            <a:pPr algn="ctr"/>
-            <a:r>
-              <a:rPr lang="en-US" sz="1600" dirty="0">
-                <a:solidFill>
-                  <a:schemeClr val="bg1"/>
-                </a:solidFill>
-              </a:rPr>
-              <a:t>:Financial</a:t>
-            </a:r>
-          </a:p>
-          <a:p>
-            <a:pPr algn="ctr"/>
-            <a:r>
-              <a:rPr lang="en-US" sz="1600" dirty="0" err="1">
-                <a:solidFill>
-                  <a:schemeClr val="bg1"/>
-                </a:solidFill>
-              </a:rPr>
-              <a:t>PlannerParser</a:t>
-            </a:r>
-            <a:endParaRPr lang="en-SG" sz="1600" dirty="0">
-              <a:solidFill>
-                <a:schemeClr val="bg1"/>
-              </a:solidFill>
-            </a:endParaRPr>
-          </a:p>
-        </p:txBody>
-      </p:sp>
-      <p:cxnSp>
-        <p:nvCxnSpPr>
-          <p:cNvPr id="11" name="Straight Connector 10">
-            <a:extLst>
-              <a:ext uri="{FF2B5EF4-FFF2-40B4-BE49-F238E27FC236}">
-                <a16:creationId xmlns:a16="http://schemas.microsoft.com/office/drawing/2014/main" id="{2AEC74A6-B76F-48D1-84BC-5206C08009F7}"/>
-              </a:ext>
-            </a:extLst>
-          </p:cNvPr>
-          <p:cNvCxnSpPr>
-            <a:cxnSpLocks/>
-          </p:cNvCxnSpPr>
-          <p:nvPr/>
-        </p:nvCxnSpPr>
-        <p:spPr>
-          <a:xfrm flipH="1">
-            <a:off x="4572166" y="1342183"/>
-            <a:ext cx="8197" cy="1554589"/>
-          </a:xfrm>
-          <a:prstGeom prst="line">
-            <a:avLst/>
-          </a:prstGeom>
-          <a:ln w="19050">
-            <a:solidFill>
-              <a:srgbClr val="0070C0"/>
-            </a:solidFill>
-            <a:prstDash val="sysDash"/>
-          </a:ln>
-          <a:effectLst/>
-        </p:spPr>
-        <p:style>
-          <a:lnRef idx="1">
-            <a:schemeClr val="accent1"/>
-          </a:lnRef>
-          <a:fillRef idx="2">
-            <a:schemeClr val="accent1"/>
-          </a:fillRef>
-          <a:effectRef idx="1">
-            <a:schemeClr val="accent1"/>
-          </a:effectRef>
-          <a:fontRef idx="minor">
-            <a:schemeClr val="dk1"/>
-          </a:fontRef>
-        </p:style>
-      </p:cxnSp>
-      <p:sp>
-        <p:nvSpPr>
-          <p:cNvPr id="12" name="Rectangle 11">
-            <a:extLst>
-              <a:ext uri="{FF2B5EF4-FFF2-40B4-BE49-F238E27FC236}">
-                <a16:creationId xmlns:a16="http://schemas.microsoft.com/office/drawing/2014/main" id="{2FE4975E-C4B3-4699-9C6C-21CA2A38D2C7}"/>
-              </a:ext>
-            </a:extLst>
-          </p:cNvPr>
-          <p:cNvSpPr/>
-          <p:nvPr/>
-        </p:nvSpPr>
-        <p:spPr>
-          <a:xfrm>
-            <a:off x="4499358" y="1783054"/>
-            <a:ext cx="179207" cy="981043"/>
+            <a:off x="4674908" y="1845519"/>
+            <a:ext cx="145597" cy="461022"/>
           </a:xfrm>
           <a:prstGeom prst="rect">
             <a:avLst/>
@@ -3920,120 +4751,201 @@
           <a:lstStyle/>
           <a:p>
             <a:pPr algn="ctr"/>
-            <a:endParaRPr lang="en-SG" sz="1400">
-              <a:solidFill>
-                <a:schemeClr val="dk1"/>
-              </a:solidFill>
-            </a:endParaRPr>
-          </a:p>
-        </p:txBody>
-      </p:sp>
-      <p:cxnSp>
-        <p:nvCxnSpPr>
-          <p:cNvPr id="13" name="Straight Connector 12">
-            <a:extLst>
-              <a:ext uri="{FF2B5EF4-FFF2-40B4-BE49-F238E27FC236}">
-                <a16:creationId xmlns:a16="http://schemas.microsoft.com/office/drawing/2014/main" id="{929D4F70-2F24-47E1-A2F9-194779F8FCC3}"/>
-              </a:ext>
-            </a:extLst>
-          </p:cNvPr>
-          <p:cNvCxnSpPr>
-            <a:cxnSpLocks/>
-            <a:stCxn id="14" idx="0"/>
-            <a:endCxn id="34" idx="0"/>
-          </p:cNvCxnSpPr>
+            <a:endParaRPr lang="en-SG" sz="1200"/>
+          </a:p>
+        </p:txBody>
+      </p:sp>
+      <p:grpSp>
+        <p:nvGrpSpPr>
+          <p:cNvPr id="40" name="Group 39">
+            <a:extLst>
+              <a:ext uri="{FF2B5EF4-FFF2-40B4-BE49-F238E27FC236}">
+                <a16:creationId xmlns:a16="http://schemas.microsoft.com/office/drawing/2014/main" id="{B7F0C9A6-67D4-428C-9B06-1CD77FF4688E}"/>
+              </a:ext>
+            </a:extLst>
+          </p:cNvPr>
+          <p:cNvGrpSpPr/>
           <p:nvPr/>
-        </p:nvCxnSpPr>
-        <p:spPr>
-          <a:xfrm flipH="1">
-            <a:off x="6131857" y="2048199"/>
-            <a:ext cx="4461" cy="2644578"/>
+        </p:nvGrpSpPr>
+        <p:grpSpPr>
+          <a:xfrm>
+            <a:off x="4752927" y="1950600"/>
+            <a:ext cx="1507360" cy="244768"/>
+            <a:chOff x="4752927" y="1976000"/>
+            <a:chExt cx="1507360" cy="244768"/>
           </a:xfrm>
-          <a:prstGeom prst="line">
-            <a:avLst/>
-          </a:prstGeom>
-          <a:ln w="19050">
+        </p:grpSpPr>
+        <p:grpSp>
+          <p:nvGrpSpPr>
+            <p:cNvPr id="41" name="Group 40">
+              <a:extLst>
+                <a:ext uri="{FF2B5EF4-FFF2-40B4-BE49-F238E27FC236}">
+                  <a16:creationId xmlns:a16="http://schemas.microsoft.com/office/drawing/2014/main" id="{7FBA2ECC-5AE2-46E6-ACC6-200A4B17B31E}"/>
+                </a:ext>
+              </a:extLst>
+            </p:cNvPr>
+            <p:cNvGrpSpPr/>
+            <p:nvPr/>
+          </p:nvGrpSpPr>
+          <p:grpSpPr>
+            <a:xfrm>
+              <a:off x="4752927" y="1979333"/>
+              <a:ext cx="1426337" cy="235366"/>
+              <a:chOff x="4463180" y="1891786"/>
+              <a:chExt cx="1426337" cy="235366"/>
+            </a:xfrm>
+          </p:grpSpPr>
+          <p:cxnSp>
+            <p:nvCxnSpPr>
+              <p:cNvPr id="43" name="Straight Arrow Connector 42">
+                <a:extLst>
+                  <a:ext uri="{FF2B5EF4-FFF2-40B4-BE49-F238E27FC236}">
+                    <a16:creationId xmlns:a16="http://schemas.microsoft.com/office/drawing/2014/main" id="{14008A9D-4B1B-4BCB-9476-E78D07A3C747}"/>
+                  </a:ext>
+                </a:extLst>
+              </p:cNvPr>
+              <p:cNvCxnSpPr>
+                <a:cxnSpLocks/>
+              </p:cNvCxnSpPr>
+              <p:nvPr/>
+            </p:nvCxnSpPr>
+            <p:spPr>
+              <a:xfrm>
+                <a:off x="4463180" y="1891786"/>
+                <a:ext cx="1351149" cy="0"/>
+              </a:xfrm>
+              <a:prstGeom prst="straightConnector1">
+                <a:avLst/>
+              </a:prstGeom>
+              <a:ln w="19050">
+                <a:solidFill>
+                  <a:srgbClr val="0070C0"/>
+                </a:solidFill>
+                <a:tailEnd type="arrow"/>
+              </a:ln>
+            </p:spPr>
+            <p:style>
+              <a:lnRef idx="1">
+                <a:schemeClr val="accent1"/>
+              </a:lnRef>
+              <a:fillRef idx="0">
+                <a:schemeClr val="accent1"/>
+              </a:fillRef>
+              <a:effectRef idx="0">
+                <a:schemeClr val="accent1"/>
+              </a:effectRef>
+              <a:fontRef idx="minor">
+                <a:schemeClr val="tx1"/>
+              </a:fontRef>
+            </p:style>
+          </p:cxnSp>
+          <p:cxnSp>
+            <p:nvCxnSpPr>
+              <p:cNvPr id="44" name="Straight Arrow Connector 43">
+                <a:extLst>
+                  <a:ext uri="{FF2B5EF4-FFF2-40B4-BE49-F238E27FC236}">
+                    <a16:creationId xmlns:a16="http://schemas.microsoft.com/office/drawing/2014/main" id="{284DFA18-DE91-4AEF-8E29-65F60CF570E1}"/>
+                  </a:ext>
+                </a:extLst>
+              </p:cNvPr>
+              <p:cNvCxnSpPr>
+                <a:cxnSpLocks/>
+              </p:cNvCxnSpPr>
+              <p:nvPr/>
+            </p:nvCxnSpPr>
+            <p:spPr>
+              <a:xfrm flipV="1">
+                <a:off x="4525747" y="2127150"/>
+                <a:ext cx="1363770" cy="2"/>
+              </a:xfrm>
+              <a:prstGeom prst="straightConnector1">
+                <a:avLst/>
+              </a:prstGeom>
+              <a:ln w="19050">
+                <a:solidFill>
+                  <a:srgbClr val="0070C0"/>
+                </a:solidFill>
+                <a:prstDash val="sysDash"/>
+                <a:headEnd type="arrow" w="med" len="med"/>
+                <a:tailEnd type="none" w="med" len="med"/>
+              </a:ln>
+            </p:spPr>
+            <p:style>
+              <a:lnRef idx="1">
+                <a:schemeClr val="accent1"/>
+              </a:lnRef>
+              <a:fillRef idx="0">
+                <a:schemeClr val="accent1"/>
+              </a:fillRef>
+              <a:effectRef idx="0">
+                <a:schemeClr val="accent1"/>
+              </a:effectRef>
+              <a:fontRef idx="minor">
+                <a:schemeClr val="tx1"/>
+              </a:fontRef>
+            </p:style>
+          </p:cxnSp>
+        </p:grpSp>
+        <p:sp>
+          <p:nvSpPr>
+            <p:cNvPr id="42" name="Rectangle 41">
+              <a:extLst>
+                <a:ext uri="{FF2B5EF4-FFF2-40B4-BE49-F238E27FC236}">
+                  <a16:creationId xmlns:a16="http://schemas.microsoft.com/office/drawing/2014/main" id="{7F508D52-F7BA-430F-9FFF-447E8B8442AA}"/>
+                </a:ext>
+              </a:extLst>
+            </p:cNvPr>
+            <p:cNvSpPr/>
+            <p:nvPr/>
+          </p:nvSpPr>
+          <p:spPr>
+            <a:xfrm>
+              <a:off x="6108400" y="1976000"/>
+              <a:ext cx="151887" cy="244768"/>
+            </a:xfrm>
+            <a:prstGeom prst="rect">
+              <a:avLst/>
+            </a:prstGeom>
             <a:solidFill>
               <a:srgbClr val="0070C0"/>
             </a:solidFill>
-            <a:prstDash val="sysDash"/>
-          </a:ln>
-          <a:effectLst/>
-        </p:spPr>
-        <p:style>
-          <a:lnRef idx="1">
-            <a:schemeClr val="accent1"/>
-          </a:lnRef>
-          <a:fillRef idx="2">
-            <a:schemeClr val="accent1"/>
-          </a:fillRef>
-          <a:effectRef idx="1">
-            <a:schemeClr val="accent1"/>
-          </a:effectRef>
-          <a:fontRef idx="minor">
-            <a:schemeClr val="dk1"/>
-          </a:fontRef>
-        </p:style>
-      </p:cxnSp>
-      <p:sp>
-        <p:nvSpPr>
-          <p:cNvPr id="14" name="Rectangle 13">
-            <a:extLst>
-              <a:ext uri="{FF2B5EF4-FFF2-40B4-BE49-F238E27FC236}">
-                <a16:creationId xmlns:a16="http://schemas.microsoft.com/office/drawing/2014/main" id="{700D2567-8A59-47FE-B126-15045977962E}"/>
-              </a:ext>
-            </a:extLst>
-          </p:cNvPr>
-          <p:cNvSpPr/>
-          <p:nvPr/>
-        </p:nvSpPr>
-        <p:spPr>
-          <a:xfrm>
-            <a:off x="6055657" y="2048199"/>
-            <a:ext cx="161322" cy="519966"/>
-          </a:xfrm>
-          <a:prstGeom prst="rect">
-            <a:avLst/>
-          </a:prstGeom>
-          <a:solidFill>
-            <a:srgbClr val="0070C0"/>
-          </a:solidFill>
-          <a:ln>
-            <a:solidFill>
-              <a:srgbClr val="0070C0"/>
-            </a:solidFill>
-          </a:ln>
-          <a:effectLst/>
-        </p:spPr>
-        <p:style>
-          <a:lnRef idx="1">
-            <a:schemeClr val="accent3"/>
-          </a:lnRef>
-          <a:fillRef idx="2">
-            <a:schemeClr val="accent3"/>
-          </a:fillRef>
-          <a:effectRef idx="1">
-            <a:schemeClr val="accent3"/>
-          </a:effectRef>
-          <a:fontRef idx="minor">
-            <a:schemeClr val="dk1"/>
-          </a:fontRef>
-        </p:style>
-        <p:txBody>
-          <a:bodyPr rtlCol="0" anchor="ctr"/>
-          <a:lstStyle/>
-          <a:p>
-            <a:pPr algn="ctr"/>
-            <a:endParaRPr lang="en-SG" sz="1400"/>
-          </a:p>
-        </p:txBody>
-      </p:sp>
+            <a:ln>
+              <a:solidFill>
+                <a:srgbClr val="0070C0"/>
+              </a:solidFill>
+            </a:ln>
+            <a:effectLst/>
+          </p:spPr>
+          <p:style>
+            <a:lnRef idx="1">
+              <a:schemeClr val="accent3"/>
+            </a:lnRef>
+            <a:fillRef idx="2">
+              <a:schemeClr val="accent3"/>
+            </a:fillRef>
+            <a:effectRef idx="1">
+              <a:schemeClr val="accent3"/>
+            </a:effectRef>
+            <a:fontRef idx="minor">
+              <a:schemeClr val="dk1"/>
+            </a:fontRef>
+          </p:style>
+          <p:txBody>
+            <a:bodyPr rtlCol="0" anchor="ctr"/>
+            <a:lstStyle/>
+            <a:p>
+              <a:pPr algn="ctr"/>
+              <a:endParaRPr lang="en-SG" sz="1200" dirty="0"/>
+            </a:p>
+          </p:txBody>
+        </p:sp>
+      </p:grpSp>
       <p:cxnSp>
         <p:nvCxnSpPr>
-          <p:cNvPr id="15" name="Straight Arrow Connector 14">
-            <a:extLst>
-              <a:ext uri="{FF2B5EF4-FFF2-40B4-BE49-F238E27FC236}">
-                <a16:creationId xmlns:a16="http://schemas.microsoft.com/office/drawing/2014/main" id="{8034781F-EBD3-452D-9C8B-2DE79293B64F}"/>
+          <p:cNvPr id="45" name="Straight Arrow Connector 44">
+            <a:extLst>
+              <a:ext uri="{FF2B5EF4-FFF2-40B4-BE49-F238E27FC236}">
+                <a16:creationId xmlns:a16="http://schemas.microsoft.com/office/drawing/2014/main" id="{1717B40B-7A34-4DA6-8E01-ABF5DC64C14E}"/>
               </a:ext>
             </a:extLst>
           </p:cNvPr>
@@ -4042,7 +4954,7 @@
         </p:nvCxnSpPr>
         <p:spPr>
           <a:xfrm>
-            <a:off x="948875" y="1696565"/>
+            <a:off x="204888" y="933703"/>
             <a:ext cx="1119851" cy="0"/>
           </a:xfrm>
           <a:prstGeom prst="straightConnector1">
@@ -4070,12 +4982,445 @@
           </a:fontRef>
         </p:style>
       </p:cxnSp>
-      <p:sp>
-        <p:nvSpPr>
-          <p:cNvPr id="16" name="TextBox 15">
-            <a:extLst>
-              <a:ext uri="{FF2B5EF4-FFF2-40B4-BE49-F238E27FC236}">
-                <a16:creationId xmlns:a16="http://schemas.microsoft.com/office/drawing/2014/main" id="{D1BC8C21-A29A-4569-8053-56D5135159D5}"/>
+      <p:grpSp>
+        <p:nvGrpSpPr>
+          <p:cNvPr id="46" name="Group 45">
+            <a:extLst>
+              <a:ext uri="{FF2B5EF4-FFF2-40B4-BE49-F238E27FC236}">
+                <a16:creationId xmlns:a16="http://schemas.microsoft.com/office/drawing/2014/main" id="{129CCD80-7470-41C2-BC8D-909EB2935080}"/>
+              </a:ext>
+            </a:extLst>
+          </p:cNvPr>
+          <p:cNvGrpSpPr/>
+          <p:nvPr/>
+        </p:nvGrpSpPr>
+        <p:grpSpPr>
+          <a:xfrm>
+            <a:off x="1378886" y="946518"/>
+            <a:ext cx="2064126" cy="1469598"/>
+            <a:chOff x="529428" y="729777"/>
+            <a:chExt cx="2064126" cy="1383246"/>
+          </a:xfrm>
+        </p:grpSpPr>
+        <p:sp>
+          <p:nvSpPr>
+            <p:cNvPr id="47" name="Rectangle 46">
+              <a:extLst>
+                <a:ext uri="{FF2B5EF4-FFF2-40B4-BE49-F238E27FC236}">
+                  <a16:creationId xmlns:a16="http://schemas.microsoft.com/office/drawing/2014/main" id="{D061244A-822E-4324-8E4F-89EBCD334E29}"/>
+                </a:ext>
+              </a:extLst>
+            </p:cNvPr>
+            <p:cNvSpPr/>
+            <p:nvPr/>
+          </p:nvSpPr>
+          <p:spPr>
+            <a:xfrm>
+              <a:off x="2464731" y="897937"/>
+              <a:ext cx="128823" cy="1215086"/>
+            </a:xfrm>
+            <a:prstGeom prst="rect">
+              <a:avLst/>
+            </a:prstGeom>
+            <a:solidFill>
+              <a:srgbClr val="0070C0"/>
+            </a:solidFill>
+            <a:ln>
+              <a:solidFill>
+                <a:srgbClr val="0070C0"/>
+              </a:solidFill>
+            </a:ln>
+            <a:effectLst/>
+          </p:spPr>
+          <p:style>
+            <a:lnRef idx="1">
+              <a:schemeClr val="accent3"/>
+            </a:lnRef>
+            <a:fillRef idx="2">
+              <a:schemeClr val="accent3"/>
+            </a:fillRef>
+            <a:effectRef idx="1">
+              <a:schemeClr val="accent3"/>
+            </a:effectRef>
+            <a:fontRef idx="minor">
+              <a:schemeClr val="dk1"/>
+            </a:fontRef>
+          </p:style>
+          <p:txBody>
+            <a:bodyPr rtlCol="0" anchor="ctr"/>
+            <a:lstStyle/>
+            <a:p>
+              <a:pPr algn="ctr"/>
+              <a:endParaRPr lang="en-SG" sz="1200"/>
+            </a:p>
+          </p:txBody>
+        </p:sp>
+        <p:grpSp>
+          <p:nvGrpSpPr>
+            <p:cNvPr id="48" name="Group 47">
+              <a:extLst>
+                <a:ext uri="{FF2B5EF4-FFF2-40B4-BE49-F238E27FC236}">
+                  <a16:creationId xmlns:a16="http://schemas.microsoft.com/office/drawing/2014/main" id="{419B62FE-F756-4887-B937-098AB2ACA3E1}"/>
+                </a:ext>
+              </a:extLst>
+            </p:cNvPr>
+            <p:cNvGrpSpPr/>
+            <p:nvPr/>
+          </p:nvGrpSpPr>
+          <p:grpSpPr>
+            <a:xfrm>
+              <a:off x="529428" y="729777"/>
+              <a:ext cx="1935303" cy="347631"/>
+              <a:chOff x="598137" y="959232"/>
+              <a:chExt cx="1935303" cy="347631"/>
+            </a:xfrm>
+          </p:grpSpPr>
+          <p:sp>
+            <p:nvSpPr>
+              <p:cNvPr id="52" name="TextBox 51">
+                <a:extLst>
+                  <a:ext uri="{FF2B5EF4-FFF2-40B4-BE49-F238E27FC236}">
+                    <a16:creationId xmlns:a16="http://schemas.microsoft.com/office/drawing/2014/main" id="{FD36C97F-4AF9-460F-AE38-F23EE19E6BFF}"/>
+                  </a:ext>
+                </a:extLst>
+              </p:cNvPr>
+              <p:cNvSpPr txBox="1"/>
+              <p:nvPr/>
+            </p:nvSpPr>
+            <p:spPr>
+              <a:xfrm>
+                <a:off x="598137" y="959232"/>
+                <a:ext cx="1899551" cy="347631"/>
+              </a:xfrm>
+              <a:prstGeom prst="rect">
+                <a:avLst/>
+              </a:prstGeom>
+              <a:noFill/>
+            </p:spPr>
+            <p:txBody>
+              <a:bodyPr wrap="square" lIns="0" tIns="0" rIns="0" bIns="0" rtlCol="0">
+                <a:spAutoFit/>
+              </a:bodyPr>
+              <a:lstStyle>
+                <a:defPPr>
+                  <a:defRPr lang="en-US"/>
+                </a:defPPr>
+                <a:lvl1pPr algn="r">
+                  <a:defRPr sz="1400">
+                    <a:solidFill>
+                      <a:srgbClr val="0070C0"/>
+                    </a:solidFill>
+                  </a:defRPr>
+                </a:lvl1pPr>
+              </a:lstStyle>
+              <a:p>
+                <a:pPr algn="ctr"/>
+                <a:r>
+                  <a:rPr lang="en-US" sz="1200" dirty="0"/>
+                  <a:t>parseCommand</a:t>
+                </a:r>
+              </a:p>
+              <a:p>
+                <a:pPr algn="ctr"/>
+                <a:r>
+                  <a:rPr lang="en-US" sz="1200" dirty="0"/>
+                  <a:t>(“limit”)</a:t>
+                </a:r>
+              </a:p>
+            </p:txBody>
+          </p:sp>
+          <p:cxnSp>
+            <p:nvCxnSpPr>
+              <p:cNvPr id="53" name="Straight Arrow Connector 52">
+                <a:extLst>
+                  <a:ext uri="{FF2B5EF4-FFF2-40B4-BE49-F238E27FC236}">
+                    <a16:creationId xmlns:a16="http://schemas.microsoft.com/office/drawing/2014/main" id="{BDAFAA28-EB55-4B2B-9FA6-57BB4107AE02}"/>
+                  </a:ext>
+                </a:extLst>
+              </p:cNvPr>
+              <p:cNvCxnSpPr>
+                <a:cxnSpLocks/>
+              </p:cNvCxnSpPr>
+              <p:nvPr/>
+            </p:nvCxnSpPr>
+            <p:spPr>
+              <a:xfrm>
+                <a:off x="691250" y="1127391"/>
+                <a:ext cx="1842190" cy="0"/>
+              </a:xfrm>
+              <a:prstGeom prst="straightConnector1">
+                <a:avLst/>
+              </a:prstGeom>
+              <a:ln w="19050">
+                <a:solidFill>
+                  <a:srgbClr val="0070C0"/>
+                </a:solidFill>
+                <a:tailEnd type="arrow"/>
+              </a:ln>
+            </p:spPr>
+            <p:style>
+              <a:lnRef idx="1">
+                <a:schemeClr val="accent1"/>
+              </a:lnRef>
+              <a:fillRef idx="0">
+                <a:schemeClr val="accent1"/>
+              </a:fillRef>
+              <a:effectRef idx="0">
+                <a:schemeClr val="accent1"/>
+              </a:effectRef>
+              <a:fontRef idx="minor">
+                <a:schemeClr val="tx1"/>
+              </a:fontRef>
+            </p:style>
+          </p:cxnSp>
+        </p:grpSp>
+        <p:grpSp>
+          <p:nvGrpSpPr>
+            <p:cNvPr id="49" name="Group 48">
+              <a:extLst>
+                <a:ext uri="{FF2B5EF4-FFF2-40B4-BE49-F238E27FC236}">
+                  <a16:creationId xmlns:a16="http://schemas.microsoft.com/office/drawing/2014/main" id="{4FA2BACD-4CA7-40DD-ADDB-CD948F8CAFA6}"/>
+                </a:ext>
+              </a:extLst>
+            </p:cNvPr>
+            <p:cNvGrpSpPr/>
+            <p:nvPr/>
+          </p:nvGrpSpPr>
+          <p:grpSpPr>
+            <a:xfrm>
+              <a:off x="607135" y="1913405"/>
+              <a:ext cx="1931501" cy="193238"/>
+              <a:chOff x="672962" y="2138021"/>
+              <a:chExt cx="1931501" cy="193238"/>
+            </a:xfrm>
+          </p:grpSpPr>
+          <p:cxnSp>
+            <p:nvCxnSpPr>
+              <p:cNvPr id="50" name="Straight Arrow Connector 49">
+                <a:extLst>
+                  <a:ext uri="{FF2B5EF4-FFF2-40B4-BE49-F238E27FC236}">
+                    <a16:creationId xmlns:a16="http://schemas.microsoft.com/office/drawing/2014/main" id="{776FCFD1-5BF0-4152-989B-7202C47DBDD7}"/>
+                  </a:ext>
+                </a:extLst>
+              </p:cNvPr>
+              <p:cNvCxnSpPr>
+                <a:cxnSpLocks/>
+              </p:cNvCxnSpPr>
+              <p:nvPr/>
+            </p:nvCxnSpPr>
+            <p:spPr>
+              <a:xfrm>
+                <a:off x="672962" y="2331258"/>
+                <a:ext cx="1931501" cy="1"/>
+              </a:xfrm>
+              <a:prstGeom prst="straightConnector1">
+                <a:avLst/>
+              </a:prstGeom>
+              <a:ln w="19050">
+                <a:solidFill>
+                  <a:srgbClr val="0070C0"/>
+                </a:solidFill>
+                <a:prstDash val="sysDash"/>
+                <a:headEnd type="arrow" w="med" len="med"/>
+                <a:tailEnd type="none" w="med" len="med"/>
+              </a:ln>
+            </p:spPr>
+            <p:style>
+              <a:lnRef idx="1">
+                <a:schemeClr val="accent1"/>
+              </a:lnRef>
+              <a:fillRef idx="0">
+                <a:schemeClr val="accent1"/>
+              </a:fillRef>
+              <a:effectRef idx="0">
+                <a:schemeClr val="accent1"/>
+              </a:effectRef>
+              <a:fontRef idx="minor">
+                <a:schemeClr val="tx1"/>
+              </a:fontRef>
+            </p:style>
+          </p:cxnSp>
+          <p:sp>
+            <p:nvSpPr>
+              <p:cNvPr id="51" name="TextBox 50">
+                <a:extLst>
+                  <a:ext uri="{FF2B5EF4-FFF2-40B4-BE49-F238E27FC236}">
+                    <a16:creationId xmlns:a16="http://schemas.microsoft.com/office/drawing/2014/main" id="{A84B022A-8BE9-4C7D-9A36-036E98B21691}"/>
+                  </a:ext>
+                </a:extLst>
+              </p:cNvPr>
+              <p:cNvSpPr txBox="1"/>
+              <p:nvPr/>
+            </p:nvSpPr>
+            <p:spPr>
+              <a:xfrm>
+                <a:off x="707413" y="2138021"/>
+                <a:ext cx="1853039" cy="173815"/>
+              </a:xfrm>
+              <a:prstGeom prst="rect">
+                <a:avLst/>
+              </a:prstGeom>
+              <a:noFill/>
+            </p:spPr>
+            <p:txBody>
+              <a:bodyPr wrap="square" lIns="0" tIns="0" rIns="0" bIns="0" rtlCol="0">
+                <a:spAutoFit/>
+              </a:bodyPr>
+              <a:lstStyle>
+                <a:defPPr>
+                  <a:defRPr lang="en-US"/>
+                </a:defPPr>
+                <a:lvl1pPr algn="r">
+                  <a:defRPr sz="1400">
+                    <a:solidFill>
+                      <a:srgbClr val="0070C0"/>
+                    </a:solidFill>
+                  </a:defRPr>
+                </a:lvl1pPr>
+              </a:lstStyle>
+              <a:p>
+                <a:pPr algn="ctr"/>
+                <a:r>
+                  <a:rPr lang="en-SG" sz="1200" dirty="0" err="1"/>
+                  <a:t>LimitCommand</a:t>
+                </a:r>
+                <a:endParaRPr lang="en-US" sz="1200" dirty="0"/>
+              </a:p>
+            </p:txBody>
+          </p:sp>
+        </p:grpSp>
+      </p:grpSp>
+      <p:grpSp>
+        <p:nvGrpSpPr>
+          <p:cNvPr id="54" name="Group 53">
+            <a:extLst>
+              <a:ext uri="{FF2B5EF4-FFF2-40B4-BE49-F238E27FC236}">
+                <a16:creationId xmlns:a16="http://schemas.microsoft.com/office/drawing/2014/main" id="{51042A36-6A69-4FEA-8C0D-1986CDBB9A38}"/>
+              </a:ext>
+            </a:extLst>
+          </p:cNvPr>
+          <p:cNvGrpSpPr/>
+          <p:nvPr/>
+        </p:nvGrpSpPr>
+        <p:grpSpPr>
+          <a:xfrm>
+            <a:off x="184281" y="738646"/>
+            <a:ext cx="1287718" cy="5758547"/>
+            <a:chOff x="-655018" y="511512"/>
+            <a:chExt cx="1287718" cy="5758547"/>
+          </a:xfrm>
+        </p:grpSpPr>
+        <p:sp>
+          <p:nvSpPr>
+            <p:cNvPr id="55" name="Rectangle 54">
+              <a:extLst>
+                <a:ext uri="{FF2B5EF4-FFF2-40B4-BE49-F238E27FC236}">
+                  <a16:creationId xmlns:a16="http://schemas.microsoft.com/office/drawing/2014/main" id="{D05AE1DB-1992-425F-8583-5213DF3BC6B9}"/>
+                </a:ext>
+              </a:extLst>
+            </p:cNvPr>
+            <p:cNvSpPr/>
+            <p:nvPr/>
+          </p:nvSpPr>
+          <p:spPr>
+            <a:xfrm>
+              <a:off x="490987" y="706569"/>
+              <a:ext cx="141713" cy="5563490"/>
+            </a:xfrm>
+            <a:prstGeom prst="rect">
+              <a:avLst/>
+            </a:prstGeom>
+            <a:solidFill>
+              <a:srgbClr val="0070C0"/>
+            </a:solidFill>
+            <a:ln>
+              <a:solidFill>
+                <a:srgbClr val="0070C0"/>
+              </a:solidFill>
+            </a:ln>
+            <a:effectLst/>
+          </p:spPr>
+          <p:style>
+            <a:lnRef idx="1">
+              <a:schemeClr val="accent3"/>
+            </a:lnRef>
+            <a:fillRef idx="2">
+              <a:schemeClr val="accent3"/>
+            </a:fillRef>
+            <a:effectRef idx="1">
+              <a:schemeClr val="accent3"/>
+            </a:effectRef>
+            <a:fontRef idx="minor">
+              <a:schemeClr val="dk1"/>
+            </a:fontRef>
+          </p:style>
+          <p:txBody>
+            <a:bodyPr rtlCol="0" anchor="ctr"/>
+            <a:lstStyle/>
+            <a:p>
+              <a:pPr algn="ctr"/>
+              <a:endParaRPr lang="en-SG" sz="1200"/>
+            </a:p>
+          </p:txBody>
+        </p:sp>
+        <p:sp>
+          <p:nvSpPr>
+            <p:cNvPr id="56" name="TextBox 55">
+              <a:extLst>
+                <a:ext uri="{FF2B5EF4-FFF2-40B4-BE49-F238E27FC236}">
+                  <a16:creationId xmlns:a16="http://schemas.microsoft.com/office/drawing/2014/main" id="{1ABABC8F-0866-4421-802B-14C523855B17}"/>
+                </a:ext>
+              </a:extLst>
+            </p:cNvPr>
+            <p:cNvSpPr txBox="1"/>
+            <p:nvPr/>
+          </p:nvSpPr>
+          <p:spPr>
+            <a:xfrm>
+              <a:off x="-655018" y="511512"/>
+              <a:ext cx="1038934" cy="369332"/>
+            </a:xfrm>
+            <a:prstGeom prst="rect">
+              <a:avLst/>
+            </a:prstGeom>
+            <a:noFill/>
+          </p:spPr>
+          <p:txBody>
+            <a:bodyPr wrap="square" lIns="0" tIns="0" rIns="0" bIns="0" rtlCol="0">
+              <a:spAutoFit/>
+            </a:bodyPr>
+            <a:lstStyle/>
+            <a:p>
+              <a:pPr algn="ctr"/>
+              <a:r>
+                <a:rPr lang="en-US" sz="1200" dirty="0">
+                  <a:solidFill>
+                    <a:srgbClr val="0070C0"/>
+                  </a:solidFill>
+                </a:rPr>
+                <a:t>execute</a:t>
+              </a:r>
+            </a:p>
+            <a:p>
+              <a:pPr algn="ctr"/>
+              <a:r>
+                <a:rPr lang="en-US" sz="1200" dirty="0">
+                  <a:solidFill>
+                    <a:srgbClr val="0070C0"/>
+                  </a:solidFill>
+                </a:rPr>
+                <a:t>(“limit”)</a:t>
+              </a:r>
+            </a:p>
+          </p:txBody>
+        </p:sp>
+      </p:grpSp>
+      <p:sp>
+        <p:nvSpPr>
+          <p:cNvPr id="57" name="TextBox 56">
+            <a:extLst>
+              <a:ext uri="{FF2B5EF4-FFF2-40B4-BE49-F238E27FC236}">
+                <a16:creationId xmlns:a16="http://schemas.microsoft.com/office/drawing/2014/main" id="{0A185A66-8103-476B-AE3B-A9730AC98926}"/>
               </a:ext>
             </a:extLst>
           </p:cNvPr>
@@ -4084,8 +5429,8 @@
         </p:nvSpPr>
         <p:spPr>
           <a:xfrm>
-            <a:off x="567875" y="1425166"/>
-            <a:ext cx="1424846" cy="215444"/>
+            <a:off x="2930920" y="2720979"/>
+            <a:ext cx="1998676" cy="184666"/>
           </a:xfrm>
           <a:prstGeom prst="rect">
             <a:avLst/>
@@ -4096,43 +5441,378 @@
           <a:bodyPr wrap="square" lIns="0" tIns="0" rIns="0" bIns="0" rtlCol="0">
             <a:spAutoFit/>
           </a:bodyPr>
-          <a:lstStyle/>
-          <a:p>
-            <a:pPr algn="r"/>
-            <a:r>
-              <a:rPr lang="en-US" sz="1400" dirty="0">
+          <a:lstStyle>
+            <a:defPPr>
+              <a:defRPr lang="en-US"/>
+            </a:defPPr>
+            <a:lvl1pPr algn="r">
+              <a:defRPr sz="1400">
                 <a:solidFill>
                   <a:srgbClr val="0070C0"/>
                 </a:solidFill>
-              </a:rPr>
-              <a:t>execute(“limit”)</a:t>
-            </a:r>
-          </a:p>
-        </p:txBody>
-      </p:sp>
+              </a:defRPr>
+            </a:lvl1pPr>
+          </a:lstStyle>
+          <a:p>
+            <a:pPr algn="ctr"/>
+            <a:r>
+              <a:rPr lang="en-US" sz="1200" dirty="0" err="1"/>
+              <a:t>LimitCommand.execute</a:t>
+            </a:r>
+            <a:r>
+              <a:rPr lang="en-US" sz="1200" dirty="0"/>
+              <a:t>()</a:t>
+            </a:r>
+          </a:p>
+        </p:txBody>
+      </p:sp>
+      <p:grpSp>
+        <p:nvGrpSpPr>
+          <p:cNvPr id="58" name="Group 57">
+            <a:extLst>
+              <a:ext uri="{FF2B5EF4-FFF2-40B4-BE49-F238E27FC236}">
+                <a16:creationId xmlns:a16="http://schemas.microsoft.com/office/drawing/2014/main" id="{6333B043-B3E5-46DE-A65E-8A01234067DD}"/>
+              </a:ext>
+            </a:extLst>
+          </p:cNvPr>
+          <p:cNvGrpSpPr/>
+          <p:nvPr/>
+        </p:nvGrpSpPr>
+        <p:grpSpPr>
+          <a:xfrm>
+            <a:off x="153314" y="5928138"/>
+            <a:ext cx="6009310" cy="562979"/>
+            <a:chOff x="-1960435" y="5490720"/>
+            <a:chExt cx="6009310" cy="512707"/>
+          </a:xfrm>
+        </p:grpSpPr>
+        <p:cxnSp>
+          <p:nvCxnSpPr>
+            <p:cNvPr id="59" name="Straight Arrow Connector 58">
+              <a:extLst>
+                <a:ext uri="{FF2B5EF4-FFF2-40B4-BE49-F238E27FC236}">
+                  <a16:creationId xmlns:a16="http://schemas.microsoft.com/office/drawing/2014/main" id="{C977AB61-BF12-4928-A48F-285D7743265E}"/>
+                </a:ext>
+              </a:extLst>
+            </p:cNvPr>
+            <p:cNvCxnSpPr/>
+            <p:nvPr/>
+          </p:nvCxnSpPr>
+          <p:spPr>
+            <a:xfrm>
+              <a:off x="-1923898" y="6003427"/>
+              <a:ext cx="1196051" cy="0"/>
+            </a:xfrm>
+            <a:prstGeom prst="straightConnector1">
+              <a:avLst/>
+            </a:prstGeom>
+            <a:ln w="19050">
+              <a:solidFill>
+                <a:schemeClr val="accent1"/>
+              </a:solidFill>
+              <a:prstDash val="sysDash"/>
+              <a:headEnd type="arrow" w="med" len="med"/>
+              <a:tailEnd type="none" w="med" len="med"/>
+            </a:ln>
+          </p:spPr>
+          <p:style>
+            <a:lnRef idx="1">
+              <a:schemeClr val="accent1"/>
+            </a:lnRef>
+            <a:fillRef idx="0">
+              <a:schemeClr val="accent1"/>
+            </a:fillRef>
+            <a:effectRef idx="0">
+              <a:schemeClr val="accent1"/>
+            </a:effectRef>
+            <a:fontRef idx="minor">
+              <a:schemeClr val="tx1"/>
+            </a:fontRef>
+          </p:style>
+        </p:cxnSp>
+        <p:sp>
+          <p:nvSpPr>
+            <p:cNvPr id="60" name="TextBox 59">
+              <a:extLst>
+                <a:ext uri="{FF2B5EF4-FFF2-40B4-BE49-F238E27FC236}">
+                  <a16:creationId xmlns:a16="http://schemas.microsoft.com/office/drawing/2014/main" id="{6BCC421D-5BC3-44BA-B1D9-3E6EE15E2BE3}"/>
+                </a:ext>
+              </a:extLst>
+            </p:cNvPr>
+            <p:cNvSpPr txBox="1"/>
+            <p:nvPr/>
+          </p:nvSpPr>
+          <p:spPr>
+            <a:xfrm>
+              <a:off x="1618685" y="5490720"/>
+              <a:ext cx="621216" cy="168176"/>
+            </a:xfrm>
+            <a:prstGeom prst="rect">
+              <a:avLst/>
+            </a:prstGeom>
+            <a:noFill/>
+          </p:spPr>
+          <p:txBody>
+            <a:bodyPr wrap="square" lIns="0" tIns="0" rIns="0" bIns="0" rtlCol="0">
+              <a:spAutoFit/>
+            </a:bodyPr>
+            <a:lstStyle>
+              <a:defPPr>
+                <a:defRPr lang="en-US"/>
+              </a:defPPr>
+              <a:lvl1pPr algn="r">
+                <a:defRPr sz="1400">
+                  <a:solidFill>
+                    <a:srgbClr val="0070C0"/>
+                  </a:solidFill>
+                </a:defRPr>
+              </a:lvl1pPr>
+            </a:lstStyle>
+            <a:p>
+              <a:pPr algn="ctr"/>
+              <a:r>
+                <a:rPr lang="en-US" sz="1200" dirty="0"/>
+                <a:t>result</a:t>
+              </a:r>
+            </a:p>
+          </p:txBody>
+        </p:sp>
+        <p:sp>
+          <p:nvSpPr>
+            <p:cNvPr id="61" name="TextBox 60">
+              <a:extLst>
+                <a:ext uri="{FF2B5EF4-FFF2-40B4-BE49-F238E27FC236}">
+                  <a16:creationId xmlns:a16="http://schemas.microsoft.com/office/drawing/2014/main" id="{7B4206A7-7F3B-4835-93F8-FCE03690E440}"/>
+                </a:ext>
+              </a:extLst>
+            </p:cNvPr>
+            <p:cNvSpPr txBox="1"/>
+            <p:nvPr/>
+          </p:nvSpPr>
+          <p:spPr>
+            <a:xfrm>
+              <a:off x="-1960435" y="5766849"/>
+              <a:ext cx="762000" cy="168176"/>
+            </a:xfrm>
+            <a:prstGeom prst="rect">
+              <a:avLst/>
+            </a:prstGeom>
+            <a:noFill/>
+          </p:spPr>
+          <p:txBody>
+            <a:bodyPr wrap="square" lIns="0" tIns="0" rIns="0" bIns="0" rtlCol="0">
+              <a:spAutoFit/>
+            </a:bodyPr>
+            <a:lstStyle>
+              <a:defPPr>
+                <a:defRPr lang="en-US"/>
+              </a:defPPr>
+              <a:lvl1pPr algn="r">
+                <a:defRPr sz="1400">
+                  <a:solidFill>
+                    <a:srgbClr val="0070C0"/>
+                  </a:solidFill>
+                </a:defRPr>
+              </a:lvl1pPr>
+            </a:lstStyle>
+            <a:p>
+              <a:r>
+                <a:rPr lang="en-US" sz="1200" dirty="0"/>
+                <a:t>result</a:t>
+              </a:r>
+            </a:p>
+          </p:txBody>
+        </p:sp>
+        <p:cxnSp>
+          <p:nvCxnSpPr>
+            <p:cNvPr id="62" name="Straight Arrow Connector 61">
+              <a:extLst>
+                <a:ext uri="{FF2B5EF4-FFF2-40B4-BE49-F238E27FC236}">
+                  <a16:creationId xmlns:a16="http://schemas.microsoft.com/office/drawing/2014/main" id="{2D82352C-839F-4754-AB97-453F2A30B70D}"/>
+                </a:ext>
+              </a:extLst>
+            </p:cNvPr>
+            <p:cNvCxnSpPr>
+              <a:cxnSpLocks/>
+            </p:cNvCxnSpPr>
+            <p:nvPr/>
+          </p:nvCxnSpPr>
+          <p:spPr>
+            <a:xfrm>
+              <a:off x="-641750" y="5678895"/>
+              <a:ext cx="4690625" cy="0"/>
+            </a:xfrm>
+            <a:prstGeom prst="straightConnector1">
+              <a:avLst/>
+            </a:prstGeom>
+            <a:ln w="19050">
+              <a:solidFill>
+                <a:srgbClr val="0070C0"/>
+              </a:solidFill>
+              <a:prstDash val="sysDash"/>
+              <a:headEnd type="arrow" w="med" len="med"/>
+              <a:tailEnd type="none" w="med" len="med"/>
+            </a:ln>
+          </p:spPr>
+          <p:style>
+            <a:lnRef idx="1">
+              <a:schemeClr val="accent1"/>
+            </a:lnRef>
+            <a:fillRef idx="0">
+              <a:schemeClr val="accent1"/>
+            </a:fillRef>
+            <a:effectRef idx="0">
+              <a:schemeClr val="accent1"/>
+            </a:effectRef>
+            <a:fontRef idx="minor">
+              <a:schemeClr val="tx1"/>
+            </a:fontRef>
+          </p:style>
+        </p:cxnSp>
+      </p:grpSp>
+      <p:grpSp>
+        <p:nvGrpSpPr>
+          <p:cNvPr id="63" name="Group 62">
+            <a:extLst>
+              <a:ext uri="{FF2B5EF4-FFF2-40B4-BE49-F238E27FC236}">
+                <a16:creationId xmlns:a16="http://schemas.microsoft.com/office/drawing/2014/main" id="{B259B52A-DD7A-4D62-AA6D-1D0011E71D6D}"/>
+              </a:ext>
+            </a:extLst>
+          </p:cNvPr>
+          <p:cNvGrpSpPr/>
+          <p:nvPr/>
+        </p:nvGrpSpPr>
+        <p:grpSpPr>
+          <a:xfrm>
+            <a:off x="1456593" y="2954505"/>
+            <a:ext cx="4808740" cy="3179794"/>
+            <a:chOff x="617294" y="2727371"/>
+            <a:chExt cx="4808740" cy="3179794"/>
+          </a:xfrm>
+        </p:grpSpPr>
+        <p:cxnSp>
+          <p:nvCxnSpPr>
+            <p:cNvPr id="64" name="Straight Arrow Connector 63">
+              <a:extLst>
+                <a:ext uri="{FF2B5EF4-FFF2-40B4-BE49-F238E27FC236}">
+                  <a16:creationId xmlns:a16="http://schemas.microsoft.com/office/drawing/2014/main" id="{F9E1DF3C-A316-43C8-A17A-175FB4C2076D}"/>
+                </a:ext>
+              </a:extLst>
+            </p:cNvPr>
+            <p:cNvCxnSpPr>
+              <a:cxnSpLocks/>
+            </p:cNvCxnSpPr>
+            <p:nvPr/>
+          </p:nvCxnSpPr>
+          <p:spPr>
+            <a:xfrm>
+              <a:off x="617294" y="2727371"/>
+              <a:ext cx="4666483" cy="0"/>
+            </a:xfrm>
+            <a:prstGeom prst="straightConnector1">
+              <a:avLst/>
+            </a:prstGeom>
+            <a:ln w="19050">
+              <a:solidFill>
+                <a:srgbClr val="0070C0"/>
+              </a:solidFill>
+              <a:tailEnd type="arrow"/>
+            </a:ln>
+          </p:spPr>
+          <p:style>
+            <a:lnRef idx="1">
+              <a:schemeClr val="accent1"/>
+            </a:lnRef>
+            <a:fillRef idx="0">
+              <a:schemeClr val="accent1"/>
+            </a:fillRef>
+            <a:effectRef idx="0">
+              <a:schemeClr val="accent1"/>
+            </a:effectRef>
+            <a:fontRef idx="minor">
+              <a:schemeClr val="tx1"/>
+            </a:fontRef>
+          </p:style>
+        </p:cxnSp>
+        <p:sp>
+          <p:nvSpPr>
+            <p:cNvPr id="65" name="Rectangle 64">
+              <a:extLst>
+                <a:ext uri="{FF2B5EF4-FFF2-40B4-BE49-F238E27FC236}">
+                  <a16:creationId xmlns:a16="http://schemas.microsoft.com/office/drawing/2014/main" id="{62E40E58-204E-4E21-A2E8-D927ADFE493E}"/>
+                </a:ext>
+              </a:extLst>
+            </p:cNvPr>
+            <p:cNvSpPr/>
+            <p:nvPr/>
+          </p:nvSpPr>
+          <p:spPr>
+            <a:xfrm>
+              <a:off x="5273498" y="2727371"/>
+              <a:ext cx="152536" cy="3179794"/>
+            </a:xfrm>
+            <a:prstGeom prst="rect">
+              <a:avLst/>
+            </a:prstGeom>
+            <a:solidFill>
+              <a:srgbClr val="0070C0"/>
+            </a:solidFill>
+            <a:ln>
+              <a:solidFill>
+                <a:srgbClr val="0070C0"/>
+              </a:solidFill>
+            </a:ln>
+            <a:effectLst/>
+          </p:spPr>
+          <p:style>
+            <a:lnRef idx="1">
+              <a:schemeClr val="accent3"/>
+            </a:lnRef>
+            <a:fillRef idx="2">
+              <a:schemeClr val="accent3"/>
+            </a:fillRef>
+            <a:effectRef idx="1">
+              <a:schemeClr val="accent3"/>
+            </a:effectRef>
+            <a:fontRef idx="minor">
+              <a:schemeClr val="dk1"/>
+            </a:fontRef>
+          </p:style>
+          <p:txBody>
+            <a:bodyPr rtlCol="0" anchor="ctr"/>
+            <a:lstStyle/>
+            <a:p>
+              <a:pPr algn="ctr"/>
+              <a:endParaRPr lang="en-SG" sz="1200" dirty="0"/>
+            </a:p>
+          </p:txBody>
+        </p:sp>
+      </p:grpSp>
       <p:cxnSp>
         <p:nvCxnSpPr>
-          <p:cNvPr id="17" name="Straight Arrow Connector 16">
-            <a:extLst>
-              <a:ext uri="{FF2B5EF4-FFF2-40B4-BE49-F238E27FC236}">
-                <a16:creationId xmlns:a16="http://schemas.microsoft.com/office/drawing/2014/main" id="{B486EEA2-939B-4EAE-A653-98C980FB534E}"/>
-              </a:ext>
-            </a:extLst>
-          </p:cNvPr>
-          <p:cNvCxnSpPr/>
+          <p:cNvPr id="66" name="Straight Arrow Connector 65">
+            <a:extLst>
+              <a:ext uri="{FF2B5EF4-FFF2-40B4-BE49-F238E27FC236}">
+                <a16:creationId xmlns:a16="http://schemas.microsoft.com/office/drawing/2014/main" id="{08969E40-81DF-4E3E-A224-A2AC5A86A6D9}"/>
+              </a:ext>
+            </a:extLst>
+          </p:cNvPr>
+          <p:cNvCxnSpPr>
+            <a:cxnSpLocks/>
+          </p:cNvCxnSpPr>
           <p:nvPr/>
         </p:nvCxnSpPr>
         <p:spPr>
-          <a:xfrm flipV="1">
-            <a:off x="4665747" y="1946906"/>
-            <a:ext cx="922392" cy="1"/>
+          <a:xfrm>
+            <a:off x="6255207" y="3121225"/>
+            <a:ext cx="2488832" cy="0"/>
           </a:xfrm>
           <a:prstGeom prst="straightConnector1">
             <a:avLst/>
           </a:prstGeom>
           <a:ln w="19050">
             <a:solidFill>
-              <a:srgbClr val="0070C0"/>
+              <a:schemeClr val="accent1"/>
             </a:solidFill>
             <a:tailEnd type="arrow"/>
           </a:ln>
@@ -4154,10 +5834,10 @@
       </p:cxnSp>
       <p:sp>
         <p:nvSpPr>
-          <p:cNvPr id="18" name="TextBox 17">
-            <a:extLst>
-              <a:ext uri="{FF2B5EF4-FFF2-40B4-BE49-F238E27FC236}">
-                <a16:creationId xmlns:a16="http://schemas.microsoft.com/office/drawing/2014/main" id="{C5DEDC82-5C9D-4482-9BCA-0E74FC97668E}"/>
+          <p:cNvPr id="67" name="TextBox 66">
+            <a:extLst>
+              <a:ext uri="{FF2B5EF4-FFF2-40B4-BE49-F238E27FC236}">
+                <a16:creationId xmlns:a16="http://schemas.microsoft.com/office/drawing/2014/main" id="{241A017C-BAA5-44C0-B94F-845367D396E4}"/>
               </a:ext>
             </a:extLst>
           </p:cNvPr>
@@ -4166,8 +5846,8 @@
         </p:nvSpPr>
         <p:spPr>
           <a:xfrm>
-            <a:off x="3773196" y="2918637"/>
-            <a:ext cx="855809" cy="215444"/>
+            <a:off x="6715310" y="2905644"/>
+            <a:ext cx="1878816" cy="184666"/>
           </a:xfrm>
           <a:prstGeom prst="rect">
             <a:avLst/>
@@ -4191,19 +5871,576 @@
             </a:lvl1pPr>
           </a:lstStyle>
           <a:p>
-            <a:r>
-              <a:rPr lang="en-US" dirty="0"/>
-              <a:t>execute()</a:t>
+            <a:pPr algn="ctr"/>
+            <a:r>
+              <a:rPr lang="en-SG" sz="1200" dirty="0" err="1">
+                <a:solidFill>
+                  <a:schemeClr val="accent1"/>
+                </a:solidFill>
+              </a:rPr>
+              <a:t>addLimit</a:t>
+            </a:r>
+            <a:r>
+              <a:rPr lang="en-SG" sz="1200" dirty="0">
+                <a:solidFill>
+                  <a:schemeClr val="accent1"/>
+                </a:solidFill>
+              </a:rPr>
+              <a:t>(limit)</a:t>
+            </a:r>
+            <a:endParaRPr lang="en-US" sz="1200" dirty="0">
+              <a:solidFill>
+                <a:schemeClr val="accent1"/>
+              </a:solidFill>
+            </a:endParaRPr>
+          </a:p>
+        </p:txBody>
+      </p:sp>
+      <p:grpSp>
+        <p:nvGrpSpPr>
+          <p:cNvPr id="68" name="Group 67">
+            <a:extLst>
+              <a:ext uri="{FF2B5EF4-FFF2-40B4-BE49-F238E27FC236}">
+                <a16:creationId xmlns:a16="http://schemas.microsoft.com/office/drawing/2014/main" id="{82BC7282-58F7-4F8B-B10B-4D76ADA8D352}"/>
+              </a:ext>
+            </a:extLst>
+          </p:cNvPr>
+          <p:cNvGrpSpPr/>
+          <p:nvPr/>
+        </p:nvGrpSpPr>
+        <p:grpSpPr>
+          <a:xfrm>
+            <a:off x="8556294" y="3099900"/>
+            <a:ext cx="1878816" cy="1564640"/>
+            <a:chOff x="7740352" y="2875616"/>
+            <a:chExt cx="1878816" cy="1564640"/>
+          </a:xfrm>
+        </p:grpSpPr>
+        <p:sp>
+          <p:nvSpPr>
+            <p:cNvPr id="69" name="Rectangle 68">
+              <a:extLst>
+                <a:ext uri="{FF2B5EF4-FFF2-40B4-BE49-F238E27FC236}">
+                  <a16:creationId xmlns:a16="http://schemas.microsoft.com/office/drawing/2014/main" id="{A0D21C27-6CCC-4272-A1F0-1E403D9C80A5}"/>
+                </a:ext>
+              </a:extLst>
+            </p:cNvPr>
+            <p:cNvSpPr/>
+            <p:nvPr/>
+          </p:nvSpPr>
+          <p:spPr>
+            <a:xfrm>
+              <a:off x="7928097" y="2892454"/>
+              <a:ext cx="158142" cy="1547802"/>
+            </a:xfrm>
+            <a:prstGeom prst="rect">
+              <a:avLst/>
+            </a:prstGeom>
+            <a:solidFill>
+              <a:srgbClr val="7030A0"/>
+            </a:solidFill>
+            <a:ln>
+              <a:solidFill>
+                <a:srgbClr val="7030A0"/>
+              </a:solidFill>
+            </a:ln>
+            <a:effectLst/>
+          </p:spPr>
+          <p:style>
+            <a:lnRef idx="1">
+              <a:schemeClr val="accent3"/>
+            </a:lnRef>
+            <a:fillRef idx="2">
+              <a:schemeClr val="accent3"/>
+            </a:fillRef>
+            <a:effectRef idx="1">
+              <a:schemeClr val="accent3"/>
+            </a:effectRef>
+            <a:fontRef idx="minor">
+              <a:schemeClr val="dk1"/>
+            </a:fontRef>
+          </p:style>
+          <p:txBody>
+            <a:bodyPr rtlCol="0" anchor="ctr"/>
+            <a:lstStyle/>
+            <a:p>
+              <a:pPr algn="ctr"/>
+              <a:endParaRPr lang="en-SG" sz="1200"/>
+            </a:p>
+          </p:txBody>
+        </p:sp>
+        <p:grpSp>
+          <p:nvGrpSpPr>
+            <p:cNvPr id="70" name="Group 69">
+              <a:extLst>
+                <a:ext uri="{FF2B5EF4-FFF2-40B4-BE49-F238E27FC236}">
+                  <a16:creationId xmlns:a16="http://schemas.microsoft.com/office/drawing/2014/main" id="{57F3D915-BB1C-4A15-B669-BC43640638EE}"/>
+                </a:ext>
+              </a:extLst>
+            </p:cNvPr>
+            <p:cNvGrpSpPr/>
+            <p:nvPr/>
+          </p:nvGrpSpPr>
+          <p:grpSpPr>
+            <a:xfrm>
+              <a:off x="7740352" y="2875616"/>
+              <a:ext cx="1878816" cy="1458936"/>
+              <a:chOff x="7722536" y="2849589"/>
+              <a:chExt cx="1878816" cy="1458936"/>
+            </a:xfrm>
+          </p:grpSpPr>
+          <p:cxnSp>
+            <p:nvCxnSpPr>
+              <p:cNvPr id="71" name="Straight Arrow Connector 70">
+                <a:extLst>
+                  <a:ext uri="{FF2B5EF4-FFF2-40B4-BE49-F238E27FC236}">
+                    <a16:creationId xmlns:a16="http://schemas.microsoft.com/office/drawing/2014/main" id="{1789B2E0-86F4-48E4-A55C-62870BF896EC}"/>
+                  </a:ext>
+                </a:extLst>
+              </p:cNvPr>
+              <p:cNvCxnSpPr>
+                <a:cxnSpLocks/>
+              </p:cNvCxnSpPr>
+              <p:nvPr/>
+            </p:nvCxnSpPr>
+            <p:spPr>
+              <a:xfrm>
+                <a:off x="8060323" y="3056026"/>
+                <a:ext cx="1351149" cy="0"/>
+              </a:xfrm>
+              <a:prstGeom prst="straightConnector1">
+                <a:avLst/>
+              </a:prstGeom>
+              <a:ln w="19050">
+                <a:solidFill>
+                  <a:srgbClr val="7030A0"/>
+                </a:solidFill>
+                <a:tailEnd type="arrow"/>
+              </a:ln>
+            </p:spPr>
+            <p:style>
+              <a:lnRef idx="1">
+                <a:schemeClr val="accent1"/>
+              </a:lnRef>
+              <a:fillRef idx="0">
+                <a:schemeClr val="accent1"/>
+              </a:fillRef>
+              <a:effectRef idx="0">
+                <a:schemeClr val="accent1"/>
+              </a:effectRef>
+              <a:fontRef idx="minor">
+                <a:schemeClr val="tx1"/>
+              </a:fontRef>
+            </p:style>
+          </p:cxnSp>
+          <p:sp>
+            <p:nvSpPr>
+              <p:cNvPr id="72" name="TextBox 71">
+                <a:extLst>
+                  <a:ext uri="{FF2B5EF4-FFF2-40B4-BE49-F238E27FC236}">
+                    <a16:creationId xmlns:a16="http://schemas.microsoft.com/office/drawing/2014/main" id="{DEF608C8-D449-4928-9901-A1B97E6BCB97}"/>
+                  </a:ext>
+                </a:extLst>
+              </p:cNvPr>
+              <p:cNvSpPr txBox="1"/>
+              <p:nvPr/>
+            </p:nvSpPr>
+            <p:spPr>
+              <a:xfrm>
+                <a:off x="7722536" y="2849589"/>
+                <a:ext cx="1878816" cy="184666"/>
+              </a:xfrm>
+              <a:prstGeom prst="rect">
+                <a:avLst/>
+              </a:prstGeom>
+              <a:noFill/>
+            </p:spPr>
+            <p:txBody>
+              <a:bodyPr wrap="square" lIns="0" tIns="0" rIns="0" bIns="0" rtlCol="0">
+                <a:spAutoFit/>
+              </a:bodyPr>
+              <a:lstStyle>
+                <a:defPPr>
+                  <a:defRPr lang="en-US"/>
+                </a:defPPr>
+                <a:lvl1pPr algn="r">
+                  <a:defRPr sz="1400">
+                    <a:solidFill>
+                      <a:srgbClr val="0070C0"/>
+                    </a:solidFill>
+                  </a:defRPr>
+                </a:lvl1pPr>
+              </a:lstStyle>
+              <a:p>
+                <a:pPr algn="ctr"/>
+                <a:r>
+                  <a:rPr lang="en-US" sz="1200" dirty="0" err="1">
+                    <a:solidFill>
+                      <a:srgbClr val="7030A0"/>
+                    </a:solidFill>
+                  </a:rPr>
+                  <a:t>addLimit</a:t>
+                </a:r>
+                <a:r>
+                  <a:rPr lang="en-US" sz="1200" dirty="0">
+                    <a:solidFill>
+                      <a:srgbClr val="7030A0"/>
+                    </a:solidFill>
+                  </a:rPr>
+                  <a:t>()</a:t>
+                </a:r>
+              </a:p>
+            </p:txBody>
+          </p:sp>
+          <p:sp>
+            <p:nvSpPr>
+              <p:cNvPr id="73" name="Rectangle 72">
+                <a:extLst>
+                  <a:ext uri="{FF2B5EF4-FFF2-40B4-BE49-F238E27FC236}">
+                    <a16:creationId xmlns:a16="http://schemas.microsoft.com/office/drawing/2014/main" id="{6A62A294-5693-48EB-9CB1-B527ECE8D19E}"/>
+                  </a:ext>
+                </a:extLst>
+              </p:cNvPr>
+              <p:cNvSpPr/>
+              <p:nvPr/>
+            </p:nvSpPr>
+            <p:spPr>
+              <a:xfrm>
+                <a:off x="9411472" y="3054182"/>
+                <a:ext cx="121363" cy="1254343"/>
+              </a:xfrm>
+              <a:prstGeom prst="rect">
+                <a:avLst/>
+              </a:prstGeom>
+              <a:solidFill>
+                <a:srgbClr val="7030A0"/>
+              </a:solidFill>
+              <a:ln>
+                <a:solidFill>
+                  <a:srgbClr val="7030A0"/>
+                </a:solidFill>
+              </a:ln>
+              <a:effectLst/>
+            </p:spPr>
+            <p:style>
+              <a:lnRef idx="1">
+                <a:schemeClr val="accent3"/>
+              </a:lnRef>
+              <a:fillRef idx="2">
+                <a:schemeClr val="accent3"/>
+              </a:fillRef>
+              <a:effectRef idx="1">
+                <a:schemeClr val="accent3"/>
+              </a:effectRef>
+              <a:fontRef idx="minor">
+                <a:schemeClr val="dk1"/>
+              </a:fontRef>
+            </p:style>
+            <p:txBody>
+              <a:bodyPr rtlCol="0" anchor="ctr"/>
+              <a:lstStyle/>
+              <a:p>
+                <a:pPr algn="ctr"/>
+                <a:endParaRPr lang="en-SG" sz="1200" dirty="0"/>
+              </a:p>
+            </p:txBody>
+          </p:sp>
+          <p:cxnSp>
+            <p:nvCxnSpPr>
+              <p:cNvPr id="74" name="Straight Arrow Connector 73">
+                <a:extLst>
+                  <a:ext uri="{FF2B5EF4-FFF2-40B4-BE49-F238E27FC236}">
+                    <a16:creationId xmlns:a16="http://schemas.microsoft.com/office/drawing/2014/main" id="{AA67EE77-610F-47C0-8D6B-153C0799863F}"/>
+                  </a:ext>
+                </a:extLst>
+              </p:cNvPr>
+              <p:cNvCxnSpPr>
+                <a:cxnSpLocks/>
+              </p:cNvCxnSpPr>
+              <p:nvPr/>
+            </p:nvCxnSpPr>
+            <p:spPr>
+              <a:xfrm>
+                <a:off x="8017859" y="4308525"/>
+                <a:ext cx="1483361" cy="0"/>
+              </a:xfrm>
+              <a:prstGeom prst="straightConnector1">
+                <a:avLst/>
+              </a:prstGeom>
+              <a:ln w="19050">
+                <a:solidFill>
+                  <a:srgbClr val="7030A0"/>
+                </a:solidFill>
+                <a:prstDash val="sysDash"/>
+                <a:headEnd type="arrow" w="med" len="med"/>
+                <a:tailEnd type="none" w="med" len="med"/>
+              </a:ln>
+            </p:spPr>
+            <p:style>
+              <a:lnRef idx="1">
+                <a:schemeClr val="accent1"/>
+              </a:lnRef>
+              <a:fillRef idx="0">
+                <a:schemeClr val="accent1"/>
+              </a:fillRef>
+              <a:effectRef idx="0">
+                <a:schemeClr val="accent1"/>
+              </a:effectRef>
+              <a:fontRef idx="minor">
+                <a:schemeClr val="tx1"/>
+              </a:fontRef>
+            </p:style>
+          </p:cxnSp>
+        </p:grpSp>
+      </p:grpSp>
+      <p:grpSp>
+        <p:nvGrpSpPr>
+          <p:cNvPr id="87" name="Group 86">
+            <a:extLst>
+              <a:ext uri="{FF2B5EF4-FFF2-40B4-BE49-F238E27FC236}">
+                <a16:creationId xmlns:a16="http://schemas.microsoft.com/office/drawing/2014/main" id="{806B60C7-8109-45CE-9DDF-6D466A99095B}"/>
+              </a:ext>
+            </a:extLst>
+          </p:cNvPr>
+          <p:cNvGrpSpPr/>
+          <p:nvPr/>
+        </p:nvGrpSpPr>
+        <p:grpSpPr>
+          <a:xfrm>
+            <a:off x="10320029" y="3409077"/>
+            <a:ext cx="1911102" cy="263296"/>
+            <a:chOff x="3930062" y="1672865"/>
+            <a:chExt cx="1911102" cy="263296"/>
+          </a:xfrm>
+          <a:solidFill>
+            <a:srgbClr val="7030A0"/>
+          </a:solidFill>
+        </p:grpSpPr>
+        <p:grpSp>
+          <p:nvGrpSpPr>
+            <p:cNvPr id="88" name="Group 87">
+              <a:extLst>
+                <a:ext uri="{FF2B5EF4-FFF2-40B4-BE49-F238E27FC236}">
+                  <a16:creationId xmlns:a16="http://schemas.microsoft.com/office/drawing/2014/main" id="{C38C4F3F-2D96-4FB5-A102-043D7D6738B8}"/>
+                </a:ext>
+              </a:extLst>
+            </p:cNvPr>
+            <p:cNvGrpSpPr/>
+            <p:nvPr/>
+          </p:nvGrpSpPr>
+          <p:grpSpPr>
+            <a:xfrm>
+              <a:off x="3930062" y="1672865"/>
+              <a:ext cx="1804586" cy="258216"/>
+              <a:chOff x="4201052" y="1817530"/>
+              <a:chExt cx="1804586" cy="258216"/>
+            </a:xfrm>
+            <a:grpFill/>
+          </p:grpSpPr>
+          <p:cxnSp>
+            <p:nvCxnSpPr>
+              <p:cNvPr id="90" name="Straight Arrow Connector 89">
+                <a:extLst>
+                  <a:ext uri="{FF2B5EF4-FFF2-40B4-BE49-F238E27FC236}">
+                    <a16:creationId xmlns:a16="http://schemas.microsoft.com/office/drawing/2014/main" id="{78DCF500-130C-4B44-8992-1E40D14600E0}"/>
+                  </a:ext>
+                </a:extLst>
+              </p:cNvPr>
+              <p:cNvCxnSpPr>
+                <a:cxnSpLocks/>
+              </p:cNvCxnSpPr>
+              <p:nvPr/>
+            </p:nvCxnSpPr>
+            <p:spPr>
+              <a:xfrm flipV="1">
+                <a:off x="4201052" y="1817530"/>
+                <a:ext cx="1708229" cy="13296"/>
+              </a:xfrm>
+              <a:prstGeom prst="straightConnector1">
+                <a:avLst/>
+              </a:prstGeom>
+              <a:grpFill/>
+              <a:ln w="19050">
+                <a:solidFill>
+                  <a:srgbClr val="7030A0"/>
+                </a:solidFill>
+                <a:tailEnd type="arrow"/>
+              </a:ln>
+            </p:spPr>
+            <p:style>
+              <a:lnRef idx="1">
+                <a:schemeClr val="accent1"/>
+              </a:lnRef>
+              <a:fillRef idx="0">
+                <a:schemeClr val="accent1"/>
+              </a:fillRef>
+              <a:effectRef idx="0">
+                <a:schemeClr val="accent1"/>
+              </a:effectRef>
+              <a:fontRef idx="minor">
+                <a:schemeClr val="tx1"/>
+              </a:fontRef>
+            </p:style>
+          </p:cxnSp>
+          <p:cxnSp>
+            <p:nvCxnSpPr>
+              <p:cNvPr id="91" name="Straight Arrow Connector 90">
+                <a:extLst>
+                  <a:ext uri="{FF2B5EF4-FFF2-40B4-BE49-F238E27FC236}">
+                    <a16:creationId xmlns:a16="http://schemas.microsoft.com/office/drawing/2014/main" id="{4D43E41D-8770-4026-9015-70E938D65DBD}"/>
+                  </a:ext>
+                </a:extLst>
+              </p:cNvPr>
+              <p:cNvCxnSpPr>
+                <a:cxnSpLocks/>
+              </p:cNvCxnSpPr>
+              <p:nvPr/>
+            </p:nvCxnSpPr>
+            <p:spPr>
+              <a:xfrm>
+                <a:off x="4270731" y="2075746"/>
+                <a:ext cx="1734907" cy="0"/>
+              </a:xfrm>
+              <a:prstGeom prst="straightConnector1">
+                <a:avLst/>
+              </a:prstGeom>
+              <a:grpFill/>
+              <a:ln w="19050">
+                <a:solidFill>
+                  <a:srgbClr val="7030A0"/>
+                </a:solidFill>
+                <a:prstDash val="sysDash"/>
+                <a:headEnd type="arrow" w="med" len="med"/>
+                <a:tailEnd type="none" w="med" len="med"/>
+              </a:ln>
+            </p:spPr>
+            <p:style>
+              <a:lnRef idx="1">
+                <a:schemeClr val="accent1"/>
+              </a:lnRef>
+              <a:fillRef idx="0">
+                <a:schemeClr val="accent1"/>
+              </a:fillRef>
+              <a:effectRef idx="0">
+                <a:schemeClr val="accent1"/>
+              </a:effectRef>
+              <a:fontRef idx="minor">
+                <a:schemeClr val="tx1"/>
+              </a:fontRef>
+            </p:style>
+          </p:cxnSp>
+        </p:grpSp>
+        <p:sp>
+          <p:nvSpPr>
+            <p:cNvPr id="89" name="Rectangle 88">
+              <a:extLst>
+                <a:ext uri="{FF2B5EF4-FFF2-40B4-BE49-F238E27FC236}">
+                  <a16:creationId xmlns:a16="http://schemas.microsoft.com/office/drawing/2014/main" id="{3E1568A6-6975-4936-B23F-3F0971E09CFA}"/>
+                </a:ext>
+              </a:extLst>
+            </p:cNvPr>
+            <p:cNvSpPr/>
+            <p:nvPr/>
+          </p:nvSpPr>
+          <p:spPr>
+            <a:xfrm>
+              <a:off x="5638291" y="1672865"/>
+              <a:ext cx="202873" cy="263296"/>
+            </a:xfrm>
+            <a:prstGeom prst="rect">
+              <a:avLst/>
+            </a:prstGeom>
+            <a:solidFill>
+              <a:srgbClr val="7030A0"/>
+            </a:solidFill>
+            <a:ln>
+              <a:solidFill>
+                <a:srgbClr val="7030A0"/>
+              </a:solidFill>
+            </a:ln>
+            <a:effectLst/>
+          </p:spPr>
+          <p:style>
+            <a:lnRef idx="1">
+              <a:schemeClr val="accent3"/>
+            </a:lnRef>
+            <a:fillRef idx="2">
+              <a:schemeClr val="accent3"/>
+            </a:fillRef>
+            <a:effectRef idx="1">
+              <a:schemeClr val="accent3"/>
+            </a:effectRef>
+            <a:fontRef idx="minor">
+              <a:schemeClr val="dk1"/>
+            </a:fontRef>
+          </p:style>
+          <p:txBody>
+            <a:bodyPr rtlCol="0" anchor="ctr"/>
+            <a:lstStyle/>
+            <a:p>
+              <a:pPr algn="ctr"/>
+              <a:endParaRPr lang="en-SG" sz="1200" dirty="0"/>
+            </a:p>
+          </p:txBody>
+        </p:sp>
+      </p:grpSp>
+      <p:sp>
+        <p:nvSpPr>
+          <p:cNvPr id="92" name="TextBox 91">
+            <a:extLst>
+              <a:ext uri="{FF2B5EF4-FFF2-40B4-BE49-F238E27FC236}">
+                <a16:creationId xmlns:a16="http://schemas.microsoft.com/office/drawing/2014/main" id="{B9AF07A1-1556-426F-80BC-605DEB0A1CFC}"/>
+              </a:ext>
+            </a:extLst>
+          </p:cNvPr>
+          <p:cNvSpPr txBox="1"/>
+          <p:nvPr/>
+        </p:nvSpPr>
+        <p:spPr>
+          <a:xfrm>
+            <a:off x="10233192" y="3165952"/>
+            <a:ext cx="1878816" cy="184666"/>
+          </a:xfrm>
+          <a:prstGeom prst="rect">
+            <a:avLst/>
+          </a:prstGeom>
+          <a:noFill/>
+        </p:spPr>
+        <p:txBody>
+          <a:bodyPr wrap="square" lIns="0" tIns="0" rIns="0" bIns="0" rtlCol="0">
+            <a:spAutoFit/>
+          </a:bodyPr>
+          <a:lstStyle>
+            <a:defPPr>
+              <a:defRPr lang="en-US"/>
+            </a:defPPr>
+            <a:lvl1pPr algn="r">
+              <a:defRPr sz="1400">
+                <a:solidFill>
+                  <a:srgbClr val="0070C0"/>
+                </a:solidFill>
+              </a:defRPr>
+            </a:lvl1pPr>
+          </a:lstStyle>
+          <a:p>
+            <a:pPr algn="ctr"/>
+            <a:r>
+              <a:rPr lang="en-US" sz="1200" dirty="0">
+                <a:solidFill>
+                  <a:srgbClr val="7030A0"/>
+                </a:solidFill>
+              </a:rPr>
+              <a:t> add()</a:t>
             </a:r>
           </a:p>
         </p:txBody>
       </p:sp>
       <p:cxnSp>
         <p:nvCxnSpPr>
-          <p:cNvPr id="19" name="Straight Arrow Connector 18">
-            <a:extLst>
-              <a:ext uri="{FF2B5EF4-FFF2-40B4-BE49-F238E27FC236}">
-                <a16:creationId xmlns:a16="http://schemas.microsoft.com/office/drawing/2014/main" id="{AC4E8DA0-902C-45C0-9708-D6724C46FA74}"/>
+          <p:cNvPr id="93" name="Straight Arrow Connector 92">
+            <a:extLst>
+              <a:ext uri="{FF2B5EF4-FFF2-40B4-BE49-F238E27FC236}">
+                <a16:creationId xmlns:a16="http://schemas.microsoft.com/office/drawing/2014/main" id="{E24005AA-0E1E-48A3-B36D-B6E0F4D13195}"/>
               </a:ext>
             </a:extLst>
           </p:cNvPr>
@@ -4213,16 +6450,19 @@
           <p:nvPr/>
         </p:nvCxnSpPr>
         <p:spPr>
-          <a:xfrm>
-            <a:off x="4678565" y="2515772"/>
-            <a:ext cx="1444369" cy="0"/>
+          <a:xfrm flipV="1">
+            <a:off x="6265333" y="4657135"/>
+            <a:ext cx="2511371" cy="6096"/>
           </a:xfrm>
           <a:prstGeom prst="straightConnector1">
             <a:avLst/>
           </a:prstGeom>
+          <a:solidFill>
+            <a:srgbClr val="7030A0"/>
+          </a:solidFill>
           <a:ln w="19050">
             <a:solidFill>
-              <a:srgbClr val="0070C0"/>
+              <a:srgbClr val="7030A0"/>
             </a:solidFill>
             <a:prstDash val="sysDash"/>
             <a:headEnd type="arrow" w="med" len="med"/>
@@ -4244,12 +6484,454 @@
           </a:fontRef>
         </p:style>
       </p:cxnSp>
+      <p:sp>
+        <p:nvSpPr>
+          <p:cNvPr id="99" name="TextBox 98">
+            <a:extLst>
+              <a:ext uri="{FF2B5EF4-FFF2-40B4-BE49-F238E27FC236}">
+                <a16:creationId xmlns:a16="http://schemas.microsoft.com/office/drawing/2014/main" id="{8DF69AD8-D832-4033-986A-BAD6DEB639CA}"/>
+              </a:ext>
+            </a:extLst>
+          </p:cNvPr>
+          <p:cNvSpPr txBox="1"/>
+          <p:nvPr/>
+        </p:nvSpPr>
+        <p:spPr>
+          <a:xfrm>
+            <a:off x="3100332" y="1664468"/>
+            <a:ext cx="1899551" cy="553998"/>
+          </a:xfrm>
+          <a:prstGeom prst="rect">
+            <a:avLst/>
+          </a:prstGeom>
+          <a:noFill/>
+        </p:spPr>
+        <p:txBody>
+          <a:bodyPr wrap="square" lIns="0" tIns="0" rIns="0" bIns="0" rtlCol="0">
+            <a:spAutoFit/>
+          </a:bodyPr>
+          <a:lstStyle>
+            <a:defPPr>
+              <a:defRPr lang="en-US"/>
+            </a:defPPr>
+            <a:lvl1pPr algn="r">
+              <a:defRPr sz="1400">
+                <a:solidFill>
+                  <a:srgbClr val="0070C0"/>
+                </a:solidFill>
+              </a:defRPr>
+            </a:lvl1pPr>
+          </a:lstStyle>
+          <a:p>
+            <a:pPr algn="ctr"/>
+            <a:r>
+              <a:rPr lang="en-US" sz="1200" dirty="0"/>
+              <a:t>parse</a:t>
+            </a:r>
+          </a:p>
+          <a:p>
+            <a:pPr algn="ctr"/>
+            <a:r>
+              <a:rPr lang="en-US" sz="1200" dirty="0"/>
+              <a:t>(“</a:t>
+            </a:r>
+            <a:r>
+              <a:rPr lang="en-US" altLang="zh-CN" sz="1200" dirty="0"/>
+              <a:t>d/</a:t>
+            </a:r>
+            <a:r>
+              <a:rPr lang="en-US" altLang="zh-CN" sz="1200" dirty="0" err="1"/>
+              <a:t>dateStart</a:t>
+            </a:r>
+            <a:r>
+              <a:rPr lang="en-US" altLang="zh-CN" sz="1200" dirty="0"/>
+              <a:t> </a:t>
+            </a:r>
+            <a:r>
+              <a:rPr lang="en-US" altLang="zh-CN" sz="1200" dirty="0" err="1"/>
+              <a:t>dateEnd</a:t>
+            </a:r>
+            <a:r>
+              <a:rPr lang="en-US" altLang="zh-CN" sz="1200" dirty="0"/>
+              <a:t> m/money”</a:t>
+            </a:r>
+            <a:r>
+              <a:rPr lang="en-US" sz="1200" dirty="0"/>
+              <a:t>)</a:t>
+            </a:r>
+          </a:p>
+        </p:txBody>
+      </p:sp>
+      <p:sp>
+        <p:nvSpPr>
+          <p:cNvPr id="100" name="Multiplication Sign 99">
+            <a:extLst>
+              <a:ext uri="{FF2B5EF4-FFF2-40B4-BE49-F238E27FC236}">
+                <a16:creationId xmlns:a16="http://schemas.microsoft.com/office/drawing/2014/main" id="{3AD28F3C-1638-4313-A327-D10A850A527C}"/>
+              </a:ext>
+            </a:extLst>
+          </p:cNvPr>
+          <p:cNvSpPr/>
+          <p:nvPr/>
+        </p:nvSpPr>
+        <p:spPr>
+          <a:xfrm>
+            <a:off x="3236647" y="2595812"/>
+            <a:ext cx="275798" cy="250333"/>
+          </a:xfrm>
+          <a:prstGeom prst="mathMultiply">
+            <a:avLst>
+              <a:gd name="adj1" fmla="val 7539"/>
+            </a:avLst>
+          </a:prstGeom>
+        </p:spPr>
+        <p:style>
+          <a:lnRef idx="2">
+            <a:schemeClr val="accent1">
+              <a:shade val="50000"/>
+            </a:schemeClr>
+          </a:lnRef>
+          <a:fillRef idx="1">
+            <a:schemeClr val="accent1"/>
+          </a:fillRef>
+          <a:effectRef idx="0">
+            <a:schemeClr val="accent1"/>
+          </a:effectRef>
+          <a:fontRef idx="minor">
+            <a:schemeClr val="lt1"/>
+          </a:fontRef>
+        </p:style>
+        <p:txBody>
+          <a:bodyPr rtlCol="0" anchor="ctr"/>
+          <a:lstStyle/>
+          <a:p>
+            <a:pPr algn="ctr"/>
+            <a:endParaRPr lang="en-US"/>
+          </a:p>
+        </p:txBody>
+      </p:sp>
+      <p:sp>
+        <p:nvSpPr>
+          <p:cNvPr id="101" name="Multiplication Sign 100">
+            <a:extLst>
+              <a:ext uri="{FF2B5EF4-FFF2-40B4-BE49-F238E27FC236}">
+                <a16:creationId xmlns:a16="http://schemas.microsoft.com/office/drawing/2014/main" id="{9E48D948-5320-41C3-A259-D0D18C6D58CC}"/>
+              </a:ext>
+            </a:extLst>
+          </p:cNvPr>
+          <p:cNvSpPr/>
+          <p:nvPr/>
+        </p:nvSpPr>
+        <p:spPr>
+          <a:xfrm>
+            <a:off x="6041006" y="6301019"/>
+            <a:ext cx="275798" cy="250333"/>
+          </a:xfrm>
+          <a:prstGeom prst="mathMultiply">
+            <a:avLst>
+              <a:gd name="adj1" fmla="val 7539"/>
+            </a:avLst>
+          </a:prstGeom>
+        </p:spPr>
+        <p:style>
+          <a:lnRef idx="2">
+            <a:schemeClr val="accent1">
+              <a:shade val="50000"/>
+            </a:schemeClr>
+          </a:lnRef>
+          <a:fillRef idx="1">
+            <a:schemeClr val="accent1"/>
+          </a:fillRef>
+          <a:effectRef idx="0">
+            <a:schemeClr val="accent1"/>
+          </a:effectRef>
+          <a:fontRef idx="minor">
+            <a:schemeClr val="lt1"/>
+          </a:fontRef>
+        </p:style>
+        <p:txBody>
+          <a:bodyPr rtlCol="0" anchor="ctr"/>
+          <a:lstStyle/>
+          <a:p>
+            <a:pPr algn="ctr"/>
+            <a:endParaRPr lang="en-US"/>
+          </a:p>
+        </p:txBody>
+      </p:sp>
+      <p:sp>
+        <p:nvSpPr>
+          <p:cNvPr id="102" name="Multiplication Sign 101">
+            <a:extLst>
+              <a:ext uri="{FF2B5EF4-FFF2-40B4-BE49-F238E27FC236}">
+                <a16:creationId xmlns:a16="http://schemas.microsoft.com/office/drawing/2014/main" id="{DE78C8AC-3303-404C-9191-7FCC49979582}"/>
+              </a:ext>
+            </a:extLst>
+          </p:cNvPr>
+          <p:cNvSpPr/>
+          <p:nvPr/>
+        </p:nvSpPr>
+        <p:spPr>
+          <a:xfrm>
+            <a:off x="8685744" y="4799509"/>
+            <a:ext cx="275798" cy="250333"/>
+          </a:xfrm>
+          <a:prstGeom prst="mathMultiply">
+            <a:avLst>
+              <a:gd name="adj1" fmla="val 7539"/>
+            </a:avLst>
+          </a:prstGeom>
+          <a:solidFill>
+            <a:srgbClr val="7030A0"/>
+          </a:solidFill>
+          <a:ln>
+            <a:solidFill>
+              <a:srgbClr val="7030A0"/>
+            </a:solidFill>
+          </a:ln>
+        </p:spPr>
+        <p:style>
+          <a:lnRef idx="2">
+            <a:schemeClr val="accent1">
+              <a:shade val="50000"/>
+            </a:schemeClr>
+          </a:lnRef>
+          <a:fillRef idx="1">
+            <a:schemeClr val="accent1"/>
+          </a:fillRef>
+          <a:effectRef idx="0">
+            <a:schemeClr val="accent1"/>
+          </a:effectRef>
+          <a:fontRef idx="minor">
+            <a:schemeClr val="lt1"/>
+          </a:fontRef>
+        </p:style>
+        <p:txBody>
+          <a:bodyPr rtlCol="0" anchor="ctr"/>
+          <a:lstStyle/>
+          <a:p>
+            <a:pPr algn="ctr"/>
+            <a:endParaRPr lang="en-US"/>
+          </a:p>
+        </p:txBody>
+      </p:sp>
+      <p:sp>
+        <p:nvSpPr>
+          <p:cNvPr id="103" name="Multiplication Sign 102">
+            <a:extLst>
+              <a:ext uri="{FF2B5EF4-FFF2-40B4-BE49-F238E27FC236}">
+                <a16:creationId xmlns:a16="http://schemas.microsoft.com/office/drawing/2014/main" id="{A3565423-4533-4672-B637-432A1FB77A63}"/>
+              </a:ext>
+            </a:extLst>
+          </p:cNvPr>
+          <p:cNvSpPr/>
+          <p:nvPr/>
+        </p:nvSpPr>
+        <p:spPr>
+          <a:xfrm>
+            <a:off x="10193508" y="4803274"/>
+            <a:ext cx="275798" cy="250333"/>
+          </a:xfrm>
+          <a:prstGeom prst="mathMultiply">
+            <a:avLst>
+              <a:gd name="adj1" fmla="val 7539"/>
+            </a:avLst>
+          </a:prstGeom>
+          <a:solidFill>
+            <a:srgbClr val="7030A0"/>
+          </a:solidFill>
+          <a:ln>
+            <a:solidFill>
+              <a:srgbClr val="7030A0"/>
+            </a:solidFill>
+          </a:ln>
+        </p:spPr>
+        <p:style>
+          <a:lnRef idx="2">
+            <a:schemeClr val="accent1">
+              <a:shade val="50000"/>
+            </a:schemeClr>
+          </a:lnRef>
+          <a:fillRef idx="1">
+            <a:schemeClr val="accent1"/>
+          </a:fillRef>
+          <a:effectRef idx="0">
+            <a:schemeClr val="accent1"/>
+          </a:effectRef>
+          <a:fontRef idx="minor">
+            <a:schemeClr val="lt1"/>
+          </a:fontRef>
+        </p:style>
+        <p:txBody>
+          <a:bodyPr rtlCol="0" anchor="ctr"/>
+          <a:lstStyle/>
+          <a:p>
+            <a:pPr algn="ctr"/>
+            <a:endParaRPr lang="en-US"/>
+          </a:p>
+        </p:txBody>
+      </p:sp>
+      <p:sp>
+        <p:nvSpPr>
+          <p:cNvPr id="105" name="Multiplication Sign 104">
+            <a:extLst>
+              <a:ext uri="{FF2B5EF4-FFF2-40B4-BE49-F238E27FC236}">
+                <a16:creationId xmlns:a16="http://schemas.microsoft.com/office/drawing/2014/main" id="{9F8AC21F-FC78-4A8C-839A-45CBAB3790E0}"/>
+              </a:ext>
+            </a:extLst>
+          </p:cNvPr>
+          <p:cNvSpPr/>
+          <p:nvPr/>
+        </p:nvSpPr>
+        <p:spPr>
+          <a:xfrm>
+            <a:off x="11997224" y="3704843"/>
+            <a:ext cx="275798" cy="250333"/>
+          </a:xfrm>
+          <a:prstGeom prst="mathMultiply">
+            <a:avLst>
+              <a:gd name="adj1" fmla="val 7539"/>
+            </a:avLst>
+          </a:prstGeom>
+          <a:solidFill>
+            <a:srgbClr val="7030A0"/>
+          </a:solidFill>
+          <a:ln>
+            <a:solidFill>
+              <a:srgbClr val="7030A0"/>
+            </a:solidFill>
+          </a:ln>
+        </p:spPr>
+        <p:style>
+          <a:lnRef idx="2">
+            <a:schemeClr val="accent1">
+              <a:shade val="50000"/>
+            </a:schemeClr>
+          </a:lnRef>
+          <a:fillRef idx="1">
+            <a:schemeClr val="accent1"/>
+          </a:fillRef>
+          <a:effectRef idx="0">
+            <a:schemeClr val="accent1"/>
+          </a:effectRef>
+          <a:fontRef idx="minor">
+            <a:schemeClr val="lt1"/>
+          </a:fontRef>
+        </p:style>
+        <p:txBody>
+          <a:bodyPr rtlCol="0" anchor="ctr"/>
+          <a:lstStyle/>
+          <a:p>
+            <a:pPr algn="ctr"/>
+            <a:endParaRPr lang="en-US"/>
+          </a:p>
+        </p:txBody>
+      </p:sp>
+      <p:sp>
+        <p:nvSpPr>
+          <p:cNvPr id="107" name="Multiplication Sign 106">
+            <a:extLst>
+              <a:ext uri="{FF2B5EF4-FFF2-40B4-BE49-F238E27FC236}">
+                <a16:creationId xmlns:a16="http://schemas.microsoft.com/office/drawing/2014/main" id="{5B90EF39-AA46-48ED-A644-DAECB7EBE2C4}"/>
+              </a:ext>
+            </a:extLst>
+          </p:cNvPr>
+          <p:cNvSpPr/>
+          <p:nvPr/>
+        </p:nvSpPr>
+        <p:spPr>
+          <a:xfrm>
+            <a:off x="1263243" y="6534804"/>
+            <a:ext cx="275798" cy="250333"/>
+          </a:xfrm>
+          <a:prstGeom prst="mathMultiply">
+            <a:avLst>
+              <a:gd name="adj1" fmla="val 7539"/>
+            </a:avLst>
+          </a:prstGeom>
+        </p:spPr>
+        <p:style>
+          <a:lnRef idx="2">
+            <a:schemeClr val="accent1">
+              <a:shade val="50000"/>
+            </a:schemeClr>
+          </a:lnRef>
+          <a:fillRef idx="1">
+            <a:schemeClr val="accent1"/>
+          </a:fillRef>
+          <a:effectRef idx="0">
+            <a:schemeClr val="accent1"/>
+          </a:effectRef>
+          <a:fontRef idx="minor">
+            <a:schemeClr val="lt1"/>
+          </a:fontRef>
+        </p:style>
+        <p:txBody>
+          <a:bodyPr rtlCol="0" anchor="ctr"/>
+          <a:lstStyle/>
+          <a:p>
+            <a:pPr algn="ctr"/>
+            <a:endParaRPr lang="en-US"/>
+          </a:p>
+        </p:txBody>
+      </p:sp>
+      <p:sp>
+        <p:nvSpPr>
+          <p:cNvPr id="113" name="TextBox 112">
+            <a:extLst>
+              <a:ext uri="{FF2B5EF4-FFF2-40B4-BE49-F238E27FC236}">
+                <a16:creationId xmlns:a16="http://schemas.microsoft.com/office/drawing/2014/main" id="{037A60B2-198E-46AD-B293-E4769E2E88B4}"/>
+              </a:ext>
+            </a:extLst>
+          </p:cNvPr>
+          <p:cNvSpPr txBox="1"/>
+          <p:nvPr/>
+        </p:nvSpPr>
+        <p:spPr>
+          <a:xfrm>
+            <a:off x="4494617" y="1746443"/>
+            <a:ext cx="1899551" cy="184666"/>
+          </a:xfrm>
+          <a:prstGeom prst="rect">
+            <a:avLst/>
+          </a:prstGeom>
+          <a:noFill/>
+        </p:spPr>
+        <p:txBody>
+          <a:bodyPr wrap="square" lIns="0" tIns="0" rIns="0" bIns="0" rtlCol="0">
+            <a:spAutoFit/>
+          </a:bodyPr>
+          <a:lstStyle>
+            <a:defPPr>
+              <a:defRPr lang="en-US"/>
+            </a:defPPr>
+            <a:lvl1pPr algn="r">
+              <a:defRPr sz="1400">
+                <a:solidFill>
+                  <a:srgbClr val="0070C0"/>
+                </a:solidFill>
+              </a:defRPr>
+            </a:lvl1pPr>
+          </a:lstStyle>
+          <a:p>
+            <a:pPr algn="ctr"/>
+            <a:r>
+              <a:rPr lang="en-SG" sz="1200" dirty="0" err="1"/>
+              <a:t>LimitCommand</a:t>
+            </a:r>
+            <a:r>
+              <a:rPr lang="en-SG" sz="1200" dirty="0"/>
+              <a:t>(limit)</a:t>
+            </a:r>
+            <a:endParaRPr lang="en-US" sz="1200" dirty="0"/>
+          </a:p>
+        </p:txBody>
+      </p:sp>
       <p:cxnSp>
         <p:nvCxnSpPr>
-          <p:cNvPr id="20" name="Straight Arrow Connector 19">
-            <a:extLst>
-              <a:ext uri="{FF2B5EF4-FFF2-40B4-BE49-F238E27FC236}">
-                <a16:creationId xmlns:a16="http://schemas.microsoft.com/office/drawing/2014/main" id="{E5F28CB4-CCBF-44DE-9252-275FF102C1B3}"/>
+          <p:cNvPr id="114" name="Straight Arrow Connector 113">
+            <a:extLst>
+              <a:ext uri="{FF2B5EF4-FFF2-40B4-BE49-F238E27FC236}">
+                <a16:creationId xmlns:a16="http://schemas.microsoft.com/office/drawing/2014/main" id="{64BAE8C4-9779-4896-90BE-15160E40F2D9}"/>
               </a:ext>
             </a:extLst>
           </p:cNvPr>
@@ -4260,19 +6942,17 @@
         </p:nvCxnSpPr>
         <p:spPr>
           <a:xfrm>
-            <a:off x="2221126" y="2568166"/>
-            <a:ext cx="2348067" cy="0"/>
+            <a:off x="6287872" y="3871293"/>
+            <a:ext cx="2488832" cy="0"/>
           </a:xfrm>
           <a:prstGeom prst="straightConnector1">
             <a:avLst/>
           </a:prstGeom>
           <a:ln w="19050">
             <a:solidFill>
-              <a:srgbClr val="0070C0"/>
+              <a:schemeClr val="accent1"/>
             </a:solidFill>
-            <a:prstDash val="sysDash"/>
-            <a:headEnd type="arrow" w="med" len="med"/>
-            <a:tailEnd type="none" w="med" len="med"/>
+            <a:tailEnd type="arrow"/>
           </a:ln>
         </p:spPr>
         <p:style>
@@ -4290,33 +6970,274 @@
           </a:fontRef>
         </p:style>
       </p:cxnSp>
+      <p:sp>
+        <p:nvSpPr>
+          <p:cNvPr id="115" name="TextBox 114">
+            <a:extLst>
+              <a:ext uri="{FF2B5EF4-FFF2-40B4-BE49-F238E27FC236}">
+                <a16:creationId xmlns:a16="http://schemas.microsoft.com/office/drawing/2014/main" id="{0B759DAF-0563-4BED-B86A-0B775C420E4D}"/>
+              </a:ext>
+            </a:extLst>
+          </p:cNvPr>
+          <p:cNvSpPr txBox="1"/>
+          <p:nvPr/>
+        </p:nvSpPr>
+        <p:spPr>
+          <a:xfrm>
+            <a:off x="6739960" y="3632248"/>
+            <a:ext cx="1878816" cy="553998"/>
+          </a:xfrm>
+          <a:prstGeom prst="rect">
+            <a:avLst/>
+          </a:prstGeom>
+          <a:noFill/>
+        </p:spPr>
+        <p:txBody>
+          <a:bodyPr wrap="square" lIns="0" tIns="0" rIns="0" bIns="0" rtlCol="0">
+            <a:spAutoFit/>
+          </a:bodyPr>
+          <a:lstStyle>
+            <a:defPPr>
+              <a:defRPr lang="en-US"/>
+            </a:defPPr>
+            <a:lvl1pPr algn="r">
+              <a:defRPr sz="1400">
+                <a:solidFill>
+                  <a:srgbClr val="0070C0"/>
+                </a:solidFill>
+              </a:defRPr>
+            </a:lvl1pPr>
+          </a:lstStyle>
+          <a:p>
+            <a:pPr algn="ctr"/>
+            <a:r>
+              <a:rPr lang="en-SG" sz="1200" dirty="0" err="1">
+                <a:solidFill>
+                  <a:schemeClr val="accent1"/>
+                </a:solidFill>
+              </a:rPr>
+              <a:t>generateLimitOutput</a:t>
+            </a:r>
+            <a:endParaRPr lang="en-SG" sz="1200" dirty="0">
+              <a:solidFill>
+                <a:schemeClr val="accent1"/>
+              </a:solidFill>
+            </a:endParaRPr>
+          </a:p>
+          <a:p>
+            <a:pPr algn="ctr"/>
+            <a:r>
+              <a:rPr lang="en-SG" sz="1200" dirty="0" err="1">
+                <a:solidFill>
+                  <a:schemeClr val="accent1"/>
+                </a:solidFill>
+              </a:rPr>
+              <a:t>isExceededLimit</a:t>
+            </a:r>
+            <a:r>
+              <a:rPr lang="en-SG" sz="1200" dirty="0">
+                <a:solidFill>
+                  <a:schemeClr val="accent1"/>
+                </a:solidFill>
+              </a:rPr>
+              <a:t>()</a:t>
+            </a:r>
+          </a:p>
+          <a:p>
+            <a:pPr algn="ctr"/>
+            <a:r>
+              <a:rPr lang="en-SG" sz="1200" dirty="0" err="1">
+                <a:solidFill>
+                  <a:schemeClr val="accent1"/>
+                </a:solidFill>
+              </a:rPr>
+              <a:t>getTotalSpend</a:t>
+            </a:r>
+            <a:r>
+              <a:rPr lang="en-SG" sz="1200" dirty="0">
+                <a:solidFill>
+                  <a:schemeClr val="accent1"/>
+                </a:solidFill>
+              </a:rPr>
+              <a:t>()</a:t>
+            </a:r>
+            <a:endParaRPr lang="en-US" sz="1200" dirty="0">
+              <a:solidFill>
+                <a:schemeClr val="accent1"/>
+              </a:solidFill>
+            </a:endParaRPr>
+          </a:p>
+        </p:txBody>
+      </p:sp>
+      <p:grpSp>
+        <p:nvGrpSpPr>
+          <p:cNvPr id="116" name="Group 115">
+            <a:extLst>
+              <a:ext uri="{FF2B5EF4-FFF2-40B4-BE49-F238E27FC236}">
+                <a16:creationId xmlns:a16="http://schemas.microsoft.com/office/drawing/2014/main" id="{C415C2D7-20AB-4175-81EC-91276981114C}"/>
+              </a:ext>
+            </a:extLst>
+          </p:cNvPr>
+          <p:cNvGrpSpPr/>
+          <p:nvPr/>
+        </p:nvGrpSpPr>
+        <p:grpSpPr>
+          <a:xfrm>
+            <a:off x="11315209" y="2357555"/>
+            <a:ext cx="1611730" cy="1616794"/>
+            <a:chOff x="11230636" y="135681"/>
+            <a:chExt cx="1611730" cy="1616794"/>
+          </a:xfrm>
+        </p:grpSpPr>
+        <p:cxnSp>
+          <p:nvCxnSpPr>
+            <p:cNvPr id="117" name="Straight Connector 116">
+              <a:extLst>
+                <a:ext uri="{FF2B5EF4-FFF2-40B4-BE49-F238E27FC236}">
+                  <a16:creationId xmlns:a16="http://schemas.microsoft.com/office/drawing/2014/main" id="{B57E72A4-D80B-4187-9872-E98DAD2FA6C2}"/>
+                </a:ext>
+              </a:extLst>
+            </p:cNvPr>
+            <p:cNvCxnSpPr>
+              <a:cxnSpLocks/>
+            </p:cNvCxnSpPr>
+            <p:nvPr/>
+          </p:nvCxnSpPr>
+          <p:spPr>
+            <a:xfrm>
+              <a:off x="12034289" y="605667"/>
+              <a:ext cx="0" cy="1146808"/>
+            </a:xfrm>
+            <a:prstGeom prst="line">
+              <a:avLst/>
+            </a:prstGeom>
+            <a:ln w="19050">
+              <a:solidFill>
+                <a:srgbClr val="7030A0"/>
+              </a:solidFill>
+              <a:prstDash val="sysDash"/>
+            </a:ln>
+            <a:effectLst/>
+          </p:spPr>
+          <p:style>
+            <a:lnRef idx="1">
+              <a:schemeClr val="accent1"/>
+            </a:lnRef>
+            <a:fillRef idx="2">
+              <a:schemeClr val="accent1"/>
+            </a:fillRef>
+            <a:effectRef idx="1">
+              <a:schemeClr val="accent1"/>
+            </a:effectRef>
+            <a:fontRef idx="minor">
+              <a:schemeClr val="dk1"/>
+            </a:fontRef>
+          </p:style>
+        </p:cxnSp>
+        <p:sp>
+          <p:nvSpPr>
+            <p:cNvPr id="118" name="Rectangle 62">
+              <a:extLst>
+                <a:ext uri="{FF2B5EF4-FFF2-40B4-BE49-F238E27FC236}">
+                  <a16:creationId xmlns:a16="http://schemas.microsoft.com/office/drawing/2014/main" id="{F2D128B2-A866-4E2C-AF1F-8FAAF66F9579}"/>
+                </a:ext>
+              </a:extLst>
+            </p:cNvPr>
+            <p:cNvSpPr/>
+            <p:nvPr/>
+          </p:nvSpPr>
+          <p:spPr>
+            <a:xfrm>
+              <a:off x="11230636" y="135681"/>
+              <a:ext cx="1611730" cy="477095"/>
+            </a:xfrm>
+            <a:prstGeom prst="rect">
+              <a:avLst/>
+            </a:prstGeom>
+            <a:solidFill>
+              <a:srgbClr val="7030A0"/>
+            </a:solidFill>
+            <a:ln w="19050">
+              <a:solidFill>
+                <a:srgbClr val="7030A0"/>
+              </a:solidFill>
+            </a:ln>
+            <a:effectLst/>
+          </p:spPr>
+          <p:style>
+            <a:lnRef idx="1">
+              <a:schemeClr val="accent2"/>
+            </a:lnRef>
+            <a:fillRef idx="2">
+              <a:schemeClr val="accent2"/>
+            </a:fillRef>
+            <a:effectRef idx="1">
+              <a:schemeClr val="accent2"/>
+            </a:effectRef>
+            <a:fontRef idx="minor">
+              <a:schemeClr val="dk1"/>
+            </a:fontRef>
+          </p:style>
+          <p:txBody>
+            <a:bodyPr rtlCol="0" anchor="ctr"/>
+            <a:lstStyle/>
+            <a:p>
+              <a:pPr algn="ctr"/>
+              <a:r>
+                <a:rPr lang="en-US" sz="1200" dirty="0">
+                  <a:solidFill>
+                    <a:schemeClr val="bg1"/>
+                  </a:solidFill>
+                </a:rPr>
+                <a:t>:</a:t>
+              </a:r>
+              <a:r>
+                <a:rPr lang="en-US" sz="1200" dirty="0" err="1">
+                  <a:solidFill>
+                    <a:schemeClr val="bg1"/>
+                  </a:solidFill>
+                </a:rPr>
+                <a:t>DateBasedLimitList</a:t>
+              </a:r>
+              <a:endParaRPr lang="en-SG" sz="1200" dirty="0">
+                <a:solidFill>
+                  <a:schemeClr val="bg1"/>
+                </a:solidFill>
+              </a:endParaRPr>
+            </a:p>
+          </p:txBody>
+        </p:sp>
+      </p:grpSp>
       <p:cxnSp>
         <p:nvCxnSpPr>
-          <p:cNvPr id="21" name="Straight Arrow Connector 20">
-            <a:extLst>
-              <a:ext uri="{FF2B5EF4-FFF2-40B4-BE49-F238E27FC236}">
-                <a16:creationId xmlns:a16="http://schemas.microsoft.com/office/drawing/2014/main" id="{C79A35FC-11A2-43D2-80B4-0AF159CFCD58}"/>
-              </a:ext>
-            </a:extLst>
-          </p:cNvPr>
-          <p:cNvCxnSpPr/>
+          <p:cNvPr id="119" name="Straight Arrow Connector 118">
+            <a:extLst>
+              <a:ext uri="{FF2B5EF4-FFF2-40B4-BE49-F238E27FC236}">
+                <a16:creationId xmlns:a16="http://schemas.microsoft.com/office/drawing/2014/main" id="{BD8CAD5F-CD50-4A37-A4F4-04768B962DF4}"/>
+              </a:ext>
+            </a:extLst>
+          </p:cNvPr>
+          <p:cNvCxnSpPr>
+            <a:cxnSpLocks/>
+          </p:cNvCxnSpPr>
           <p:nvPr/>
         </p:nvCxnSpPr>
         <p:spPr>
           <a:xfrm>
-            <a:off x="910774" y="4625566"/>
-            <a:ext cx="1196051" cy="0"/>
+            <a:off x="10374103" y="4181625"/>
+            <a:ext cx="3340098" cy="4621"/>
           </a:xfrm>
           <a:prstGeom prst="straightConnector1">
             <a:avLst/>
           </a:prstGeom>
+          <a:solidFill>
+            <a:srgbClr val="7030A0"/>
+          </a:solidFill>
           <a:ln w="19050">
             <a:solidFill>
-              <a:schemeClr val="accent1"/>
+              <a:srgbClr val="7030A0"/>
             </a:solidFill>
-            <a:prstDash val="sysDash"/>
-            <a:headEnd type="arrow" w="med" len="med"/>
-            <a:tailEnd type="none" w="med" len="med"/>
+            <a:tailEnd type="arrow"/>
           </a:ln>
         </p:spPr>
         <p:style>
@@ -4336,10 +7257,10 @@
       </p:cxnSp>
       <p:sp>
         <p:nvSpPr>
-          <p:cNvPr id="22" name="Rectangle 21">
-            <a:extLst>
-              <a:ext uri="{FF2B5EF4-FFF2-40B4-BE49-F238E27FC236}">
-                <a16:creationId xmlns:a16="http://schemas.microsoft.com/office/drawing/2014/main" id="{122A901E-02E6-434C-99F9-27B7C5B5FB1C}"/>
+          <p:cNvPr id="122" name="Rectangle 121">
+            <a:extLst>
+              <a:ext uri="{FF2B5EF4-FFF2-40B4-BE49-F238E27FC236}">
+                <a16:creationId xmlns:a16="http://schemas.microsoft.com/office/drawing/2014/main" id="{1E21915C-1966-4C25-95B6-04BF61221CD4}"/>
               </a:ext>
             </a:extLst>
           </p:cNvPr>
@@ -4348,345 +7269,8 @@
         </p:nvSpPr>
         <p:spPr>
           <a:xfrm>
-            <a:off x="6056263" y="3165879"/>
-            <a:ext cx="161322" cy="1307285"/>
-          </a:xfrm>
-          <a:prstGeom prst="rect">
-            <a:avLst/>
-          </a:prstGeom>
-          <a:solidFill>
-            <a:srgbClr val="0070C0"/>
-          </a:solidFill>
-          <a:ln>
-            <a:solidFill>
-              <a:srgbClr val="0070C0"/>
-            </a:solidFill>
-          </a:ln>
-          <a:effectLst/>
-        </p:spPr>
-        <p:style>
-          <a:lnRef idx="1">
-            <a:schemeClr val="accent3"/>
-          </a:lnRef>
-          <a:fillRef idx="2">
-            <a:schemeClr val="accent3"/>
-          </a:fillRef>
-          <a:effectRef idx="1">
-            <a:schemeClr val="accent3"/>
-          </a:effectRef>
-          <a:fontRef idx="minor">
-            <a:schemeClr val="dk1"/>
-          </a:fontRef>
-        </p:style>
-        <p:txBody>
-          <a:bodyPr rtlCol="0" anchor="ctr"/>
-          <a:lstStyle/>
-          <a:p>
-            <a:pPr algn="ctr"/>
-            <a:endParaRPr lang="en-SG" sz="1400"/>
-          </a:p>
-        </p:txBody>
-      </p:sp>
-      <p:sp>
-        <p:nvSpPr>
-          <p:cNvPr id="23" name="TextBox 22">
-            <a:extLst>
-              <a:ext uri="{FF2B5EF4-FFF2-40B4-BE49-F238E27FC236}">
-                <a16:creationId xmlns:a16="http://schemas.microsoft.com/office/drawing/2014/main" id="{EA51BFBC-3B16-4EBC-A2F2-3757B6C5A861}"/>
-              </a:ext>
-            </a:extLst>
-          </p:cNvPr>
-          <p:cNvSpPr txBox="1"/>
-          <p:nvPr/>
-        </p:nvSpPr>
-        <p:spPr>
-          <a:xfrm>
-            <a:off x="6828852" y="3264912"/>
-            <a:ext cx="1874739" cy="184666"/>
-          </a:xfrm>
-          <a:prstGeom prst="rect">
-            <a:avLst/>
-          </a:prstGeom>
-          <a:noFill/>
-        </p:spPr>
-        <p:txBody>
-          <a:bodyPr wrap="square" lIns="0" tIns="0" rIns="0" bIns="0" rtlCol="0">
-            <a:spAutoFit/>
-          </a:bodyPr>
-          <a:lstStyle>
-            <a:defPPr>
-              <a:defRPr lang="en-US"/>
-            </a:defPPr>
-            <a:lvl1pPr algn="r">
-              <a:defRPr sz="1400">
-                <a:solidFill>
-                  <a:srgbClr val="0070C0"/>
-                </a:solidFill>
-              </a:defRPr>
-            </a:lvl1pPr>
-          </a:lstStyle>
-          <a:p>
-            <a:r>
-              <a:rPr lang="en-US" sz="1200" dirty="0" err="1">
-                <a:solidFill>
-                  <a:schemeClr val="accent4">
-                    <a:lumMod val="75000"/>
-                  </a:schemeClr>
-                </a:solidFill>
-              </a:rPr>
-              <a:t>isLimitExceeded</a:t>
-            </a:r>
-            <a:r>
-              <a:rPr lang="en-US" sz="1200" dirty="0">
-                <a:solidFill>
-                  <a:srgbClr val="7030A0"/>
-                </a:solidFill>
-              </a:rPr>
-              <a:t>(limit)</a:t>
-            </a:r>
-            <a:endParaRPr lang="en-US" sz="1200" dirty="0"/>
-          </a:p>
-        </p:txBody>
-      </p:sp>
-      <p:sp>
-        <p:nvSpPr>
-          <p:cNvPr id="24" name="TextBox 23">
-            <a:extLst>
-              <a:ext uri="{FF2B5EF4-FFF2-40B4-BE49-F238E27FC236}">
-                <a16:creationId xmlns:a16="http://schemas.microsoft.com/office/drawing/2014/main" id="{C3B059E5-4B64-41DE-954A-CF240064366C}"/>
-              </a:ext>
-            </a:extLst>
-          </p:cNvPr>
-          <p:cNvSpPr txBox="1"/>
-          <p:nvPr/>
-        </p:nvSpPr>
-        <p:spPr>
-          <a:xfrm>
-            <a:off x="2414964" y="1540716"/>
-            <a:ext cx="1899551" cy="215444"/>
-          </a:xfrm>
-          <a:prstGeom prst="rect">
-            <a:avLst/>
-          </a:prstGeom>
-          <a:noFill/>
-        </p:spPr>
-        <p:txBody>
-          <a:bodyPr wrap="square" lIns="0" tIns="0" rIns="0" bIns="0" rtlCol="0">
-            <a:spAutoFit/>
-          </a:bodyPr>
-          <a:lstStyle>
-            <a:defPPr>
-              <a:defRPr lang="en-US"/>
-            </a:defPPr>
-            <a:lvl1pPr algn="r">
-              <a:defRPr sz="1400">
-                <a:solidFill>
-                  <a:srgbClr val="0070C0"/>
-                </a:solidFill>
-              </a:defRPr>
-            </a:lvl1pPr>
-          </a:lstStyle>
-          <a:p>
-            <a:r>
-              <a:rPr lang="en-US" dirty="0" err="1"/>
-              <a:t>parseCommand</a:t>
-            </a:r>
-            <a:r>
-              <a:rPr lang="en-US" dirty="0"/>
-              <a:t>(“limit”)</a:t>
-            </a:r>
-          </a:p>
-        </p:txBody>
-      </p:sp>
-      <p:sp>
-        <p:nvSpPr>
-          <p:cNvPr id="25" name="TextBox 24">
-            <a:extLst>
-              <a:ext uri="{FF2B5EF4-FFF2-40B4-BE49-F238E27FC236}">
-                <a16:creationId xmlns:a16="http://schemas.microsoft.com/office/drawing/2014/main" id="{90AF22A9-4A1F-4B89-BCEE-372CD7FDA229}"/>
-              </a:ext>
-            </a:extLst>
-          </p:cNvPr>
-          <p:cNvSpPr txBox="1"/>
-          <p:nvPr/>
-        </p:nvSpPr>
-        <p:spPr>
-          <a:xfrm>
-            <a:off x="3802530" y="4225642"/>
-            <a:ext cx="621216" cy="215444"/>
-          </a:xfrm>
-          <a:prstGeom prst="rect">
-            <a:avLst/>
-          </a:prstGeom>
-          <a:noFill/>
-        </p:spPr>
-        <p:txBody>
-          <a:bodyPr wrap="square" lIns="0" tIns="0" rIns="0" bIns="0" rtlCol="0">
-            <a:spAutoFit/>
-          </a:bodyPr>
-          <a:lstStyle>
-            <a:defPPr>
-              <a:defRPr lang="en-US"/>
-            </a:defPPr>
-            <a:lvl1pPr algn="r">
-              <a:defRPr sz="1400">
-                <a:solidFill>
-                  <a:srgbClr val="0070C0"/>
-                </a:solidFill>
-              </a:defRPr>
-            </a:lvl1pPr>
-          </a:lstStyle>
-          <a:p>
-            <a:r>
-              <a:rPr lang="en-US" dirty="0"/>
-              <a:t>result</a:t>
-            </a:r>
-          </a:p>
-        </p:txBody>
-      </p:sp>
-      <p:sp>
-        <p:nvSpPr>
-          <p:cNvPr id="26" name="TextBox 25">
-            <a:extLst>
-              <a:ext uri="{FF2B5EF4-FFF2-40B4-BE49-F238E27FC236}">
-                <a16:creationId xmlns:a16="http://schemas.microsoft.com/office/drawing/2014/main" id="{DA07E797-80D0-4063-88D6-46541E799EDF}"/>
-              </a:ext>
-            </a:extLst>
-          </p:cNvPr>
-          <p:cNvSpPr txBox="1"/>
-          <p:nvPr/>
-        </p:nvSpPr>
-        <p:spPr>
-          <a:xfrm>
-            <a:off x="1175045" y="4380467"/>
-            <a:ext cx="762000" cy="215444"/>
-          </a:xfrm>
-          <a:prstGeom prst="rect">
-            <a:avLst/>
-          </a:prstGeom>
-          <a:noFill/>
-        </p:spPr>
-        <p:txBody>
-          <a:bodyPr wrap="square" lIns="0" tIns="0" rIns="0" bIns="0" rtlCol="0">
-            <a:spAutoFit/>
-          </a:bodyPr>
-          <a:lstStyle>
-            <a:defPPr>
-              <a:defRPr lang="en-US"/>
-            </a:defPPr>
-            <a:lvl1pPr algn="r">
-              <a:defRPr sz="1400">
-                <a:solidFill>
-                  <a:srgbClr val="0070C0"/>
-                </a:solidFill>
-              </a:defRPr>
-            </a:lvl1pPr>
-          </a:lstStyle>
-          <a:p>
-            <a:r>
-              <a:rPr lang="en-US" dirty="0"/>
-              <a:t>result</a:t>
-            </a:r>
-          </a:p>
-        </p:txBody>
-      </p:sp>
-      <p:sp>
-        <p:nvSpPr>
-          <p:cNvPr id="27" name="Rectangle 62">
-            <a:extLst>
-              <a:ext uri="{FF2B5EF4-FFF2-40B4-BE49-F238E27FC236}">
-                <a16:creationId xmlns:a16="http://schemas.microsoft.com/office/drawing/2014/main" id="{AA666BAE-447B-4041-8983-7006B4007514}"/>
-              </a:ext>
-            </a:extLst>
-          </p:cNvPr>
-          <p:cNvSpPr/>
-          <p:nvPr/>
-        </p:nvSpPr>
-        <p:spPr>
-          <a:xfrm>
-            <a:off x="10268490" y="3103178"/>
-            <a:ext cx="2181777" cy="335427"/>
-          </a:xfrm>
-          <a:prstGeom prst="rect">
-            <a:avLst/>
-          </a:prstGeom>
-          <a:solidFill>
-            <a:srgbClr val="7030A0"/>
-          </a:solidFill>
-          <a:ln w="19050">
-            <a:solidFill>
-              <a:srgbClr val="7030A0"/>
-            </a:solidFill>
-          </a:ln>
-          <a:effectLst/>
-        </p:spPr>
-        <p:style>
-          <a:lnRef idx="1">
-            <a:schemeClr val="accent2"/>
-          </a:lnRef>
-          <a:fillRef idx="2">
-            <a:schemeClr val="accent2"/>
-          </a:fillRef>
-          <a:effectRef idx="1">
-            <a:schemeClr val="accent2"/>
-          </a:effectRef>
-          <a:fontRef idx="minor">
-            <a:schemeClr val="dk1"/>
-          </a:fontRef>
-        </p:style>
-        <p:txBody>
-          <a:bodyPr rtlCol="0" anchor="ctr"/>
-          <a:lstStyle/>
-          <a:p>
-            <a:pPr algn="ctr"/>
-            <a:r>
-              <a:rPr lang="en-US" sz="1600" dirty="0">
-                <a:solidFill>
-                  <a:schemeClr val="bg1"/>
-                </a:solidFill>
-              </a:rPr>
-              <a:t>:</a:t>
-            </a:r>
-            <a:r>
-              <a:rPr lang="en-US" sz="1600" dirty="0" err="1">
-                <a:solidFill>
-                  <a:schemeClr val="bg1"/>
-                </a:solidFill>
-              </a:rPr>
-              <a:t>FilteredList</a:t>
-            </a:r>
-            <a:r>
-              <a:rPr lang="en-US" sz="1600" dirty="0">
-                <a:solidFill>
-                  <a:schemeClr val="bg1"/>
-                </a:solidFill>
-              </a:rPr>
-              <a:t>&lt;Records&gt;</a:t>
-            </a:r>
-            <a:endParaRPr lang="en-SG" sz="1600" dirty="0">
-              <a:solidFill>
-                <a:schemeClr val="bg1"/>
-              </a:solidFill>
-            </a:endParaRPr>
-          </a:p>
-        </p:txBody>
-      </p:sp>
-      <p:sp>
-        <p:nvSpPr>
-          <p:cNvPr id="28" name="Rectangle 27">
-            <a:extLst>
-              <a:ext uri="{FF2B5EF4-FFF2-40B4-BE49-F238E27FC236}">
-                <a16:creationId xmlns:a16="http://schemas.microsoft.com/office/drawing/2014/main" id="{F9C8A08E-A13B-4766-8F53-86912A5FD085}"/>
-              </a:ext>
-            </a:extLst>
-          </p:cNvPr>
-          <p:cNvSpPr/>
-          <p:nvPr/>
-        </p:nvSpPr>
-        <p:spPr>
-          <a:xfrm>
-            <a:off x="11285542" y="3717412"/>
-            <a:ext cx="129933" cy="398562"/>
+            <a:off x="13730599" y="3520188"/>
+            <a:ext cx="121363" cy="1254343"/>
           </a:xfrm>
           <a:prstGeom prst="rect">
             <a:avLst/>
@@ -4720,16 +7304,16 @@
           <a:lstStyle/>
           <a:p>
             <a:pPr algn="ctr"/>
-            <a:endParaRPr lang="en-SG" sz="1400"/>
-          </a:p>
-        </p:txBody>
-      </p:sp>
-      <p:sp>
-        <p:nvSpPr>
-          <p:cNvPr id="29" name="TextBox 28">
-            <a:extLst>
-              <a:ext uri="{FF2B5EF4-FFF2-40B4-BE49-F238E27FC236}">
-                <a16:creationId xmlns:a16="http://schemas.microsoft.com/office/drawing/2014/main" id="{76B229E8-C2DA-4271-805D-DA89B51FBDC2}"/>
+            <a:endParaRPr lang="en-SG" sz="1200" dirty="0"/>
+          </a:p>
+        </p:txBody>
+      </p:sp>
+      <p:sp>
+        <p:nvSpPr>
+          <p:cNvPr id="123" name="TextBox 122">
+            <a:extLst>
+              <a:ext uri="{FF2B5EF4-FFF2-40B4-BE49-F238E27FC236}">
+                <a16:creationId xmlns:a16="http://schemas.microsoft.com/office/drawing/2014/main" id="{766768F6-F339-4B7C-9835-7AB1C91C270A}"/>
               </a:ext>
             </a:extLst>
           </p:cNvPr>
@@ -4738,8 +7322,8 @@
         </p:nvSpPr>
         <p:spPr>
           <a:xfrm>
-            <a:off x="3254567" y="2340359"/>
-            <a:ext cx="220343" cy="215444"/>
+            <a:off x="8625630" y="3743524"/>
+            <a:ext cx="1878816" cy="553998"/>
           </a:xfrm>
           <a:prstGeom prst="rect">
             <a:avLst/>
@@ -4763,31 +7347,89 @@
             </a:lvl1pPr>
           </a:lstStyle>
           <a:p>
-            <a:r>
-              <a:rPr lang="en-US" dirty="0"/>
-              <a:t>c</a:t>
-            </a:r>
-          </a:p>
-        </p:txBody>
-      </p:sp>
-      <p:sp>
-        <p:nvSpPr>
-          <p:cNvPr id="30" name="Rectangle 62">
-            <a:extLst>
-              <a:ext uri="{FF2B5EF4-FFF2-40B4-BE49-F238E27FC236}">
-                <a16:creationId xmlns:a16="http://schemas.microsoft.com/office/drawing/2014/main" id="{263439A4-D381-437A-A8A8-51E3E19FA990}"/>
-              </a:ext>
-            </a:extLst>
-          </p:cNvPr>
-          <p:cNvSpPr/>
+            <a:pPr algn="ctr"/>
+            <a:r>
+              <a:rPr lang="en-SG" sz="1200" dirty="0" err="1">
+                <a:solidFill>
+                  <a:schemeClr val="accent1"/>
+                </a:solidFill>
+              </a:rPr>
+              <a:t>generateLimitOutput</a:t>
+            </a:r>
+            <a:r>
+              <a:rPr lang="en-SG" sz="1200" dirty="0">
+                <a:solidFill>
+                  <a:schemeClr val="accent1"/>
+                </a:solidFill>
+              </a:rPr>
+              <a:t>()</a:t>
+            </a:r>
+          </a:p>
+          <a:p>
+            <a:pPr algn="ctr"/>
+            <a:r>
+              <a:rPr lang="en-SG" sz="1200" dirty="0" err="1">
+                <a:solidFill>
+                  <a:schemeClr val="accent1"/>
+                </a:solidFill>
+              </a:rPr>
+              <a:t>isExceededLimit</a:t>
+            </a:r>
+            <a:r>
+              <a:rPr lang="en-SG" sz="1200" dirty="0">
+                <a:solidFill>
+                  <a:schemeClr val="accent1"/>
+                </a:solidFill>
+              </a:rPr>
+              <a:t>()</a:t>
+            </a:r>
+          </a:p>
+          <a:p>
+            <a:pPr algn="ctr"/>
+            <a:r>
+              <a:rPr lang="en-SG" sz="1200" dirty="0" err="1">
+                <a:solidFill>
+                  <a:schemeClr val="accent1"/>
+                </a:solidFill>
+              </a:rPr>
+              <a:t>getTotalSpend</a:t>
+            </a:r>
+            <a:r>
+              <a:rPr lang="en-SG" sz="1200" dirty="0">
+                <a:solidFill>
+                  <a:schemeClr val="accent1"/>
+                </a:solidFill>
+              </a:rPr>
+              <a:t>()</a:t>
+            </a:r>
+            <a:endParaRPr lang="en-US" sz="1200" dirty="0">
+              <a:solidFill>
+                <a:schemeClr val="accent1"/>
+              </a:solidFill>
+            </a:endParaRPr>
+          </a:p>
+        </p:txBody>
+      </p:sp>
+      <p:cxnSp>
+        <p:nvCxnSpPr>
+          <p:cNvPr id="124" name="Straight Arrow Connector 123">
+            <a:extLst>
+              <a:ext uri="{FF2B5EF4-FFF2-40B4-BE49-F238E27FC236}">
+                <a16:creationId xmlns:a16="http://schemas.microsoft.com/office/drawing/2014/main" id="{BC368E2F-B162-41FB-A256-E16CDB7A255F}"/>
+              </a:ext>
+            </a:extLst>
+          </p:cNvPr>
+          <p:cNvCxnSpPr>
+            <a:cxnSpLocks/>
+          </p:cNvCxnSpPr>
           <p:nvPr/>
-        </p:nvSpPr>
+        </p:nvCxnSpPr>
         <p:spPr>
           <a:xfrm>
-            <a:off x="9322492" y="2335589"/>
-            <a:ext cx="841636" cy="508687"/>
+            <a:off x="10320029" y="4531604"/>
+            <a:ext cx="3408289" cy="0"/>
           </a:xfrm>
-          <a:prstGeom prst="rect">
+          <a:prstGeom prst="straightConnector1">
             <a:avLst/>
           </a:prstGeom>
           <a:solidFill>
@@ -4796,419 +7438,6 @@
           <a:ln w="19050">
             <a:solidFill>
               <a:srgbClr val="7030A0"/>
-            </a:solidFill>
-          </a:ln>
-          <a:effectLst/>
-        </p:spPr>
-        <p:style>
-          <a:lnRef idx="1">
-            <a:schemeClr val="accent2"/>
-          </a:lnRef>
-          <a:fillRef idx="2">
-            <a:schemeClr val="accent2"/>
-          </a:fillRef>
-          <a:effectRef idx="1">
-            <a:schemeClr val="accent2"/>
-          </a:effectRef>
-          <a:fontRef idx="minor">
-            <a:schemeClr val="dk1"/>
-          </a:fontRef>
-        </p:style>
-        <p:txBody>
-          <a:bodyPr rtlCol="0" anchor="ctr"/>
-          <a:lstStyle/>
-          <a:p>
-            <a:pPr algn="ctr"/>
-            <a:r>
-              <a:rPr lang="en-US" sz="1600" dirty="0">
-                <a:solidFill>
-                  <a:schemeClr val="bg1"/>
-                </a:solidFill>
-              </a:rPr>
-              <a:t>: Model</a:t>
-            </a:r>
-            <a:endParaRPr lang="en-SG" sz="1600" dirty="0">
-              <a:solidFill>
-                <a:schemeClr val="bg1"/>
-              </a:solidFill>
-            </a:endParaRPr>
-          </a:p>
-        </p:txBody>
-      </p:sp>
-      <p:cxnSp>
-        <p:nvCxnSpPr>
-          <p:cNvPr id="31" name="Straight Connector 30">
-            <a:extLst>
-              <a:ext uri="{FF2B5EF4-FFF2-40B4-BE49-F238E27FC236}">
-                <a16:creationId xmlns:a16="http://schemas.microsoft.com/office/drawing/2014/main" id="{AFE50887-E604-43FD-890B-9F0B983B195D}"/>
-              </a:ext>
-            </a:extLst>
-          </p:cNvPr>
-          <p:cNvCxnSpPr>
-            <a:cxnSpLocks/>
-          </p:cNvCxnSpPr>
-          <p:nvPr/>
-        </p:nvCxnSpPr>
-        <p:spPr>
-          <a:xfrm>
-            <a:off x="9757826" y="2694186"/>
-            <a:ext cx="1" cy="2229402"/>
-          </a:xfrm>
-          <a:prstGeom prst="line">
-            <a:avLst/>
-          </a:prstGeom>
-          <a:ln w="19050">
-            <a:solidFill>
-              <a:srgbClr val="7030A0"/>
-            </a:solidFill>
-            <a:prstDash val="sysDash"/>
-          </a:ln>
-          <a:effectLst/>
-        </p:spPr>
-        <p:style>
-          <a:lnRef idx="1">
-            <a:schemeClr val="accent1"/>
-          </a:lnRef>
-          <a:fillRef idx="2">
-            <a:schemeClr val="accent1"/>
-          </a:fillRef>
-          <a:effectRef idx="1">
-            <a:schemeClr val="accent1"/>
-          </a:effectRef>
-          <a:fontRef idx="minor">
-            <a:schemeClr val="dk1"/>
-          </a:fontRef>
-        </p:style>
-      </p:cxnSp>
-      <p:sp>
-        <p:nvSpPr>
-          <p:cNvPr id="32" name="Rectangle 31">
-            <a:extLst>
-              <a:ext uri="{FF2B5EF4-FFF2-40B4-BE49-F238E27FC236}">
-                <a16:creationId xmlns:a16="http://schemas.microsoft.com/office/drawing/2014/main" id="{AA65F0FC-14D2-4C68-85E5-1E2139BAC546}"/>
-              </a:ext>
-            </a:extLst>
-          </p:cNvPr>
-          <p:cNvSpPr/>
-          <p:nvPr/>
-        </p:nvSpPr>
-        <p:spPr>
-          <a:xfrm>
-            <a:off x="9658862" y="3492678"/>
-            <a:ext cx="168896" cy="775693"/>
-          </a:xfrm>
-          <a:prstGeom prst="rect">
-            <a:avLst/>
-          </a:prstGeom>
-          <a:solidFill>
-            <a:srgbClr val="7030A0"/>
-          </a:solidFill>
-          <a:ln>
-            <a:solidFill>
-              <a:srgbClr val="7030A0"/>
-            </a:solidFill>
-          </a:ln>
-          <a:effectLst/>
-        </p:spPr>
-        <p:style>
-          <a:lnRef idx="1">
-            <a:schemeClr val="accent3"/>
-          </a:lnRef>
-          <a:fillRef idx="2">
-            <a:schemeClr val="accent3"/>
-          </a:fillRef>
-          <a:effectRef idx="1">
-            <a:schemeClr val="accent3"/>
-          </a:effectRef>
-          <a:fontRef idx="minor">
-            <a:schemeClr val="dk1"/>
-          </a:fontRef>
-        </p:style>
-        <p:txBody>
-          <a:bodyPr rtlCol="0" anchor="ctr"/>
-          <a:lstStyle/>
-          <a:p>
-            <a:pPr algn="ctr"/>
-            <a:endParaRPr lang="en-SG" sz="1400"/>
-          </a:p>
-        </p:txBody>
-      </p:sp>
-      <p:cxnSp>
-        <p:nvCxnSpPr>
-          <p:cNvPr id="33" name="Straight Arrow Connector 32">
-            <a:extLst>
-              <a:ext uri="{FF2B5EF4-FFF2-40B4-BE49-F238E27FC236}">
-                <a16:creationId xmlns:a16="http://schemas.microsoft.com/office/drawing/2014/main" id="{394F31EC-2C7E-4403-9CDE-54FF51186C53}"/>
-              </a:ext>
-            </a:extLst>
-          </p:cNvPr>
-          <p:cNvCxnSpPr>
-            <a:cxnSpLocks/>
-          </p:cNvCxnSpPr>
-          <p:nvPr/>
-        </p:nvCxnSpPr>
-        <p:spPr>
-          <a:xfrm>
-            <a:off x="6131857" y="3509916"/>
-            <a:ext cx="3535578" cy="0"/>
-          </a:xfrm>
-          <a:prstGeom prst="straightConnector1">
-            <a:avLst/>
-          </a:prstGeom>
-          <a:ln w="19050">
-            <a:solidFill>
-              <a:srgbClr val="0070C0"/>
-            </a:solidFill>
-            <a:tailEnd type="arrow"/>
-          </a:ln>
-        </p:spPr>
-        <p:style>
-          <a:lnRef idx="1">
-            <a:schemeClr val="accent1"/>
-          </a:lnRef>
-          <a:fillRef idx="0">
-            <a:schemeClr val="accent1"/>
-          </a:fillRef>
-          <a:effectRef idx="0">
-            <a:schemeClr val="accent1"/>
-          </a:effectRef>
-          <a:fontRef idx="minor">
-            <a:schemeClr val="tx1"/>
-          </a:fontRef>
-        </p:style>
-      </p:cxnSp>
-      <p:sp>
-        <p:nvSpPr>
-          <p:cNvPr id="34" name="TextBox 33">
-            <a:extLst>
-              <a:ext uri="{FF2B5EF4-FFF2-40B4-BE49-F238E27FC236}">
-                <a16:creationId xmlns:a16="http://schemas.microsoft.com/office/drawing/2014/main" id="{02051D59-378F-4D0E-9615-B7E084E7730B}"/>
-              </a:ext>
-            </a:extLst>
-          </p:cNvPr>
-          <p:cNvSpPr txBox="1"/>
-          <p:nvPr/>
-        </p:nvSpPr>
-        <p:spPr>
-          <a:xfrm>
-            <a:off x="6002655" y="4692777"/>
-            <a:ext cx="258404" cy="261610"/>
-          </a:xfrm>
-          <a:prstGeom prst="rect">
-            <a:avLst/>
-          </a:prstGeom>
-          <a:noFill/>
-        </p:spPr>
-        <p:txBody>
-          <a:bodyPr wrap="none" rtlCol="0">
-            <a:spAutoFit/>
-          </a:bodyPr>
-          <a:lstStyle/>
-          <a:p>
-            <a:r>
-              <a:rPr lang="en-SG" sz="1100" dirty="0">
-                <a:solidFill>
-                  <a:srgbClr val="002060"/>
-                </a:solidFill>
-              </a:rPr>
-              <a:t>X</a:t>
-            </a:r>
-          </a:p>
-        </p:txBody>
-      </p:sp>
-      <p:sp>
-        <p:nvSpPr>
-          <p:cNvPr id="35" name="Rectangle 62">
-            <a:extLst>
-              <a:ext uri="{FF2B5EF4-FFF2-40B4-BE49-F238E27FC236}">
-                <a16:creationId xmlns:a16="http://schemas.microsoft.com/office/drawing/2014/main" id="{84307160-C93D-42E6-B172-73A40C52F575}"/>
-              </a:ext>
-            </a:extLst>
-          </p:cNvPr>
-          <p:cNvSpPr/>
-          <p:nvPr/>
-        </p:nvSpPr>
-        <p:spPr>
-          <a:xfrm>
-            <a:off x="5580116" y="1404448"/>
-            <a:ext cx="1093635" cy="678392"/>
-          </a:xfrm>
-          <a:prstGeom prst="rect">
-            <a:avLst/>
-          </a:prstGeom>
-          <a:solidFill>
-            <a:srgbClr val="0070C0"/>
-          </a:solidFill>
-          <a:ln w="19050">
-            <a:solidFill>
-              <a:srgbClr val="0070C0"/>
-            </a:solidFill>
-          </a:ln>
-          <a:effectLst/>
-        </p:spPr>
-        <p:style>
-          <a:lnRef idx="1">
-            <a:schemeClr val="accent2"/>
-          </a:lnRef>
-          <a:fillRef idx="2">
-            <a:schemeClr val="accent2"/>
-          </a:fillRef>
-          <a:effectRef idx="1">
-            <a:schemeClr val="accent2"/>
-          </a:effectRef>
-          <a:fontRef idx="minor">
-            <a:schemeClr val="dk1"/>
-          </a:fontRef>
-        </p:style>
-        <p:txBody>
-          <a:bodyPr rtlCol="0" anchor="ctr"/>
-          <a:lstStyle/>
-          <a:p>
-            <a:pPr algn="ctr"/>
-            <a:r>
-              <a:rPr lang="en-US" sz="1600" dirty="0">
-                <a:solidFill>
-                  <a:schemeClr val="bg1"/>
-                </a:solidFill>
-              </a:rPr>
-              <a:t>l:Limit</a:t>
-            </a:r>
-            <a:br>
-              <a:rPr lang="en-US" sz="1600" dirty="0">
-                <a:solidFill>
-                  <a:schemeClr val="bg1"/>
-                </a:solidFill>
-              </a:rPr>
-            </a:br>
-            <a:r>
-              <a:rPr lang="en-US" sz="1600" dirty="0">
-                <a:solidFill>
-                  <a:schemeClr val="bg1"/>
-                </a:solidFill>
-              </a:rPr>
-              <a:t>Command</a:t>
-            </a:r>
-            <a:endParaRPr lang="en-SG" sz="1600" dirty="0">
-              <a:solidFill>
-                <a:schemeClr val="bg1"/>
-              </a:solidFill>
-            </a:endParaRPr>
-          </a:p>
-        </p:txBody>
-      </p:sp>
-      <p:cxnSp>
-        <p:nvCxnSpPr>
-          <p:cNvPr id="36" name="Straight Arrow Connector 35">
-            <a:extLst>
-              <a:ext uri="{FF2B5EF4-FFF2-40B4-BE49-F238E27FC236}">
-                <a16:creationId xmlns:a16="http://schemas.microsoft.com/office/drawing/2014/main" id="{4B1D2651-05F8-47E8-9F56-0FA42A32A320}"/>
-              </a:ext>
-            </a:extLst>
-          </p:cNvPr>
-          <p:cNvCxnSpPr>
-            <a:cxnSpLocks/>
-          </p:cNvCxnSpPr>
-          <p:nvPr/>
-        </p:nvCxnSpPr>
-        <p:spPr>
-          <a:xfrm>
-            <a:off x="2221126" y="3165880"/>
-            <a:ext cx="3832164" cy="1"/>
-          </a:xfrm>
-          <a:prstGeom prst="straightConnector1">
-            <a:avLst/>
-          </a:prstGeom>
-          <a:ln w="19050">
-            <a:solidFill>
-              <a:srgbClr val="0070C0"/>
-            </a:solidFill>
-            <a:tailEnd type="arrow"/>
-          </a:ln>
-        </p:spPr>
-        <p:style>
-          <a:lnRef idx="1">
-            <a:schemeClr val="accent1"/>
-          </a:lnRef>
-          <a:fillRef idx="0">
-            <a:schemeClr val="accent1"/>
-          </a:fillRef>
-          <a:effectRef idx="0">
-            <a:schemeClr val="accent1"/>
-          </a:effectRef>
-          <a:fontRef idx="minor">
-            <a:schemeClr val="tx1"/>
-          </a:fontRef>
-        </p:style>
-      </p:cxnSp>
-      <p:cxnSp>
-        <p:nvCxnSpPr>
-          <p:cNvPr id="37" name="Straight Arrow Connector 36">
-            <a:extLst>
-              <a:ext uri="{FF2B5EF4-FFF2-40B4-BE49-F238E27FC236}">
-                <a16:creationId xmlns:a16="http://schemas.microsoft.com/office/drawing/2014/main" id="{D9A20793-DF15-4AB6-BDA2-D4E60BB19C25}"/>
-              </a:ext>
-            </a:extLst>
-          </p:cNvPr>
-          <p:cNvCxnSpPr>
-            <a:cxnSpLocks/>
-          </p:cNvCxnSpPr>
-          <p:nvPr/>
-        </p:nvCxnSpPr>
-        <p:spPr>
-          <a:xfrm>
-            <a:off x="2238020" y="1798484"/>
-            <a:ext cx="2256705" cy="1"/>
-          </a:xfrm>
-          <a:prstGeom prst="straightConnector1">
-            <a:avLst/>
-          </a:prstGeom>
-          <a:ln w="19050">
-            <a:solidFill>
-              <a:srgbClr val="0070C0"/>
-            </a:solidFill>
-            <a:tailEnd type="arrow"/>
-          </a:ln>
-        </p:spPr>
-        <p:style>
-          <a:lnRef idx="1">
-            <a:schemeClr val="accent1"/>
-          </a:lnRef>
-          <a:fillRef idx="0">
-            <a:schemeClr val="accent1"/>
-          </a:fillRef>
-          <a:effectRef idx="0">
-            <a:schemeClr val="accent1"/>
-          </a:effectRef>
-          <a:fontRef idx="minor">
-            <a:schemeClr val="tx1"/>
-          </a:fontRef>
-        </p:style>
-      </p:cxnSp>
-      <p:cxnSp>
-        <p:nvCxnSpPr>
-          <p:cNvPr id="38" name="Straight Arrow Connector 37">
-            <a:extLst>
-              <a:ext uri="{FF2B5EF4-FFF2-40B4-BE49-F238E27FC236}">
-                <a16:creationId xmlns:a16="http://schemas.microsoft.com/office/drawing/2014/main" id="{99A239FC-0346-4C57-B63C-2EF01D59F188}"/>
-              </a:ext>
-            </a:extLst>
-          </p:cNvPr>
-          <p:cNvCxnSpPr>
-            <a:cxnSpLocks/>
-          </p:cNvCxnSpPr>
-          <p:nvPr/>
-        </p:nvCxnSpPr>
-        <p:spPr>
-          <a:xfrm>
-            <a:off x="2221773" y="4471028"/>
-            <a:ext cx="3831517" cy="0"/>
-          </a:xfrm>
-          <a:prstGeom prst="straightConnector1">
-            <a:avLst/>
-          </a:prstGeom>
-          <a:ln w="19050">
-            <a:solidFill>
-              <a:srgbClr val="0070C0"/>
             </a:solidFill>
             <a:prstDash val="sysDash"/>
             <a:headEnd type="arrow" w="med" len="med"/>
@@ -5232,10 +7461,10 @@
       </p:cxnSp>
       <p:cxnSp>
         <p:nvCxnSpPr>
-          <p:cNvPr id="39" name="Straight Connector 38">
-            <a:extLst>
-              <a:ext uri="{FF2B5EF4-FFF2-40B4-BE49-F238E27FC236}">
-                <a16:creationId xmlns:a16="http://schemas.microsoft.com/office/drawing/2014/main" id="{5C8EF61E-11A0-4E2D-A0E9-260BFA02BA76}"/>
+          <p:cNvPr id="126" name="Straight Arrow Connector 125">
+            <a:extLst>
+              <a:ext uri="{FF2B5EF4-FFF2-40B4-BE49-F238E27FC236}">
+                <a16:creationId xmlns:a16="http://schemas.microsoft.com/office/drawing/2014/main" id="{D693101E-763A-43DD-8502-8BEE9E5840DF}"/>
               </a:ext>
             </a:extLst>
           </p:cNvPr>
@@ -5246,124 +7475,8 @@
         </p:nvCxnSpPr>
         <p:spPr>
           <a:xfrm>
-            <a:off x="11359378" y="3405927"/>
-            <a:ext cx="17996" cy="1467648"/>
-          </a:xfrm>
-          <a:prstGeom prst="line">
-            <a:avLst/>
-          </a:prstGeom>
-          <a:ln w="19050">
-            <a:solidFill>
-              <a:srgbClr val="7030A0"/>
-            </a:solidFill>
-            <a:prstDash val="sysDash"/>
-          </a:ln>
-          <a:effectLst/>
-        </p:spPr>
-        <p:style>
-          <a:lnRef idx="1">
-            <a:schemeClr val="accent1"/>
-          </a:lnRef>
-          <a:fillRef idx="2">
-            <a:schemeClr val="accent1"/>
-          </a:fillRef>
-          <a:effectRef idx="1">
-            <a:schemeClr val="accent1"/>
-          </a:effectRef>
-          <a:fontRef idx="minor">
-            <a:schemeClr val="dk1"/>
-          </a:fontRef>
-        </p:style>
-      </p:cxnSp>
-      <p:sp>
-        <p:nvSpPr>
-          <p:cNvPr id="40" name="TextBox 39">
-            <a:extLst>
-              <a:ext uri="{FF2B5EF4-FFF2-40B4-BE49-F238E27FC236}">
-                <a16:creationId xmlns:a16="http://schemas.microsoft.com/office/drawing/2014/main" id="{07841AAC-ADC2-4CC1-941B-3120ACFA8C01}"/>
-              </a:ext>
-            </a:extLst>
-          </p:cNvPr>
-          <p:cNvSpPr txBox="1"/>
-          <p:nvPr/>
-        </p:nvSpPr>
-        <p:spPr>
-          <a:xfrm>
-            <a:off x="9988464" y="3509916"/>
-            <a:ext cx="1002249" cy="184666"/>
-          </a:xfrm>
-          <a:prstGeom prst="rect">
-            <a:avLst/>
-          </a:prstGeom>
-          <a:noFill/>
-          <a:ln>
-            <a:noFill/>
-          </a:ln>
-        </p:spPr>
-        <p:txBody>
-          <a:bodyPr wrap="square" lIns="0" tIns="0" rIns="0" bIns="0" rtlCol="0">
-            <a:spAutoFit/>
-          </a:bodyPr>
-          <a:lstStyle>
-            <a:defPPr>
-              <a:defRPr lang="en-US"/>
-            </a:defPPr>
-            <a:lvl1pPr algn="r">
-              <a:defRPr sz="1400">
-                <a:solidFill>
-                  <a:srgbClr val="0070C0"/>
-                </a:solidFill>
-              </a:defRPr>
-            </a:lvl1pPr>
-          </a:lstStyle>
-          <a:p>
-            <a:r>
-              <a:rPr lang="en-US" sz="1200" dirty="0" err="1">
-                <a:solidFill>
-                  <a:srgbClr val="7030A0"/>
-                </a:solidFill>
-              </a:rPr>
-              <a:t>Recordlist</a:t>
-            </a:r>
-            <a:r>
-              <a:rPr lang="en-US" sz="1200" dirty="0">
-                <a:solidFill>
-                  <a:srgbClr val="7030A0"/>
-                </a:solidFill>
-              </a:rPr>
-              <a:t>)</a:t>
-            </a:r>
-            <a:r>
-              <a:rPr lang="en-US" sz="1200" dirty="0">
-                <a:solidFill>
-                  <a:schemeClr val="accent4">
-                    <a:lumMod val="75000"/>
-                  </a:schemeClr>
-                </a:solidFill>
-              </a:rPr>
-              <a:t>)</a:t>
-            </a:r>
-          </a:p>
-        </p:txBody>
-      </p:sp>
-      <p:cxnSp>
-        <p:nvCxnSpPr>
-          <p:cNvPr id="41" name="Straight Arrow Connector 40">
-            <a:extLst>
-              <a:ext uri="{FF2B5EF4-FFF2-40B4-BE49-F238E27FC236}">
-                <a16:creationId xmlns:a16="http://schemas.microsoft.com/office/drawing/2014/main" id="{AC6A772E-ABE9-480A-8E5D-044510B0952F}"/>
-              </a:ext>
-            </a:extLst>
-          </p:cNvPr>
-          <p:cNvCxnSpPr>
-            <a:cxnSpLocks/>
-          </p:cNvCxnSpPr>
-          <p:nvPr/>
-        </p:nvCxnSpPr>
-        <p:spPr>
-          <a:xfrm>
-            <a:off x="9815326" y="3717411"/>
-            <a:ext cx="1470216" cy="0"/>
+            <a:off x="8917722" y="3956313"/>
+            <a:ext cx="1351149" cy="0"/>
           </a:xfrm>
           <a:prstGeom prst="straightConnector1">
             <a:avLst/>
@@ -5392,10 +7505,10 @@
       </p:cxnSp>
       <p:cxnSp>
         <p:nvCxnSpPr>
-          <p:cNvPr id="42" name="Straight Arrow Connector 41">
-            <a:extLst>
-              <a:ext uri="{FF2B5EF4-FFF2-40B4-BE49-F238E27FC236}">
-                <a16:creationId xmlns:a16="http://schemas.microsoft.com/office/drawing/2014/main" id="{80672EB3-7F54-451A-A565-7049D26BC5F6}"/>
+          <p:cNvPr id="127" name="Straight Arrow Connector 126">
+            <a:extLst>
+              <a:ext uri="{FF2B5EF4-FFF2-40B4-BE49-F238E27FC236}">
+                <a16:creationId xmlns:a16="http://schemas.microsoft.com/office/drawing/2014/main" id="{06183EBE-02E5-48A1-8550-EAF40BFDE7F0}"/>
               </a:ext>
             </a:extLst>
           </p:cNvPr>
@@ -5405,9 +7518,9 @@
           <p:nvPr/>
         </p:nvCxnSpPr>
         <p:spPr>
-          <a:xfrm flipV="1">
-            <a:off x="9815326" y="4099486"/>
-            <a:ext cx="1470216" cy="6325"/>
+          <a:xfrm>
+            <a:off x="9046481" y="3458737"/>
+            <a:ext cx="1351149" cy="0"/>
           </a:xfrm>
           <a:prstGeom prst="straightConnector1">
             <a:avLst/>
@@ -5416,529 +7529,7 @@
             <a:solidFill>
               <a:srgbClr val="7030A0"/>
             </a:solidFill>
-            <a:prstDash val="sysDash"/>
-            <a:headEnd type="arrow" w="med" len="med"/>
-            <a:tailEnd type="none" w="med" len="med"/>
-          </a:ln>
-        </p:spPr>
-        <p:style>
-          <a:lnRef idx="1">
-            <a:schemeClr val="accent1"/>
-          </a:lnRef>
-          <a:fillRef idx="0">
-            <a:schemeClr val="accent1"/>
-          </a:fillRef>
-          <a:effectRef idx="0">
-            <a:schemeClr val="accent1"/>
-          </a:effectRef>
-          <a:fontRef idx="minor">
-            <a:schemeClr val="tx1"/>
-          </a:fontRef>
-        </p:style>
-      </p:cxnSp>
-      <p:cxnSp>
-        <p:nvCxnSpPr>
-          <p:cNvPr id="43" name="Straight Arrow Connector 42">
-            <a:extLst>
-              <a:ext uri="{FF2B5EF4-FFF2-40B4-BE49-F238E27FC236}">
-                <a16:creationId xmlns:a16="http://schemas.microsoft.com/office/drawing/2014/main" id="{5EAFE6EE-76D7-44D9-89A3-8934E71CDC6E}"/>
-              </a:ext>
-            </a:extLst>
-          </p:cNvPr>
-          <p:cNvCxnSpPr>
-            <a:cxnSpLocks/>
-            <a:endCxn id="32" idx="2"/>
-          </p:cNvCxnSpPr>
-          <p:nvPr/>
-        </p:nvCxnSpPr>
-        <p:spPr>
-          <a:xfrm>
-            <a:off x="6216979" y="4268371"/>
-            <a:ext cx="3526331" cy="0"/>
-          </a:xfrm>
-          <a:prstGeom prst="straightConnector1">
-            <a:avLst/>
-          </a:prstGeom>
-          <a:ln w="19050">
-            <a:solidFill>
-              <a:srgbClr val="7030A0"/>
-            </a:solidFill>
-            <a:prstDash val="sysDash"/>
-            <a:headEnd type="arrow" w="med" len="med"/>
-            <a:tailEnd type="none" w="med" len="med"/>
-          </a:ln>
-        </p:spPr>
-        <p:style>
-          <a:lnRef idx="1">
-            <a:schemeClr val="accent1"/>
-          </a:lnRef>
-          <a:fillRef idx="0">
-            <a:schemeClr val="accent1"/>
-          </a:fillRef>
-          <a:effectRef idx="0">
-            <a:schemeClr val="accent1"/>
-          </a:effectRef>
-          <a:fontRef idx="minor">
-            <a:schemeClr val="tx1"/>
-          </a:fontRef>
-        </p:style>
-      </p:cxnSp>
-      <p:sp>
-        <p:nvSpPr>
-          <p:cNvPr id="44" name="Rectangle 62">
-            <a:extLst>
-              <a:ext uri="{FF2B5EF4-FFF2-40B4-BE49-F238E27FC236}">
-                <a16:creationId xmlns:a16="http://schemas.microsoft.com/office/drawing/2014/main" id="{4DD0C4A8-DB5A-40AE-8D5F-B2DD58D51171}"/>
-              </a:ext>
-            </a:extLst>
-          </p:cNvPr>
-          <p:cNvSpPr/>
-          <p:nvPr/>
-        </p:nvSpPr>
-        <p:spPr>
-          <a:xfrm>
-            <a:off x="7065549" y="1515617"/>
-            <a:ext cx="1615739" cy="819972"/>
-          </a:xfrm>
-          <a:prstGeom prst="rect">
-            <a:avLst/>
-          </a:prstGeom>
-          <a:solidFill>
-            <a:srgbClr val="0070C0"/>
-          </a:solidFill>
-          <a:ln w="19050">
-            <a:solidFill>
-              <a:srgbClr val="0070C0"/>
-            </a:solidFill>
-          </a:ln>
-          <a:effectLst/>
-        </p:spPr>
-        <p:style>
-          <a:lnRef idx="1">
-            <a:schemeClr val="accent2"/>
-          </a:lnRef>
-          <a:fillRef idx="2">
-            <a:schemeClr val="accent2"/>
-          </a:fillRef>
-          <a:effectRef idx="1">
-            <a:schemeClr val="accent2"/>
-          </a:effectRef>
-          <a:fontRef idx="minor">
-            <a:schemeClr val="dk1"/>
-          </a:fontRef>
-        </p:style>
-        <p:txBody>
-          <a:bodyPr rtlCol="0" anchor="ctr"/>
-          <a:lstStyle/>
-          <a:p>
-            <a:pPr algn="ctr"/>
-            <a:r>
-              <a:rPr lang="en-US" sz="1600" dirty="0">
-                <a:solidFill>
-                  <a:schemeClr val="bg1"/>
-                </a:solidFill>
-              </a:rPr>
-              <a:t>l:DateIsWithin</a:t>
-            </a:r>
-          </a:p>
-          <a:p>
-            <a:pPr algn="ctr"/>
-            <a:r>
-              <a:rPr lang="en-US" sz="1600" dirty="0" err="1">
-                <a:solidFill>
-                  <a:schemeClr val="bg1"/>
-                </a:solidFill>
-              </a:rPr>
-              <a:t>IntervalPredicate</a:t>
-            </a:r>
-            <a:endParaRPr lang="en-SG" sz="1600" dirty="0">
-              <a:solidFill>
-                <a:schemeClr val="bg1"/>
-              </a:solidFill>
-            </a:endParaRPr>
-          </a:p>
-        </p:txBody>
-      </p:sp>
-      <p:cxnSp>
-        <p:nvCxnSpPr>
-          <p:cNvPr id="45" name="Straight Arrow Connector 44">
-            <a:extLst>
-              <a:ext uri="{FF2B5EF4-FFF2-40B4-BE49-F238E27FC236}">
-                <a16:creationId xmlns:a16="http://schemas.microsoft.com/office/drawing/2014/main" id="{AD52DFF7-0CAA-47D2-B308-FAC1D504D6B4}"/>
-              </a:ext>
-            </a:extLst>
-          </p:cNvPr>
-          <p:cNvCxnSpPr>
-            <a:cxnSpLocks/>
-          </p:cNvCxnSpPr>
-          <p:nvPr/>
-        </p:nvCxnSpPr>
-        <p:spPr>
-          <a:xfrm>
-            <a:off x="6200335" y="2441350"/>
-            <a:ext cx="1648799" cy="0"/>
-          </a:xfrm>
-          <a:prstGeom prst="straightConnector1">
-            <a:avLst/>
-          </a:prstGeom>
-          <a:ln w="19050">
-            <a:solidFill>
-              <a:srgbClr val="0070C0"/>
-            </a:solidFill>
-            <a:prstDash val="sysDash"/>
-            <a:headEnd type="arrow" w="med" len="med"/>
-            <a:tailEnd type="none" w="med" len="med"/>
-          </a:ln>
-        </p:spPr>
-        <p:style>
-          <a:lnRef idx="1">
-            <a:schemeClr val="accent1"/>
-          </a:lnRef>
-          <a:fillRef idx="0">
-            <a:schemeClr val="accent1"/>
-          </a:fillRef>
-          <a:effectRef idx="0">
-            <a:schemeClr val="accent1"/>
-          </a:effectRef>
-          <a:fontRef idx="minor">
-            <a:schemeClr val="tx1"/>
-          </a:fontRef>
-        </p:style>
-      </p:cxnSp>
-      <p:cxnSp>
-        <p:nvCxnSpPr>
-          <p:cNvPr id="46" name="Straight Arrow Connector 45">
-            <a:extLst>
-              <a:ext uri="{FF2B5EF4-FFF2-40B4-BE49-F238E27FC236}">
-                <a16:creationId xmlns:a16="http://schemas.microsoft.com/office/drawing/2014/main" id="{E8405F65-6409-4E2C-A3F9-ABF2B8DDDFDE}"/>
-              </a:ext>
-            </a:extLst>
-          </p:cNvPr>
-          <p:cNvCxnSpPr>
-            <a:cxnSpLocks/>
-          </p:cNvCxnSpPr>
-          <p:nvPr/>
-        </p:nvCxnSpPr>
-        <p:spPr>
-          <a:xfrm>
-            <a:off x="6131857" y="2195332"/>
-            <a:ext cx="927978" cy="0"/>
-          </a:xfrm>
-          <a:prstGeom prst="straightConnector1">
-            <a:avLst/>
-          </a:prstGeom>
-          <a:ln w="19050">
-            <a:solidFill>
-              <a:srgbClr val="0070C0"/>
-            </a:solidFill>
             <a:tailEnd type="arrow"/>
-          </a:ln>
-        </p:spPr>
-        <p:style>
-          <a:lnRef idx="1">
-            <a:schemeClr val="accent1"/>
-          </a:lnRef>
-          <a:fillRef idx="0">
-            <a:schemeClr val="accent1"/>
-          </a:fillRef>
-          <a:effectRef idx="0">
-            <a:schemeClr val="accent1"/>
-          </a:effectRef>
-          <a:fontRef idx="minor">
-            <a:schemeClr val="tx1"/>
-          </a:fontRef>
-        </p:style>
-      </p:cxnSp>
-      <p:cxnSp>
-        <p:nvCxnSpPr>
-          <p:cNvPr id="47" name="Straight Connector 46">
-            <a:extLst>
-              <a:ext uri="{FF2B5EF4-FFF2-40B4-BE49-F238E27FC236}">
-                <a16:creationId xmlns:a16="http://schemas.microsoft.com/office/drawing/2014/main" id="{C23474E5-1337-4695-A9A2-4CE8993FF3E0}"/>
-              </a:ext>
-            </a:extLst>
-          </p:cNvPr>
-          <p:cNvCxnSpPr>
-            <a:cxnSpLocks/>
-          </p:cNvCxnSpPr>
-          <p:nvPr/>
-        </p:nvCxnSpPr>
-        <p:spPr>
-          <a:xfrm flipH="1">
-            <a:off x="7855976" y="2448081"/>
-            <a:ext cx="1" cy="749658"/>
-          </a:xfrm>
-          <a:prstGeom prst="line">
-            <a:avLst/>
-          </a:prstGeom>
-          <a:ln w="19050">
-            <a:solidFill>
-              <a:srgbClr val="0070C0"/>
-            </a:solidFill>
-            <a:prstDash val="sysDash"/>
-          </a:ln>
-          <a:effectLst/>
-        </p:spPr>
-        <p:style>
-          <a:lnRef idx="1">
-            <a:schemeClr val="accent1"/>
-          </a:lnRef>
-          <a:fillRef idx="2">
-            <a:schemeClr val="accent1"/>
-          </a:fillRef>
-          <a:effectRef idx="1">
-            <a:schemeClr val="accent1"/>
-          </a:effectRef>
-          <a:fontRef idx="minor">
-            <a:schemeClr val="dk1"/>
-          </a:fontRef>
-        </p:style>
-      </p:cxnSp>
-      <p:sp>
-        <p:nvSpPr>
-          <p:cNvPr id="48" name="TextBox 47">
-            <a:extLst>
-              <a:ext uri="{FF2B5EF4-FFF2-40B4-BE49-F238E27FC236}">
-                <a16:creationId xmlns:a16="http://schemas.microsoft.com/office/drawing/2014/main" id="{BB9D831B-D3AD-4DEE-A562-A4D5258C6639}"/>
-              </a:ext>
-            </a:extLst>
-          </p:cNvPr>
-          <p:cNvSpPr txBox="1"/>
-          <p:nvPr/>
-        </p:nvSpPr>
-        <p:spPr>
-          <a:xfrm>
-            <a:off x="6528116" y="2228691"/>
-            <a:ext cx="356677" cy="215444"/>
-          </a:xfrm>
-          <a:prstGeom prst="rect">
-            <a:avLst/>
-          </a:prstGeom>
-          <a:noFill/>
-        </p:spPr>
-        <p:txBody>
-          <a:bodyPr wrap="square" lIns="0" tIns="0" rIns="0" bIns="0" rtlCol="0">
-            <a:spAutoFit/>
-          </a:bodyPr>
-          <a:lstStyle>
-            <a:defPPr>
-              <a:defRPr lang="en-US"/>
-            </a:defPPr>
-            <a:lvl1pPr algn="r">
-              <a:defRPr sz="1400">
-                <a:solidFill>
-                  <a:srgbClr val="0070C0"/>
-                </a:solidFill>
-              </a:defRPr>
-            </a:lvl1pPr>
-          </a:lstStyle>
-          <a:p>
-            <a:r>
-              <a:rPr lang="en-US" dirty="0"/>
-              <a:t>p</a:t>
-            </a:r>
-          </a:p>
-        </p:txBody>
-      </p:sp>
-      <p:sp>
-        <p:nvSpPr>
-          <p:cNvPr id="49" name="TextBox 48">
-            <a:extLst>
-              <a:ext uri="{FF2B5EF4-FFF2-40B4-BE49-F238E27FC236}">
-                <a16:creationId xmlns:a16="http://schemas.microsoft.com/office/drawing/2014/main" id="{BFCFFA08-BDC7-4F71-9272-53928A1C2360}"/>
-              </a:ext>
-            </a:extLst>
-          </p:cNvPr>
-          <p:cNvSpPr txBox="1"/>
-          <p:nvPr/>
-        </p:nvSpPr>
-        <p:spPr>
-          <a:xfrm>
-            <a:off x="5119734" y="2309472"/>
-            <a:ext cx="220343" cy="215444"/>
-          </a:xfrm>
-          <a:prstGeom prst="rect">
-            <a:avLst/>
-          </a:prstGeom>
-          <a:noFill/>
-        </p:spPr>
-        <p:txBody>
-          <a:bodyPr wrap="square" lIns="0" tIns="0" rIns="0" bIns="0" rtlCol="0">
-            <a:spAutoFit/>
-          </a:bodyPr>
-          <a:lstStyle>
-            <a:defPPr>
-              <a:defRPr lang="en-US"/>
-            </a:defPPr>
-            <a:lvl1pPr algn="r">
-              <a:defRPr sz="1400">
-                <a:solidFill>
-                  <a:srgbClr val="0070C0"/>
-                </a:solidFill>
-              </a:defRPr>
-            </a:lvl1pPr>
-          </a:lstStyle>
-          <a:p>
-            <a:r>
-              <a:rPr lang="en-US" dirty="0"/>
-              <a:t>l</a:t>
-            </a:r>
-          </a:p>
-        </p:txBody>
-      </p:sp>
-      <p:cxnSp>
-        <p:nvCxnSpPr>
-          <p:cNvPr id="50" name="Straight Connector 49">
-            <a:extLst>
-              <a:ext uri="{FF2B5EF4-FFF2-40B4-BE49-F238E27FC236}">
-                <a16:creationId xmlns:a16="http://schemas.microsoft.com/office/drawing/2014/main" id="{4AC95A75-CA9F-47F3-B87C-7F70ABF9B9F1}"/>
-              </a:ext>
-            </a:extLst>
-          </p:cNvPr>
-          <p:cNvCxnSpPr>
-            <a:cxnSpLocks/>
-          </p:cNvCxnSpPr>
-          <p:nvPr/>
-        </p:nvCxnSpPr>
-        <p:spPr>
-          <a:xfrm>
-            <a:off x="7857394" y="4380467"/>
-            <a:ext cx="0" cy="312310"/>
-          </a:xfrm>
-          <a:prstGeom prst="line">
-            <a:avLst/>
-          </a:prstGeom>
-          <a:ln w="19050">
-            <a:solidFill>
-              <a:srgbClr val="0070C0"/>
-            </a:solidFill>
-            <a:prstDash val="sysDash"/>
-          </a:ln>
-          <a:effectLst/>
-        </p:spPr>
-        <p:style>
-          <a:lnRef idx="1">
-            <a:schemeClr val="accent1"/>
-          </a:lnRef>
-          <a:fillRef idx="2">
-            <a:schemeClr val="accent1"/>
-          </a:fillRef>
-          <a:effectRef idx="1">
-            <a:schemeClr val="accent1"/>
-          </a:effectRef>
-          <a:fontRef idx="minor">
-            <a:schemeClr val="dk1"/>
-          </a:fontRef>
-        </p:style>
-      </p:cxnSp>
-      <p:sp>
-        <p:nvSpPr>
-          <p:cNvPr id="51" name="TextBox 50">
-            <a:extLst>
-              <a:ext uri="{FF2B5EF4-FFF2-40B4-BE49-F238E27FC236}">
-                <a16:creationId xmlns:a16="http://schemas.microsoft.com/office/drawing/2014/main" id="{C3377495-5A44-4684-B8DE-47C260DA7FCF}"/>
-              </a:ext>
-            </a:extLst>
-          </p:cNvPr>
-          <p:cNvSpPr txBox="1"/>
-          <p:nvPr/>
-        </p:nvSpPr>
-        <p:spPr>
-          <a:xfrm>
-            <a:off x="7733408" y="4674067"/>
-            <a:ext cx="258404" cy="261610"/>
-          </a:xfrm>
-          <a:prstGeom prst="rect">
-            <a:avLst/>
-          </a:prstGeom>
-          <a:noFill/>
-        </p:spPr>
-        <p:txBody>
-          <a:bodyPr wrap="none" rtlCol="0">
-            <a:spAutoFit/>
-          </a:bodyPr>
-          <a:lstStyle/>
-          <a:p>
-            <a:r>
-              <a:rPr lang="en-SG" sz="1100" dirty="0">
-                <a:solidFill>
-                  <a:srgbClr val="002060"/>
-                </a:solidFill>
-              </a:rPr>
-              <a:t>X</a:t>
-            </a:r>
-          </a:p>
-        </p:txBody>
-      </p:sp>
-      <p:sp>
-        <p:nvSpPr>
-          <p:cNvPr id="52" name="TextBox 51">
-            <a:extLst>
-              <a:ext uri="{FF2B5EF4-FFF2-40B4-BE49-F238E27FC236}">
-                <a16:creationId xmlns:a16="http://schemas.microsoft.com/office/drawing/2014/main" id="{3E4E65EB-4E23-4F60-A0EB-1C136F0CFC94}"/>
-              </a:ext>
-            </a:extLst>
-          </p:cNvPr>
-          <p:cNvSpPr txBox="1"/>
-          <p:nvPr/>
-        </p:nvSpPr>
-        <p:spPr>
-          <a:xfrm>
-            <a:off x="7185528" y="3951526"/>
-            <a:ext cx="1395979" cy="369332"/>
-          </a:xfrm>
-          <a:prstGeom prst="rect">
-            <a:avLst/>
-          </a:prstGeom>
-          <a:noFill/>
-        </p:spPr>
-        <p:txBody>
-          <a:bodyPr wrap="square" rtlCol="0">
-            <a:spAutoFit/>
-          </a:bodyPr>
-          <a:lstStyle/>
-          <a:p>
-            <a:r>
-              <a:rPr lang="en-SG" altLang="zh-CN" dirty="0" err="1">
-                <a:solidFill>
-                  <a:srgbClr val="FF0000"/>
-                </a:solidFill>
-              </a:rPr>
-              <a:t>isExceeded</a:t>
-            </a:r>
-            <a:endParaRPr lang="zh-CN" altLang="en-US" dirty="0">
-              <a:solidFill>
-                <a:srgbClr val="FF0000"/>
-              </a:solidFill>
-            </a:endParaRPr>
-          </a:p>
-        </p:txBody>
-      </p:sp>
-      <p:cxnSp>
-        <p:nvCxnSpPr>
-          <p:cNvPr id="54" name="Straight Arrow Connector 53">
-            <a:extLst>
-              <a:ext uri="{FF2B5EF4-FFF2-40B4-BE49-F238E27FC236}">
-                <a16:creationId xmlns:a16="http://schemas.microsoft.com/office/drawing/2014/main" id="{BA7D94A5-AFCB-4466-B17C-D16A36668B57}"/>
-              </a:ext>
-            </a:extLst>
-          </p:cNvPr>
-          <p:cNvCxnSpPr>
-            <a:cxnSpLocks/>
-            <a:endCxn id="52" idx="0"/>
-          </p:cNvCxnSpPr>
-          <p:nvPr/>
-        </p:nvCxnSpPr>
-        <p:spPr>
-          <a:xfrm>
-            <a:off x="7876595" y="3449578"/>
-            <a:ext cx="6923" cy="501948"/>
-          </a:xfrm>
-          <a:prstGeom prst="straightConnector1">
-            <a:avLst/>
-          </a:prstGeom>
-          <a:ln>
-            <a:tailEnd type="triangle"/>
           </a:ln>
         </p:spPr>
         <p:style>
@@ -5959,7 +7550,7 @@
     </p:spTree>
     <p:extLst>
       <p:ext uri="{BB962C8B-B14F-4D97-AF65-F5344CB8AC3E}">
-        <p14:creationId xmlns:p14="http://schemas.microsoft.com/office/powerpoint/2010/main" val="118985980"/>
+        <p14:creationId xmlns:p14="http://schemas.microsoft.com/office/powerpoint/2010/main" val="2777378442"/>
       </p:ext>
     </p:extLst>
   </p:cSld>
